--- a/deel2.pptx
+++ b/deel2.pptx
@@ -5,7 +5,7 @@
     <p:sldMasterId id="2147483648" r:id="rId1"/>
   </p:sldMasterIdLst>
   <p:notesMasterIdLst>
-    <p:notesMasterId r:id="rId58"/>
+    <p:notesMasterId r:id="rId60"/>
   </p:notesMasterIdLst>
   <p:sldIdLst>
     <p:sldId id="275" r:id="rId2"/>
@@ -17,53 +17,55 @@
     <p:sldId id="355" r:id="rId8"/>
     <p:sldId id="402" r:id="rId9"/>
     <p:sldId id="403" r:id="rId10"/>
-    <p:sldId id="356" r:id="rId11"/>
-    <p:sldId id="391" r:id="rId12"/>
-    <p:sldId id="392" r:id="rId13"/>
-    <p:sldId id="394" r:id="rId14"/>
-    <p:sldId id="396" r:id="rId15"/>
-    <p:sldId id="398" r:id="rId16"/>
-    <p:sldId id="405" r:id="rId17"/>
-    <p:sldId id="399" r:id="rId18"/>
-    <p:sldId id="407" r:id="rId19"/>
-    <p:sldId id="408" r:id="rId20"/>
-    <p:sldId id="406" r:id="rId21"/>
-    <p:sldId id="412" r:id="rId22"/>
-    <p:sldId id="414" r:id="rId23"/>
-    <p:sldId id="413" r:id="rId24"/>
-    <p:sldId id="409" r:id="rId25"/>
-    <p:sldId id="417" r:id="rId26"/>
-    <p:sldId id="416" r:id="rId27"/>
-    <p:sldId id="418" r:id="rId28"/>
-    <p:sldId id="421" r:id="rId29"/>
-    <p:sldId id="420" r:id="rId30"/>
-    <p:sldId id="439" r:id="rId31"/>
-    <p:sldId id="423" r:id="rId32"/>
-    <p:sldId id="425" r:id="rId33"/>
-    <p:sldId id="424" r:id="rId34"/>
-    <p:sldId id="438" r:id="rId35"/>
-    <p:sldId id="440" r:id="rId36"/>
-    <p:sldId id="443" r:id="rId37"/>
-    <p:sldId id="444" r:id="rId38"/>
-    <p:sldId id="441" r:id="rId39"/>
-    <p:sldId id="427" r:id="rId40"/>
-    <p:sldId id="429" r:id="rId41"/>
-    <p:sldId id="430" r:id="rId42"/>
-    <p:sldId id="431" r:id="rId43"/>
-    <p:sldId id="435" r:id="rId44"/>
-    <p:sldId id="436" r:id="rId45"/>
-    <p:sldId id="437" r:id="rId46"/>
-    <p:sldId id="459" r:id="rId47"/>
-    <p:sldId id="447" r:id="rId48"/>
-    <p:sldId id="448" r:id="rId49"/>
-    <p:sldId id="449" r:id="rId50"/>
-    <p:sldId id="450" r:id="rId51"/>
-    <p:sldId id="451" r:id="rId52"/>
-    <p:sldId id="452" r:id="rId53"/>
-    <p:sldId id="453" r:id="rId54"/>
-    <p:sldId id="455" r:id="rId55"/>
-    <p:sldId id="457" r:id="rId56"/>
-    <p:sldId id="458" r:id="rId57"/>
+    <p:sldId id="461" r:id="rId11"/>
+    <p:sldId id="356" r:id="rId12"/>
+    <p:sldId id="391" r:id="rId13"/>
+    <p:sldId id="392" r:id="rId14"/>
+    <p:sldId id="394" r:id="rId15"/>
+    <p:sldId id="396" r:id="rId16"/>
+    <p:sldId id="398" r:id="rId17"/>
+    <p:sldId id="460" r:id="rId18"/>
+    <p:sldId id="405" r:id="rId19"/>
+    <p:sldId id="399" r:id="rId20"/>
+    <p:sldId id="407" r:id="rId21"/>
+    <p:sldId id="408" r:id="rId22"/>
+    <p:sldId id="406" r:id="rId23"/>
+    <p:sldId id="412" r:id="rId24"/>
+    <p:sldId id="414" r:id="rId25"/>
+    <p:sldId id="413" r:id="rId26"/>
+    <p:sldId id="409" r:id="rId27"/>
+    <p:sldId id="417" r:id="rId28"/>
+    <p:sldId id="416" r:id="rId29"/>
+    <p:sldId id="418" r:id="rId30"/>
+    <p:sldId id="421" r:id="rId31"/>
+    <p:sldId id="420" r:id="rId32"/>
+    <p:sldId id="439" r:id="rId33"/>
+    <p:sldId id="423" r:id="rId34"/>
+    <p:sldId id="425" r:id="rId35"/>
+    <p:sldId id="424" r:id="rId36"/>
+    <p:sldId id="438" r:id="rId37"/>
+    <p:sldId id="440" r:id="rId38"/>
+    <p:sldId id="443" r:id="rId39"/>
+    <p:sldId id="444" r:id="rId40"/>
+    <p:sldId id="441" r:id="rId41"/>
+    <p:sldId id="427" r:id="rId42"/>
+    <p:sldId id="429" r:id="rId43"/>
+    <p:sldId id="430" r:id="rId44"/>
+    <p:sldId id="431" r:id="rId45"/>
+    <p:sldId id="435" r:id="rId46"/>
+    <p:sldId id="436" r:id="rId47"/>
+    <p:sldId id="437" r:id="rId48"/>
+    <p:sldId id="459" r:id="rId49"/>
+    <p:sldId id="447" r:id="rId50"/>
+    <p:sldId id="448" r:id="rId51"/>
+    <p:sldId id="449" r:id="rId52"/>
+    <p:sldId id="450" r:id="rId53"/>
+    <p:sldId id="451" r:id="rId54"/>
+    <p:sldId id="452" r:id="rId55"/>
+    <p:sldId id="453" r:id="rId56"/>
+    <p:sldId id="455" r:id="rId57"/>
+    <p:sldId id="457" r:id="rId58"/>
+    <p:sldId id="458" r:id="rId59"/>
   </p:sldIdLst>
   <p:sldSz cx="9144000" cy="6858000" type="screen4x3"/>
   <p:notesSz cx="6858000" cy="9144000"/>
@@ -247,7 +249,7 @@
           <a:p>
             <a:fld id="{26950E59-91FA-400F-9B65-5FF464248520}" type="datetimeFigureOut">
               <a:rPr lang="nl-NL" smtClean="0"/>
-              <a:t>23-5-2015</a:t>
+              <a:t>27-5-2015</a:t>
             </a:fld>
             <a:endParaRPr lang="nl-NL"/>
           </a:p>
@@ -753,7 +755,7 @@
             <a:fld id="{B8F89511-EE28-4694-8C91-A5463DFF1BE8}" type="slidenum">
               <a:rPr lang="en-US" smtClean="0"/>
               <a:pPr eaLnBrk="1" hangingPunct="1"/>
-              <a:t>34</a:t>
+              <a:t>36</a:t>
             </a:fld>
             <a:endParaRPr lang="en-US" smtClean="0"/>
           </a:p>
@@ -4240,6 +4242,740 @@
       </p:grpSpPr>
       <p:sp>
         <p:nvSpPr>
+          <p:cNvPr id="2" name="Titel 1"/>
+          <p:cNvSpPr>
+            <a:spLocks noGrp="1"/>
+          </p:cNvSpPr>
+          <p:nvPr>
+            <p:ph type="title"/>
+          </p:nvPr>
+        </p:nvSpPr>
+        <p:spPr/>
+        <p:txBody>
+          <a:bodyPr/>
+          <a:lstStyle/>
+          <a:p>
+            <a:r>
+              <a:rPr lang="nl-NL" dirty="0" err="1"/>
+              <a:t>D</a:t>
+            </a:r>
+            <a:r>
+              <a:rPr lang="nl-NL" dirty="0" err="1" smtClean="0"/>
+              <a:t>ifferential</a:t>
+            </a:r>
+            <a:r>
+              <a:rPr lang="nl-NL" dirty="0" smtClean="0"/>
+              <a:t> Drive Kinematics</a:t>
+            </a:r>
+            <a:endParaRPr lang="nl-NL" dirty="0"/>
+          </a:p>
+        </p:txBody>
+      </p:sp>
+      <p:sp>
+        <p:nvSpPr>
+          <p:cNvPr id="3" name="Tijdelijke aanduiding voor inhoud 2"/>
+          <p:cNvSpPr>
+            <a:spLocks noGrp="1"/>
+          </p:cNvSpPr>
+          <p:nvPr>
+            <p:ph idx="1"/>
+          </p:nvPr>
+        </p:nvSpPr>
+        <p:spPr/>
+        <p:txBody>
+          <a:bodyPr/>
+          <a:lstStyle/>
+          <a:p>
+            <a:r>
+              <a:rPr lang="nl-NL" dirty="0" err="1" smtClean="0"/>
+              <a:t>Left</a:t>
+            </a:r>
+            <a:r>
+              <a:rPr lang="nl-NL" dirty="0" smtClean="0"/>
+              <a:t> </a:t>
+            </a:r>
+            <a:r>
+              <a:rPr lang="nl-NL" dirty="0" err="1" smtClean="0"/>
+              <a:t>wheel</a:t>
+            </a:r>
+            <a:r>
+              <a:rPr lang="nl-NL" dirty="0" smtClean="0"/>
+              <a:t> </a:t>
+            </a:r>
+            <a:r>
+              <a:rPr lang="nl-NL" dirty="0" err="1" smtClean="0"/>
+              <a:t>angular</a:t>
+            </a:r>
+            <a:r>
+              <a:rPr lang="nl-NL" dirty="0" smtClean="0"/>
+              <a:t> </a:t>
+            </a:r>
+            <a:r>
+              <a:rPr lang="nl-NL" dirty="0" err="1" smtClean="0"/>
+              <a:t>velocity</a:t>
+            </a:r>
+            <a:endParaRPr lang="nl-NL" dirty="0" smtClean="0"/>
+          </a:p>
+          <a:p>
+            <a:endParaRPr lang="nl-NL" dirty="0"/>
+          </a:p>
+          <a:p>
+            <a:endParaRPr lang="nl-NL" dirty="0" smtClean="0"/>
+          </a:p>
+          <a:p>
+            <a:endParaRPr lang="nl-NL" dirty="0"/>
+          </a:p>
+          <a:p>
+            <a:r>
+              <a:rPr lang="nl-NL" dirty="0" smtClean="0"/>
+              <a:t>Right </a:t>
+            </a:r>
+            <a:r>
+              <a:rPr lang="nl-NL" dirty="0" err="1"/>
+              <a:t>wheel</a:t>
+            </a:r>
+            <a:r>
+              <a:rPr lang="nl-NL" dirty="0"/>
+              <a:t> </a:t>
+            </a:r>
+            <a:r>
+              <a:rPr lang="nl-NL" dirty="0" err="1" smtClean="0"/>
+              <a:t>angular</a:t>
+            </a:r>
+            <a:r>
+              <a:rPr lang="nl-NL" dirty="0" smtClean="0"/>
+              <a:t> </a:t>
+            </a:r>
+            <a:r>
+              <a:rPr lang="nl-NL" dirty="0" err="1" smtClean="0"/>
+              <a:t>velocity</a:t>
+            </a:r>
+            <a:endParaRPr lang="nl-NL" dirty="0"/>
+          </a:p>
+          <a:p>
+            <a:pPr marL="0" indent="0">
+              <a:buNone/>
+            </a:pPr>
+            <a:endParaRPr lang="nl-NL" dirty="0"/>
+          </a:p>
+        </p:txBody>
+      </p:sp>
+      <p:graphicFrame>
+        <p:nvGraphicFramePr>
+          <p:cNvPr id="4" name="Object 3"/>
+          <p:cNvGraphicFramePr>
+            <a:graphicFrameLocks noChangeAspect="1"/>
+          </p:cNvGraphicFramePr>
+          <p:nvPr>
+            <p:extLst>
+              <p:ext uri="{D42A27DB-BD31-4B8C-83A1-F6EECF244321}">
+                <p14:modId xmlns:p14="http://schemas.microsoft.com/office/powerpoint/2010/main" val="2649579127"/>
+              </p:ext>
+            </p:extLst>
+          </p:nvPr>
+        </p:nvGraphicFramePr>
+        <p:xfrm>
+          <a:off x="2600325" y="2492375"/>
+          <a:ext cx="2574925" cy="936625"/>
+        </p:xfrm>
+        <a:graphic>
+          <a:graphicData uri="http://schemas.openxmlformats.org/presentationml/2006/ole">
+            <mc:AlternateContent xmlns:mc="http://schemas.openxmlformats.org/markup-compatibility/2006">
+              <mc:Choice xmlns:v="urn:schemas-microsoft-com:vml" Requires="v">
+                <p:oleObj spid="_x0000_s5122" name="Equation" r:id="rId3" imgW="1079280" imgH="393480" progId="Equation.3">
+                  <p:embed/>
+                </p:oleObj>
+              </mc:Choice>
+              <mc:Fallback>
+                <p:oleObj name="Equation" r:id="rId3" imgW="1079280" imgH="393480" progId="Equation.3">
+                  <p:embed/>
+                  <p:pic>
+                    <p:nvPicPr>
+                      <p:cNvPr id="0" name=""/>
+                      <p:cNvPicPr>
+                        <a:picLocks noChangeAspect="1" noChangeArrowheads="1"/>
+                      </p:cNvPicPr>
+                      <p:nvPr/>
+                    </p:nvPicPr>
+                    <p:blipFill>
+                      <a:blip r:embed="rId4"/>
+                      <a:srcRect/>
+                      <a:stretch>
+                        <a:fillRect/>
+                      </a:stretch>
+                    </p:blipFill>
+                    <p:spPr bwMode="auto">
+                      <a:xfrm>
+                        <a:off x="2600325" y="2492375"/>
+                        <a:ext cx="2574925" cy="936625"/>
+                      </a:xfrm>
+                      <a:prstGeom prst="rect">
+                        <a:avLst/>
+                      </a:prstGeom>
+                      <a:noFill/>
+                      <a:ln w="9525">
+                        <a:solidFill>
+                          <a:schemeClr val="tx1"/>
+                        </a:solidFill>
+                        <a:miter lim="800000"/>
+                        <a:headEnd/>
+                        <a:tailEnd/>
+                      </a:ln>
+                      <a:extLst>
+                        <a:ext uri="{909E8E84-426E-40DD-AFC4-6F175D3DCCD1}">
+                          <a14:hiddenFill xmlns:a14="http://schemas.microsoft.com/office/drawing/2010/main">
+                            <a:solidFill>
+                              <a:srgbClr val="FFFFFF"/>
+                            </a:solidFill>
+                          </a14:hiddenFill>
+                        </a:ext>
+                      </a:extLst>
+                    </p:spPr>
+                  </p:pic>
+                </p:oleObj>
+              </mc:Fallback>
+            </mc:AlternateContent>
+          </a:graphicData>
+        </a:graphic>
+      </p:graphicFrame>
+      <p:graphicFrame>
+        <p:nvGraphicFramePr>
+          <p:cNvPr id="5" name="Object 4"/>
+          <p:cNvGraphicFramePr>
+            <a:graphicFrameLocks noChangeAspect="1"/>
+          </p:cNvGraphicFramePr>
+          <p:nvPr>
+            <p:extLst>
+              <p:ext uri="{D42A27DB-BD31-4B8C-83A1-F6EECF244321}">
+                <p14:modId xmlns:p14="http://schemas.microsoft.com/office/powerpoint/2010/main" val="2034374809"/>
+              </p:ext>
+            </p:extLst>
+          </p:nvPr>
+        </p:nvGraphicFramePr>
+        <p:xfrm>
+          <a:off x="2657475" y="4941888"/>
+          <a:ext cx="2627313" cy="946150"/>
+        </p:xfrm>
+        <a:graphic>
+          <a:graphicData uri="http://schemas.openxmlformats.org/presentationml/2006/ole">
+            <mc:AlternateContent xmlns:mc="http://schemas.openxmlformats.org/markup-compatibility/2006">
+              <mc:Choice xmlns:v="urn:schemas-microsoft-com:vml" Requires="v">
+                <p:oleObj spid="_x0000_s5123" name="Equation" r:id="rId5" imgW="1091880" imgH="393480" progId="Equation.3">
+                  <p:embed/>
+                </p:oleObj>
+              </mc:Choice>
+              <mc:Fallback>
+                <p:oleObj name="Equation" r:id="rId5" imgW="1091880" imgH="393480" progId="Equation.3">
+                  <p:embed/>
+                  <p:pic>
+                    <p:nvPicPr>
+                      <p:cNvPr id="0" name=""/>
+                      <p:cNvPicPr>
+                        <a:picLocks noChangeAspect="1" noChangeArrowheads="1"/>
+                      </p:cNvPicPr>
+                      <p:nvPr/>
+                    </p:nvPicPr>
+                    <p:blipFill>
+                      <a:blip r:embed="rId6"/>
+                      <a:srcRect/>
+                      <a:stretch>
+                        <a:fillRect/>
+                      </a:stretch>
+                    </p:blipFill>
+                    <p:spPr bwMode="auto">
+                      <a:xfrm>
+                        <a:off x="2657475" y="4941888"/>
+                        <a:ext cx="2627313" cy="946150"/>
+                      </a:xfrm>
+                      <a:prstGeom prst="rect">
+                        <a:avLst/>
+                      </a:prstGeom>
+                      <a:noFill/>
+                      <a:ln w="9525">
+                        <a:solidFill>
+                          <a:schemeClr val="tx1"/>
+                        </a:solidFill>
+                        <a:miter lim="800000"/>
+                        <a:headEnd/>
+                        <a:tailEnd/>
+                      </a:ln>
+                      <a:extLst>
+                        <a:ext uri="{909E8E84-426E-40DD-AFC4-6F175D3DCCD1}">
+                          <a14:hiddenFill xmlns:a14="http://schemas.microsoft.com/office/drawing/2010/main">
+                            <a:solidFill>
+                              <a:srgbClr val="FFFFFF"/>
+                            </a:solidFill>
+                          </a14:hiddenFill>
+                        </a:ext>
+                      </a:extLst>
+                    </p:spPr>
+                  </p:pic>
+                </p:oleObj>
+              </mc:Fallback>
+            </mc:AlternateContent>
+          </a:graphicData>
+        </a:graphic>
+      </p:graphicFrame>
+      <p:grpSp>
+        <p:nvGrpSpPr>
+          <p:cNvPr id="6" name="Groep 5"/>
+          <p:cNvGrpSpPr/>
+          <p:nvPr/>
+        </p:nvGrpSpPr>
+        <p:grpSpPr>
+          <a:xfrm>
+            <a:off x="5796136" y="2348879"/>
+            <a:ext cx="3167086" cy="2899592"/>
+            <a:chOff x="5033587" y="2383871"/>
+            <a:chExt cx="3859948" cy="3533935"/>
+          </a:xfrm>
+        </p:grpSpPr>
+        <p:grpSp>
+          <p:nvGrpSpPr>
+            <p:cNvPr id="7" name="Groep 6"/>
+            <p:cNvGrpSpPr/>
+            <p:nvPr/>
+          </p:nvGrpSpPr>
+          <p:grpSpPr>
+            <a:xfrm>
+              <a:off x="5033587" y="2383871"/>
+              <a:ext cx="3859948" cy="3533935"/>
+              <a:chOff x="4499992" y="2761142"/>
+              <a:chExt cx="3888432" cy="3560013"/>
+            </a:xfrm>
+          </p:grpSpPr>
+          <p:pic>
+            <p:nvPicPr>
+              <p:cNvPr id="11" name="Picture 15" descr="회전중심"/>
+              <p:cNvPicPr>
+                <a:picLocks noChangeAspect="1" noChangeArrowheads="1"/>
+              </p:cNvPicPr>
+              <p:nvPr/>
+            </p:nvPicPr>
+            <p:blipFill>
+              <a:blip r:embed="rId7">
+                <a:extLst>
+                  <a:ext uri="{28A0092B-C50C-407E-A947-70E740481C1C}">
+                    <a14:useLocalDpi xmlns:a14="http://schemas.microsoft.com/office/drawing/2010/main" val="0"/>
+                  </a:ext>
+                </a:extLst>
+              </a:blip>
+              <a:srcRect/>
+              <a:stretch>
+                <a:fillRect/>
+              </a:stretch>
+            </p:blipFill>
+            <p:spPr bwMode="auto">
+              <a:xfrm>
+                <a:off x="4499992" y="2955947"/>
+                <a:ext cx="3744416" cy="3365208"/>
+              </a:xfrm>
+              <a:prstGeom prst="rect">
+                <a:avLst/>
+              </a:prstGeom>
+              <a:noFill/>
+              <a:extLst>
+                <a:ext uri="{909E8E84-426E-40DD-AFC4-6F175D3DCCD1}">
+                  <a14:hiddenFill xmlns:a14="http://schemas.microsoft.com/office/drawing/2010/main">
+                    <a:solidFill>
+                      <a:srgbClr val="FFFFFF"/>
+                    </a:solidFill>
+                  </a14:hiddenFill>
+                </a:ext>
+              </a:extLst>
+            </p:spPr>
+          </p:pic>
+          <p:cxnSp>
+            <p:nvCxnSpPr>
+              <p:cNvPr id="12" name="Rechte verbindingslijn met pijl 11"/>
+              <p:cNvCxnSpPr/>
+              <p:nvPr/>
+            </p:nvCxnSpPr>
+            <p:spPr>
+              <a:xfrm>
+                <a:off x="8028384" y="4612956"/>
+                <a:ext cx="0" cy="360040"/>
+              </a:xfrm>
+              <a:prstGeom prst="straightConnector1">
+                <a:avLst/>
+              </a:prstGeom>
+              <a:ln>
+                <a:headEnd type="arrow"/>
+                <a:tailEnd type="arrow"/>
+              </a:ln>
+            </p:spPr>
+            <p:style>
+              <a:lnRef idx="2">
+                <a:schemeClr val="dk1"/>
+              </a:lnRef>
+              <a:fillRef idx="0">
+                <a:schemeClr val="dk1"/>
+              </a:fillRef>
+              <a:effectRef idx="1">
+                <a:schemeClr val="dk1"/>
+              </a:effectRef>
+              <a:fontRef idx="minor">
+                <a:schemeClr val="tx1"/>
+              </a:fontRef>
+            </p:style>
+          </p:cxnSp>
+          <p:sp>
+            <p:nvSpPr>
+              <p:cNvPr id="13" name="Tekstvak 12"/>
+              <p:cNvSpPr txBox="1"/>
+              <p:nvPr/>
+            </p:nvSpPr>
+            <p:spPr>
+              <a:xfrm>
+                <a:off x="8028384" y="4612956"/>
+                <a:ext cx="360040" cy="369332"/>
+              </a:xfrm>
+              <a:prstGeom prst="rect">
+                <a:avLst/>
+              </a:prstGeom>
+              <a:noFill/>
+            </p:spPr>
+            <p:txBody>
+              <a:bodyPr wrap="square" rtlCol="0">
+                <a:spAutoFit/>
+              </a:bodyPr>
+              <a:lstStyle/>
+              <a:p>
+                <a:r>
+                  <a:rPr lang="nl-NL" dirty="0" smtClean="0"/>
+                  <a:t>r</a:t>
+                </a:r>
+                <a:endParaRPr lang="nl-NL" dirty="0"/>
+              </a:p>
+            </p:txBody>
+          </p:sp>
+          <p:sp>
+            <p:nvSpPr>
+              <p:cNvPr id="14" name="Rectangle 16"/>
+              <p:cNvSpPr>
+                <a:spLocks noChangeArrowheads="1"/>
+              </p:cNvSpPr>
+              <p:nvPr/>
+            </p:nvSpPr>
+            <p:spPr bwMode="auto">
+              <a:xfrm>
+                <a:off x="6660232" y="2761142"/>
+                <a:ext cx="400049" cy="400110"/>
+              </a:xfrm>
+              <a:prstGeom prst="rect">
+                <a:avLst/>
+              </a:prstGeom>
+              <a:noFill/>
+              <a:ln>
+                <a:noFill/>
+              </a:ln>
+              <a:effectLst/>
+              <a:extLst>
+                <a:ext uri="{909E8E84-426E-40DD-AFC4-6F175D3DCCD1}">
+                  <a14:hiddenFill xmlns:a14="http://schemas.microsoft.com/office/drawing/2010/main">
+                    <a:solidFill>
+                      <a:schemeClr val="accent1"/>
+                    </a:solidFill>
+                  </a14:hiddenFill>
+                </a:ext>
+                <a:ext uri="{91240B29-F687-4F45-9708-019B960494DF}">
+                  <a14:hiddenLine xmlns:a14="http://schemas.microsoft.com/office/drawing/2010/main" w="9525">
+                    <a:solidFill>
+                      <a:schemeClr val="tx1"/>
+                    </a:solidFill>
+                    <a:miter lim="800000"/>
+                    <a:headEnd/>
+                    <a:tailEnd/>
+                  </a14:hiddenLine>
+                </a:ext>
+                <a:ext uri="{AF507438-7753-43E0-B8FC-AC1667EBCBE1}">
+                  <a14:hiddenEffects xmlns:a14="http://schemas.microsoft.com/office/drawing/2010/main">
+                    <a:effectLst>
+                      <a:outerShdw dist="35921" dir="2700000" algn="ctr" rotWithShape="0">
+                        <a:schemeClr val="bg2"/>
+                      </a:outerShdw>
+                    </a:effectLst>
+                  </a14:hiddenEffects>
+                </a:ext>
+              </a:extLst>
+            </p:spPr>
+            <p:txBody>
+              <a:bodyPr>
+                <a:spAutoFit/>
+              </a:bodyPr>
+              <a:lstStyle/>
+              <a:p>
+                <a:pPr algn="ctr"/>
+                <a:r>
+                  <a:rPr lang="en-US" altLang="ko-KR" sz="2000" b="1" dirty="0">
+                    <a:latin typeface="FrizQuadrata" pitchFamily="18" charset="0"/>
+                    <a:ea typeface="Gulim" pitchFamily="34" charset="-127"/>
+                    <a:sym typeface="Symbol" pitchFamily="18" charset="2"/>
+                  </a:rPr>
+                  <a:t></a:t>
+                </a:r>
+                <a:endParaRPr lang="en-US" b="1" dirty="0">
+                  <a:latin typeface="FrizQuadrata" pitchFamily="18" charset="0"/>
+                  <a:ea typeface="Gulim" pitchFamily="34" charset="-127"/>
+                  <a:sym typeface="Symbol" pitchFamily="18" charset="2"/>
+                </a:endParaRPr>
+              </a:p>
+            </p:txBody>
+          </p:sp>
+          <p:cxnSp>
+            <p:nvCxnSpPr>
+              <p:cNvPr id="15" name="Rechte verbindingslijn met pijl 14"/>
+              <p:cNvCxnSpPr/>
+              <p:nvPr/>
+            </p:nvCxnSpPr>
+            <p:spPr>
+              <a:xfrm flipV="1">
+                <a:off x="7243853" y="3645024"/>
+                <a:ext cx="0" cy="993527"/>
+              </a:xfrm>
+              <a:prstGeom prst="straightConnector1">
+                <a:avLst/>
+              </a:prstGeom>
+              <a:ln>
+                <a:tailEnd type="arrow"/>
+              </a:ln>
+            </p:spPr>
+            <p:style>
+              <a:lnRef idx="2">
+                <a:schemeClr val="dk1"/>
+              </a:lnRef>
+              <a:fillRef idx="0">
+                <a:schemeClr val="dk1"/>
+              </a:fillRef>
+              <a:effectRef idx="1">
+                <a:schemeClr val="dk1"/>
+              </a:effectRef>
+              <a:fontRef idx="minor">
+                <a:schemeClr val="tx1"/>
+              </a:fontRef>
+            </p:style>
+          </p:cxnSp>
+          <p:sp>
+            <p:nvSpPr>
+              <p:cNvPr id="16" name="Tekstvak 15"/>
+              <p:cNvSpPr txBox="1"/>
+              <p:nvPr/>
+            </p:nvSpPr>
+            <p:spPr>
+              <a:xfrm>
+                <a:off x="7071960" y="3203186"/>
+                <a:ext cx="360040" cy="461665"/>
+              </a:xfrm>
+              <a:prstGeom prst="rect">
+                <a:avLst/>
+              </a:prstGeom>
+              <a:noFill/>
+            </p:spPr>
+            <p:txBody>
+              <a:bodyPr wrap="square" rtlCol="0">
+                <a:spAutoFit/>
+              </a:bodyPr>
+              <a:lstStyle/>
+              <a:p>
+                <a:pPr algn="ctr"/>
+                <a:r>
+                  <a:rPr lang="nl-NL" sz="2400" b="1" dirty="0" smtClean="0"/>
+                  <a:t>v</a:t>
+                </a:r>
+                <a:endParaRPr lang="nl-NL" b="1" dirty="0"/>
+              </a:p>
+            </p:txBody>
+          </p:sp>
+        </p:grpSp>
+        <p:sp>
+          <p:nvSpPr>
+            <p:cNvPr id="8" name="Tekstvak 7"/>
+            <p:cNvSpPr txBox="1"/>
+            <p:nvPr/>
+          </p:nvSpPr>
+          <p:spPr>
+            <a:xfrm>
+              <a:off x="6660232" y="3414147"/>
+              <a:ext cx="648072" cy="461665"/>
+            </a:xfrm>
+            <a:prstGeom prst="rect">
+              <a:avLst/>
+            </a:prstGeom>
+            <a:solidFill>
+              <a:schemeClr val="bg1"/>
+            </a:solidFill>
+          </p:spPr>
+          <p:txBody>
+            <a:bodyPr wrap="square" rtlCol="0">
+              <a:spAutoFit/>
+            </a:bodyPr>
+            <a:lstStyle/>
+            <a:p>
+              <a:pPr algn="ctr"/>
+              <a:r>
+                <a:rPr lang="en-US" altLang="ko-KR" sz="2400" b="1" dirty="0">
+                  <a:latin typeface="Times" pitchFamily="18" charset="0"/>
+                  <a:sym typeface="Symbol" pitchFamily="18" charset="2"/>
+                </a:rPr>
+                <a:t></a:t>
+              </a:r>
+              <a:r>
+                <a:rPr lang="en-US" altLang="ko-KR" sz="1600" b="1" baseline="-25000" dirty="0">
+                  <a:latin typeface="FrizQuadrata" pitchFamily="18" charset="0"/>
+                  <a:ea typeface="Gulim" pitchFamily="34" charset="-127"/>
+                </a:rPr>
+                <a:t>L</a:t>
+              </a:r>
+              <a:endParaRPr lang="en-GB" sz="2400" dirty="0"/>
+            </a:p>
+          </p:txBody>
+        </p:sp>
+        <p:sp>
+          <p:nvSpPr>
+            <p:cNvPr id="9" name="Tekstvak 8"/>
+            <p:cNvSpPr txBox="1"/>
+            <p:nvPr/>
+          </p:nvSpPr>
+          <p:spPr>
+            <a:xfrm>
+              <a:off x="8278039" y="3471391"/>
+              <a:ext cx="614441" cy="461665"/>
+            </a:xfrm>
+            <a:prstGeom prst="rect">
+              <a:avLst/>
+            </a:prstGeom>
+            <a:solidFill>
+              <a:schemeClr val="bg1"/>
+            </a:solidFill>
+          </p:spPr>
+          <p:txBody>
+            <a:bodyPr wrap="square" rtlCol="0">
+              <a:spAutoFit/>
+            </a:bodyPr>
+            <a:lstStyle/>
+            <a:p>
+              <a:pPr algn="ctr"/>
+              <a:r>
+                <a:rPr lang="en-US" altLang="ko-KR" sz="2400" b="1" dirty="0" smtClean="0">
+                  <a:latin typeface="Times" pitchFamily="18" charset="0"/>
+                  <a:sym typeface="Symbol" pitchFamily="18" charset="2"/>
+                </a:rPr>
+                <a:t></a:t>
+              </a:r>
+              <a:r>
+                <a:rPr lang="en-US" altLang="ko-KR" sz="1600" b="1" baseline="-25000" dirty="0" smtClean="0">
+                  <a:latin typeface="FrizQuadrata" pitchFamily="18" charset="0"/>
+                  <a:ea typeface="Gulim" pitchFamily="34" charset="-127"/>
+                  <a:sym typeface="Symbol" pitchFamily="18" charset="2"/>
+                </a:rPr>
+                <a:t>R</a:t>
+              </a:r>
+              <a:endParaRPr lang="en-GB" sz="2400" dirty="0"/>
+            </a:p>
+          </p:txBody>
+        </p:sp>
+        <p:sp>
+          <p:nvSpPr>
+            <p:cNvPr id="10" name="Tekstvak 9"/>
+            <p:cNvSpPr txBox="1"/>
+            <p:nvPr/>
+          </p:nvSpPr>
+          <p:spPr>
+            <a:xfrm>
+              <a:off x="6619034" y="3261278"/>
+              <a:ext cx="360040" cy="369332"/>
+            </a:xfrm>
+            <a:prstGeom prst="rect">
+              <a:avLst/>
+            </a:prstGeom>
+            <a:noFill/>
+          </p:spPr>
+          <p:txBody>
+            <a:bodyPr wrap="square" rtlCol="0">
+              <a:spAutoFit/>
+            </a:bodyPr>
+            <a:lstStyle/>
+            <a:p>
+              <a:pPr algn="ctr"/>
+              <a:r>
+                <a:rPr lang="nl-NL" b="1" dirty="0" smtClean="0"/>
+                <a:t>R</a:t>
+              </a:r>
+              <a:endParaRPr lang="en-GB" b="1" dirty="0"/>
+            </a:p>
+          </p:txBody>
+        </p:sp>
+      </p:grpSp>
+      <p:sp>
+        <p:nvSpPr>
+          <p:cNvPr id="17" name="Tekstvak 16"/>
+          <p:cNvSpPr txBox="1"/>
+          <p:nvPr/>
+        </p:nvSpPr>
+        <p:spPr>
+          <a:xfrm>
+            <a:off x="2771800" y="1124744"/>
+            <a:ext cx="3024336" cy="400110"/>
+          </a:xfrm>
+          <a:prstGeom prst="rect">
+            <a:avLst/>
+          </a:prstGeom>
+          <a:noFill/>
+        </p:spPr>
+        <p:txBody>
+          <a:bodyPr wrap="square" rtlCol="0">
+            <a:spAutoFit/>
+          </a:bodyPr>
+          <a:lstStyle/>
+          <a:p>
+            <a:pPr algn="ctr"/>
+            <a:r>
+              <a:rPr lang="nl-NL" sz="2000" b="1" dirty="0" smtClean="0"/>
+              <a:t>SUMMARY</a:t>
+            </a:r>
+            <a:endParaRPr lang="en-GB" b="1" dirty="0"/>
+          </a:p>
+        </p:txBody>
+      </p:sp>
+    </p:spTree>
+    <p:extLst>
+      <p:ext uri="{BB962C8B-B14F-4D97-AF65-F5344CB8AC3E}">
+        <p14:creationId xmlns:p14="http://schemas.microsoft.com/office/powerpoint/2010/main" val="783301805"/>
+      </p:ext>
+    </p:extLst>
+  </p:cSld>
+  <p:clrMapOvr>
+    <a:masterClrMapping/>
+  </p:clrMapOvr>
+  <p:timing>
+    <p:tnLst>
+      <p:par>
+        <p:cTn id="1" dur="indefinite" restart="never" nodeType="tmRoot"/>
+      </p:par>
+    </p:tnLst>
+  </p:timing>
+</p:sld>
+</file>
+
+<file path=ppt/slides/slide11.xml><?xml version="1.0" encoding="utf-8"?>
+<p:sld xmlns:a="http://schemas.openxmlformats.org/drawingml/2006/main" xmlns:r="http://schemas.openxmlformats.org/officeDocument/2006/relationships" xmlns:p="http://schemas.openxmlformats.org/presentationml/2006/main">
+  <p:cSld>
+    <p:spTree>
+      <p:nvGrpSpPr>
+        <p:cNvPr id="1" name=""/>
+        <p:cNvGrpSpPr/>
+        <p:nvPr/>
+      </p:nvGrpSpPr>
+      <p:grpSpPr>
+        <a:xfrm>
+          <a:off x="0" y="0"/>
+          <a:ext cx="0" cy="0"/>
+          <a:chOff x="0" y="0"/>
+          <a:chExt cx="0" cy="0"/>
+        </a:xfrm>
+      </p:grpSpPr>
+      <p:sp>
+        <p:nvSpPr>
           <p:cNvPr id="4" name="Titel 3"/>
           <p:cNvSpPr>
             <a:spLocks noGrp="1"/>
@@ -4635,7 +5371,7 @@
           <a:p>
             <a:fld id="{A9096D49-DAE3-40DE-93E0-41688E0A5016}" type="slidenum">
               <a:rPr lang="nl-NL" smtClean="0"/>
-              <a:t>10</a:t>
+              <a:t>11</a:t>
             </a:fld>
             <a:endParaRPr lang="nl-NL"/>
           </a:p>
@@ -4661,7 +5397,7 @@
 </p:sld>
 </file>
 
-<file path=ppt/slides/slide11.xml><?xml version="1.0" encoding="utf-8"?>
+<file path=ppt/slides/slide12.xml><?xml version="1.0" encoding="utf-8"?>
 <p:sld xmlns:a="http://schemas.openxmlformats.org/drawingml/2006/main" xmlns:r="http://schemas.openxmlformats.org/officeDocument/2006/relationships" xmlns:p="http://schemas.openxmlformats.org/presentationml/2006/main">
   <p:cSld>
     <p:spTree>
@@ -4783,7 +5519,7 @@
           <a:p>
             <a:fld id="{A9096D49-DAE3-40DE-93E0-41688E0A5016}" type="slidenum">
               <a:rPr lang="nl-NL" smtClean="0"/>
-              <a:t>11</a:t>
+              <a:t>12</a:t>
             </a:fld>
             <a:endParaRPr lang="nl-NL"/>
           </a:p>
@@ -4809,7 +5545,7 @@
 </p:sld>
 </file>
 
-<file path=ppt/slides/slide12.xml><?xml version="1.0" encoding="utf-8"?>
+<file path=ppt/slides/slide13.xml><?xml version="1.0" encoding="utf-8"?>
 <p:sld xmlns:a="http://schemas.openxmlformats.org/drawingml/2006/main" xmlns:r="http://schemas.openxmlformats.org/officeDocument/2006/relationships" xmlns:p="http://schemas.openxmlformats.org/presentationml/2006/main">
   <p:cSld>
     <p:spTree>
@@ -5533,271 +6269,6 @@
 </p:sld>
 </file>
 
-<file path=ppt/slides/slide13.xml><?xml version="1.0" encoding="utf-8"?>
-<p:sld xmlns:a="http://schemas.openxmlformats.org/drawingml/2006/main" xmlns:r="http://schemas.openxmlformats.org/officeDocument/2006/relationships" xmlns:p="http://schemas.openxmlformats.org/presentationml/2006/main">
-  <p:cSld>
-    <p:spTree>
-      <p:nvGrpSpPr>
-        <p:cNvPr id="1" name=""/>
-        <p:cNvGrpSpPr/>
-        <p:nvPr/>
-      </p:nvGrpSpPr>
-      <p:grpSpPr>
-        <a:xfrm>
-          <a:off x="0" y="0"/>
-          <a:ext cx="0" cy="0"/>
-          <a:chOff x="0" y="0"/>
-          <a:chExt cx="0" cy="0"/>
-        </a:xfrm>
-      </p:grpSpPr>
-      <p:sp>
-        <p:nvSpPr>
-          <p:cNvPr id="2" name="Titel 1"/>
-          <p:cNvSpPr>
-            <a:spLocks noGrp="1"/>
-          </p:cNvSpPr>
-          <p:nvPr>
-            <p:ph type="title"/>
-          </p:nvPr>
-        </p:nvSpPr>
-        <p:spPr/>
-        <p:txBody>
-          <a:bodyPr/>
-          <a:lstStyle/>
-          <a:p>
-            <a:r>
-              <a:rPr lang="nl-NL" dirty="0" err="1" smtClean="0"/>
-              <a:t>Quaternions</a:t>
-            </a:r>
-            <a:endParaRPr lang="nl-NL" dirty="0"/>
-          </a:p>
-        </p:txBody>
-      </p:sp>
-      <p:sp>
-        <p:nvSpPr>
-          <p:cNvPr id="3" name="Tijdelijke aanduiding voor inhoud 2"/>
-          <p:cNvSpPr>
-            <a:spLocks noGrp="1"/>
-          </p:cNvSpPr>
-          <p:nvPr>
-            <p:ph idx="1"/>
-          </p:nvPr>
-        </p:nvSpPr>
-        <p:spPr/>
-        <p:txBody>
-          <a:bodyPr>
-            <a:normAutofit fontScale="92500" lnSpcReduction="20000"/>
-          </a:bodyPr>
-          <a:lstStyle/>
-          <a:p>
-            <a:r>
-              <a:rPr lang="nl-NL" dirty="0" err="1" smtClean="0"/>
-              <a:t>Better</a:t>
-            </a:r>
-            <a:r>
-              <a:rPr lang="nl-NL" dirty="0" smtClean="0"/>
-              <a:t> </a:t>
-            </a:r>
-            <a:r>
-              <a:rPr lang="nl-NL" dirty="0" err="1" smtClean="0"/>
-              <a:t>then</a:t>
-            </a:r>
-            <a:r>
-              <a:rPr lang="nl-NL" dirty="0" smtClean="0"/>
-              <a:t> RPY (Euler)</a:t>
-            </a:r>
-          </a:p>
-          <a:p>
-            <a:pPr lvl="1"/>
-            <a:r>
-              <a:rPr lang="nl-NL" dirty="0" smtClean="0"/>
-              <a:t>No “</a:t>
-            </a:r>
-            <a:r>
-              <a:rPr lang="nl-NL" dirty="0" err="1" smtClean="0"/>
-              <a:t>gimbal</a:t>
-            </a:r>
-            <a:r>
-              <a:rPr lang="nl-NL" dirty="0" smtClean="0"/>
-              <a:t> </a:t>
-            </a:r>
-            <a:r>
-              <a:rPr lang="nl-NL" dirty="0" err="1" smtClean="0"/>
-              <a:t>lock</a:t>
-            </a:r>
-            <a:r>
-              <a:rPr lang="nl-NL" dirty="0" smtClean="0"/>
-              <a:t>”</a:t>
-            </a:r>
-          </a:p>
-          <a:p>
-            <a:pPr lvl="1"/>
-            <a:r>
-              <a:rPr lang="nl-NL" dirty="0" err="1" smtClean="0"/>
-              <a:t>Better</a:t>
-            </a:r>
-            <a:r>
-              <a:rPr lang="nl-NL" dirty="0" smtClean="0"/>
-              <a:t> </a:t>
-            </a:r>
-            <a:r>
-              <a:rPr lang="nl-NL" dirty="0" err="1" smtClean="0"/>
-              <a:t>interpolation</a:t>
-            </a:r>
-            <a:endParaRPr lang="nl-NL" dirty="0" smtClean="0"/>
-          </a:p>
-          <a:p>
-            <a:pPr lvl="1"/>
-            <a:r>
-              <a:rPr lang="nl-NL" dirty="0" err="1" smtClean="0"/>
-              <a:t>Easier</a:t>
-            </a:r>
-            <a:r>
-              <a:rPr lang="nl-NL" dirty="0" smtClean="0"/>
-              <a:t> </a:t>
-            </a:r>
-            <a:r>
-              <a:rPr lang="nl-NL" dirty="0" err="1" smtClean="0"/>
-              <a:t>calculations</a:t>
-            </a:r>
-            <a:endParaRPr lang="nl-NL" dirty="0" smtClean="0"/>
-          </a:p>
-          <a:p>
-            <a:pPr lvl="2"/>
-            <a:r>
-              <a:rPr lang="nl-NL" dirty="0">
-                <a:hlinkClick r:id="rId2"/>
-              </a:rPr>
-              <a:t>http://</a:t>
-            </a:r>
-            <a:r>
-              <a:rPr lang="nl-NL" dirty="0" smtClean="0">
-                <a:hlinkClick r:id="rId2"/>
-              </a:rPr>
-              <a:t>www.gamasutra.com/view/feature/131686/rotating_objects_using_quaternions.php</a:t>
-            </a:r>
-            <a:r>
-              <a:rPr lang="nl-NL" dirty="0" smtClean="0"/>
-              <a:t> </a:t>
-            </a:r>
-          </a:p>
-          <a:p>
-            <a:r>
-              <a:rPr lang="nl-NL" dirty="0" smtClean="0"/>
-              <a:t>ROS Refs</a:t>
-            </a:r>
-          </a:p>
-          <a:p>
-            <a:pPr lvl="1"/>
-            <a:r>
-              <a:rPr lang="nl-NL" dirty="0" smtClean="0">
-                <a:hlinkClick r:id="rId3"/>
-              </a:rPr>
-              <a:t>http</a:t>
-            </a:r>
-            <a:r>
-              <a:rPr lang="nl-NL" dirty="0">
-                <a:hlinkClick r:id="rId3"/>
-              </a:rPr>
-              <a:t>://</a:t>
-            </a:r>
-            <a:r>
-              <a:rPr lang="nl-NL" dirty="0" smtClean="0">
-                <a:hlinkClick r:id="rId3"/>
-              </a:rPr>
-              <a:t>answers.ros.org/question/9981/what-are-quaternions-and-how-can-iuse-them/</a:t>
-            </a:r>
-            <a:endParaRPr lang="nl-NL" dirty="0" smtClean="0"/>
-          </a:p>
-          <a:p>
-            <a:pPr lvl="1"/>
-            <a:r>
-              <a:rPr lang="nl-NL" dirty="0" smtClean="0">
-                <a:hlinkClick r:id="rId4"/>
-              </a:rPr>
-              <a:t>http</a:t>
-            </a:r>
-            <a:r>
-              <a:rPr lang="nl-NL" dirty="0">
-                <a:hlinkClick r:id="rId4"/>
-              </a:rPr>
-              <a:t>://answers.ros.org/question/9772/quaternions-orientationrepresentation</a:t>
-            </a:r>
-            <a:r>
-              <a:rPr lang="nl-NL" dirty="0" smtClean="0">
-                <a:hlinkClick r:id="rId4"/>
-              </a:rPr>
-              <a:t>/</a:t>
-            </a:r>
-            <a:r>
-              <a:rPr lang="nl-NL" dirty="0" smtClean="0"/>
-              <a:t> </a:t>
-            </a:r>
-            <a:endParaRPr lang="nl-NL" dirty="0"/>
-          </a:p>
-        </p:txBody>
-      </p:sp>
-      <p:sp>
-        <p:nvSpPr>
-          <p:cNvPr id="4" name="Rechthoek 3"/>
-          <p:cNvSpPr/>
-          <p:nvPr/>
-        </p:nvSpPr>
-        <p:spPr>
-          <a:xfrm>
-            <a:off x="2559926" y="1052736"/>
-            <a:ext cx="4143763" cy="369332"/>
-          </a:xfrm>
-          <a:prstGeom prst="rect">
-            <a:avLst/>
-          </a:prstGeom>
-        </p:spPr>
-        <p:txBody>
-          <a:bodyPr wrap="none">
-            <a:spAutoFit/>
-          </a:bodyPr>
-          <a:lstStyle/>
-          <a:p>
-            <a:r>
-              <a:rPr lang="en-GB" dirty="0">
-                <a:hlinkClick r:id="rId5"/>
-              </a:rPr>
-              <a:t>https://</a:t>
-            </a:r>
-            <a:r>
-              <a:rPr lang="en-GB" dirty="0" smtClean="0">
-                <a:hlinkClick r:id="rId5"/>
-              </a:rPr>
-              <a:t>en.wikipedia.org/wiki/Quaternion</a:t>
-            </a:r>
-            <a:r>
-              <a:rPr lang="en-GB" dirty="0" smtClean="0"/>
-              <a:t> </a:t>
-            </a:r>
-            <a:endParaRPr lang="en-GB" dirty="0"/>
-          </a:p>
-        </p:txBody>
-      </p:sp>
-    </p:spTree>
-    <p:extLst>
-      <p:ext uri="{BB962C8B-B14F-4D97-AF65-F5344CB8AC3E}">
-        <p14:creationId xmlns:p14="http://schemas.microsoft.com/office/powerpoint/2010/main" val="3139587870"/>
-      </p:ext>
-    </p:extLst>
-  </p:cSld>
-  <p:clrMapOvr>
-    <a:masterClrMapping/>
-  </p:clrMapOvr>
-  <p:timing>
-    <p:tnLst>
-      <p:par>
-        <p:cTn id="1" dur="indefinite" restart="never" nodeType="tmRoot"/>
-      </p:par>
-    </p:tnLst>
-  </p:timing>
-</p:sld>
-</file>
-
 <file path=ppt/slides/slide14.xml><?xml version="1.0" encoding="utf-8"?>
 <p:sld xmlns:a="http://schemas.openxmlformats.org/drawingml/2006/main" xmlns:r="http://schemas.openxmlformats.org/officeDocument/2006/relationships" xmlns:p="http://schemas.openxmlformats.org/presentationml/2006/main">
   <p:cSld>
@@ -5831,6 +6302,271 @@
           <a:lstStyle/>
           <a:p>
             <a:r>
+              <a:rPr lang="nl-NL" dirty="0" err="1" smtClean="0"/>
+              <a:t>Quaternions</a:t>
+            </a:r>
+            <a:endParaRPr lang="nl-NL" dirty="0"/>
+          </a:p>
+        </p:txBody>
+      </p:sp>
+      <p:sp>
+        <p:nvSpPr>
+          <p:cNvPr id="3" name="Tijdelijke aanduiding voor inhoud 2"/>
+          <p:cNvSpPr>
+            <a:spLocks noGrp="1"/>
+          </p:cNvSpPr>
+          <p:nvPr>
+            <p:ph idx="1"/>
+          </p:nvPr>
+        </p:nvSpPr>
+        <p:spPr/>
+        <p:txBody>
+          <a:bodyPr>
+            <a:normAutofit fontScale="92500" lnSpcReduction="20000"/>
+          </a:bodyPr>
+          <a:lstStyle/>
+          <a:p>
+            <a:r>
+              <a:rPr lang="nl-NL" dirty="0" err="1" smtClean="0"/>
+              <a:t>Better</a:t>
+            </a:r>
+            <a:r>
+              <a:rPr lang="nl-NL" dirty="0" smtClean="0"/>
+              <a:t> </a:t>
+            </a:r>
+            <a:r>
+              <a:rPr lang="nl-NL" dirty="0" err="1" smtClean="0"/>
+              <a:t>then</a:t>
+            </a:r>
+            <a:r>
+              <a:rPr lang="nl-NL" dirty="0" smtClean="0"/>
+              <a:t> RPY (Euler)</a:t>
+            </a:r>
+          </a:p>
+          <a:p>
+            <a:pPr lvl="1"/>
+            <a:r>
+              <a:rPr lang="nl-NL" dirty="0" smtClean="0"/>
+              <a:t>No “</a:t>
+            </a:r>
+            <a:r>
+              <a:rPr lang="nl-NL" dirty="0" err="1" smtClean="0"/>
+              <a:t>gimbal</a:t>
+            </a:r>
+            <a:r>
+              <a:rPr lang="nl-NL" dirty="0" smtClean="0"/>
+              <a:t> </a:t>
+            </a:r>
+            <a:r>
+              <a:rPr lang="nl-NL" dirty="0" err="1" smtClean="0"/>
+              <a:t>lock</a:t>
+            </a:r>
+            <a:r>
+              <a:rPr lang="nl-NL" dirty="0" smtClean="0"/>
+              <a:t>”</a:t>
+            </a:r>
+          </a:p>
+          <a:p>
+            <a:pPr lvl="1"/>
+            <a:r>
+              <a:rPr lang="nl-NL" dirty="0" err="1" smtClean="0"/>
+              <a:t>Better</a:t>
+            </a:r>
+            <a:r>
+              <a:rPr lang="nl-NL" dirty="0" smtClean="0"/>
+              <a:t> </a:t>
+            </a:r>
+            <a:r>
+              <a:rPr lang="nl-NL" dirty="0" err="1" smtClean="0"/>
+              <a:t>interpolation</a:t>
+            </a:r>
+            <a:endParaRPr lang="nl-NL" dirty="0" smtClean="0"/>
+          </a:p>
+          <a:p>
+            <a:pPr lvl="1"/>
+            <a:r>
+              <a:rPr lang="nl-NL" dirty="0" err="1" smtClean="0"/>
+              <a:t>Easier</a:t>
+            </a:r>
+            <a:r>
+              <a:rPr lang="nl-NL" dirty="0" smtClean="0"/>
+              <a:t> </a:t>
+            </a:r>
+            <a:r>
+              <a:rPr lang="nl-NL" dirty="0" err="1" smtClean="0"/>
+              <a:t>calculations</a:t>
+            </a:r>
+            <a:endParaRPr lang="nl-NL" dirty="0" smtClean="0"/>
+          </a:p>
+          <a:p>
+            <a:pPr lvl="2"/>
+            <a:r>
+              <a:rPr lang="nl-NL" dirty="0">
+                <a:hlinkClick r:id="rId2"/>
+              </a:rPr>
+              <a:t>http://</a:t>
+            </a:r>
+            <a:r>
+              <a:rPr lang="nl-NL" dirty="0" smtClean="0">
+                <a:hlinkClick r:id="rId2"/>
+              </a:rPr>
+              <a:t>www.gamasutra.com/view/feature/131686/rotating_objects_using_quaternions.php</a:t>
+            </a:r>
+            <a:r>
+              <a:rPr lang="nl-NL" dirty="0" smtClean="0"/>
+              <a:t> </a:t>
+            </a:r>
+          </a:p>
+          <a:p>
+            <a:r>
+              <a:rPr lang="nl-NL" dirty="0" smtClean="0"/>
+              <a:t>ROS Refs</a:t>
+            </a:r>
+          </a:p>
+          <a:p>
+            <a:pPr lvl="1"/>
+            <a:r>
+              <a:rPr lang="nl-NL" dirty="0" smtClean="0">
+                <a:hlinkClick r:id="rId3"/>
+              </a:rPr>
+              <a:t>http</a:t>
+            </a:r>
+            <a:r>
+              <a:rPr lang="nl-NL" dirty="0">
+                <a:hlinkClick r:id="rId3"/>
+              </a:rPr>
+              <a:t>://</a:t>
+            </a:r>
+            <a:r>
+              <a:rPr lang="nl-NL" dirty="0" smtClean="0">
+                <a:hlinkClick r:id="rId3"/>
+              </a:rPr>
+              <a:t>answers.ros.org/question/9981/what-are-quaternions-and-how-can-iuse-them/</a:t>
+            </a:r>
+            <a:endParaRPr lang="nl-NL" dirty="0" smtClean="0"/>
+          </a:p>
+          <a:p>
+            <a:pPr lvl="1"/>
+            <a:r>
+              <a:rPr lang="nl-NL" dirty="0" smtClean="0">
+                <a:hlinkClick r:id="rId4"/>
+              </a:rPr>
+              <a:t>http</a:t>
+            </a:r>
+            <a:r>
+              <a:rPr lang="nl-NL" dirty="0">
+                <a:hlinkClick r:id="rId4"/>
+              </a:rPr>
+              <a:t>://answers.ros.org/question/9772/quaternions-orientationrepresentation</a:t>
+            </a:r>
+            <a:r>
+              <a:rPr lang="nl-NL" dirty="0" smtClean="0">
+                <a:hlinkClick r:id="rId4"/>
+              </a:rPr>
+              <a:t>/</a:t>
+            </a:r>
+            <a:r>
+              <a:rPr lang="nl-NL" dirty="0" smtClean="0"/>
+              <a:t> </a:t>
+            </a:r>
+            <a:endParaRPr lang="nl-NL" dirty="0"/>
+          </a:p>
+        </p:txBody>
+      </p:sp>
+      <p:sp>
+        <p:nvSpPr>
+          <p:cNvPr id="4" name="Rechthoek 3"/>
+          <p:cNvSpPr/>
+          <p:nvPr/>
+        </p:nvSpPr>
+        <p:spPr>
+          <a:xfrm>
+            <a:off x="2559926" y="1052736"/>
+            <a:ext cx="4143763" cy="369332"/>
+          </a:xfrm>
+          <a:prstGeom prst="rect">
+            <a:avLst/>
+          </a:prstGeom>
+        </p:spPr>
+        <p:txBody>
+          <a:bodyPr wrap="none">
+            <a:spAutoFit/>
+          </a:bodyPr>
+          <a:lstStyle/>
+          <a:p>
+            <a:r>
+              <a:rPr lang="en-GB" dirty="0">
+                <a:hlinkClick r:id="rId5"/>
+              </a:rPr>
+              <a:t>https://</a:t>
+            </a:r>
+            <a:r>
+              <a:rPr lang="en-GB" dirty="0" smtClean="0">
+                <a:hlinkClick r:id="rId5"/>
+              </a:rPr>
+              <a:t>en.wikipedia.org/wiki/Quaternion</a:t>
+            </a:r>
+            <a:r>
+              <a:rPr lang="en-GB" dirty="0" smtClean="0"/>
+              <a:t> </a:t>
+            </a:r>
+            <a:endParaRPr lang="en-GB" dirty="0"/>
+          </a:p>
+        </p:txBody>
+      </p:sp>
+    </p:spTree>
+    <p:extLst>
+      <p:ext uri="{BB962C8B-B14F-4D97-AF65-F5344CB8AC3E}">
+        <p14:creationId xmlns:p14="http://schemas.microsoft.com/office/powerpoint/2010/main" val="3139587870"/>
+      </p:ext>
+    </p:extLst>
+  </p:cSld>
+  <p:clrMapOvr>
+    <a:masterClrMapping/>
+  </p:clrMapOvr>
+  <p:timing>
+    <p:tnLst>
+      <p:par>
+        <p:cTn id="1" dur="indefinite" restart="never" nodeType="tmRoot"/>
+      </p:par>
+    </p:tnLst>
+  </p:timing>
+</p:sld>
+</file>
+
+<file path=ppt/slides/slide15.xml><?xml version="1.0" encoding="utf-8"?>
+<p:sld xmlns:a="http://schemas.openxmlformats.org/drawingml/2006/main" xmlns:r="http://schemas.openxmlformats.org/officeDocument/2006/relationships" xmlns:p="http://schemas.openxmlformats.org/presentationml/2006/main">
+  <p:cSld>
+    <p:spTree>
+      <p:nvGrpSpPr>
+        <p:cNvPr id="1" name=""/>
+        <p:cNvGrpSpPr/>
+        <p:nvPr/>
+      </p:nvGrpSpPr>
+      <p:grpSpPr>
+        <a:xfrm>
+          <a:off x="0" y="0"/>
+          <a:ext cx="0" cy="0"/>
+          <a:chOff x="0" y="0"/>
+          <a:chExt cx="0" cy="0"/>
+        </a:xfrm>
+      </p:grpSpPr>
+      <p:sp>
+        <p:nvSpPr>
+          <p:cNvPr id="2" name="Titel 1"/>
+          <p:cNvSpPr>
+            <a:spLocks noGrp="1"/>
+          </p:cNvSpPr>
+          <p:nvPr>
+            <p:ph type="title"/>
+          </p:nvPr>
+        </p:nvSpPr>
+        <p:spPr/>
+        <p:txBody>
+          <a:bodyPr/>
+          <a:lstStyle/>
+          <a:p>
+            <a:r>
               <a:rPr lang="nl-NL" dirty="0" smtClean="0"/>
               <a:t>Odometry</a:t>
             </a:r>
@@ -5878,11 +6614,7 @@
             </a:r>
             <a:r>
               <a:rPr lang="en-US" dirty="0" smtClean="0"/>
-              <a:t>current Pose </a:t>
-            </a:r>
-            <a:r>
-              <a:rPr lang="en-US" dirty="0" smtClean="0"/>
-              <a:t>and Twist</a:t>
+              <a:t>current Pose and Twist</a:t>
             </a:r>
           </a:p>
           <a:p>
@@ -6445,7 +7177,7 @@
 </p:sld>
 </file>
 
-<file path=ppt/slides/slide15.xml><?xml version="1.0" encoding="utf-8"?>
+<file path=ppt/slides/slide16.xml><?xml version="1.0" encoding="utf-8"?>
 <p:sld xmlns:a="http://schemas.openxmlformats.org/drawingml/2006/main" xmlns:r="http://schemas.openxmlformats.org/officeDocument/2006/relationships" xmlns:p="http://schemas.openxmlformats.org/presentationml/2006/main">
   <p:cSld>
     <p:spTree>
@@ -7291,7 +8023,1133 @@
 </p:sld>
 </file>
 
-<file path=ppt/slides/slide16.xml><?xml version="1.0" encoding="utf-8"?>
+<file path=ppt/slides/slide17.xml><?xml version="1.0" encoding="utf-8"?>
+<p:sld xmlns:a="http://schemas.openxmlformats.org/drawingml/2006/main" xmlns:r="http://schemas.openxmlformats.org/officeDocument/2006/relationships" xmlns:p="http://schemas.openxmlformats.org/presentationml/2006/main">
+  <p:cSld>
+    <p:spTree>
+      <p:nvGrpSpPr>
+        <p:cNvPr id="1" name=""/>
+        <p:cNvGrpSpPr/>
+        <p:nvPr/>
+      </p:nvGrpSpPr>
+      <p:grpSpPr>
+        <a:xfrm>
+          <a:off x="0" y="0"/>
+          <a:ext cx="0" cy="0"/>
+          <a:chOff x="0" y="0"/>
+          <a:chExt cx="0" cy="0"/>
+        </a:xfrm>
+      </p:grpSpPr>
+      <p:sp>
+        <p:nvSpPr>
+          <p:cNvPr id="4" name="Titel 3"/>
+          <p:cNvSpPr>
+            <a:spLocks noGrp="1"/>
+          </p:cNvSpPr>
+          <p:nvPr>
+            <p:ph type="title"/>
+          </p:nvPr>
+        </p:nvSpPr>
+        <p:spPr/>
+        <p:txBody>
+          <a:bodyPr/>
+          <a:lstStyle/>
+          <a:p>
+            <a:r>
+              <a:rPr lang="nl-NL" dirty="0" err="1" smtClean="0"/>
+              <a:t>Enhanced</a:t>
+            </a:r>
+            <a:r>
+              <a:rPr lang="nl-NL" dirty="0" smtClean="0"/>
+              <a:t> </a:t>
+            </a:r>
+            <a:r>
+              <a:rPr lang="nl-NL" dirty="0" err="1" smtClean="0"/>
+              <a:t>Odometry</a:t>
+            </a:r>
+            <a:endParaRPr lang="nl-NL" dirty="0"/>
+          </a:p>
+        </p:txBody>
+      </p:sp>
+      <p:sp>
+        <p:nvSpPr>
+          <p:cNvPr id="5" name="Ovaal 4"/>
+          <p:cNvSpPr/>
+          <p:nvPr/>
+        </p:nvSpPr>
+        <p:spPr>
+          <a:xfrm>
+            <a:off x="1755618" y="2822882"/>
+            <a:ext cx="2088232" cy="1584176"/>
+          </a:xfrm>
+          <a:prstGeom prst="ellipse">
+            <a:avLst/>
+          </a:prstGeom>
+        </p:spPr>
+        <p:style>
+          <a:lnRef idx="2">
+            <a:schemeClr val="accent1">
+              <a:shade val="50000"/>
+            </a:schemeClr>
+          </a:lnRef>
+          <a:fillRef idx="1">
+            <a:schemeClr val="accent1"/>
+          </a:fillRef>
+          <a:effectRef idx="0">
+            <a:schemeClr val="accent1"/>
+          </a:effectRef>
+          <a:fontRef idx="minor">
+            <a:schemeClr val="lt1"/>
+          </a:fontRef>
+        </p:style>
+        <p:txBody>
+          <a:bodyPr rtlCol="0" anchor="ctr"/>
+          <a:lstStyle/>
+          <a:p>
+            <a:pPr algn="ctr"/>
+            <a:r>
+              <a:rPr lang="nl-NL" sz="2400" b="1" dirty="0"/>
+              <a:t>r</a:t>
+            </a:r>
+            <a:r>
+              <a:rPr lang="nl-NL" sz="2400" b="1" dirty="0" smtClean="0"/>
+              <a:t>obot</a:t>
+            </a:r>
+          </a:p>
+          <a:p>
+            <a:pPr algn="ctr"/>
+            <a:r>
+              <a:rPr lang="nl-NL" sz="2400" b="1" dirty="0" smtClean="0"/>
+              <a:t>_node</a:t>
+            </a:r>
+            <a:endParaRPr lang="nl-NL" sz="1050" b="1" dirty="0"/>
+          </a:p>
+        </p:txBody>
+      </p:sp>
+      <p:sp>
+        <p:nvSpPr>
+          <p:cNvPr id="20" name="Tekstvak 19"/>
+          <p:cNvSpPr txBox="1"/>
+          <p:nvPr/>
+        </p:nvSpPr>
+        <p:spPr>
+          <a:xfrm>
+            <a:off x="2654751" y="4558776"/>
+            <a:ext cx="1512168" cy="461665"/>
+          </a:xfrm>
+          <a:prstGeom prst="rect">
+            <a:avLst/>
+          </a:prstGeom>
+          <a:noFill/>
+        </p:spPr>
+        <p:txBody>
+          <a:bodyPr wrap="square" rtlCol="0">
+            <a:spAutoFit/>
+          </a:bodyPr>
+          <a:lstStyle/>
+          <a:p>
+            <a:pPr algn="ctr"/>
+            <a:r>
+              <a:rPr lang="nl-NL" sz="2400" b="1" dirty="0" smtClean="0">
+                <a:solidFill>
+                  <a:schemeClr val="accent1"/>
+                </a:solidFill>
+              </a:rPr>
+              <a:t>driver</a:t>
+            </a:r>
+            <a:endParaRPr lang="nl-NL" sz="2400" b="1" dirty="0">
+              <a:solidFill>
+                <a:schemeClr val="accent1"/>
+              </a:solidFill>
+            </a:endParaRPr>
+          </a:p>
+        </p:txBody>
+      </p:sp>
+      <p:sp>
+        <p:nvSpPr>
+          <p:cNvPr id="23" name="PIJL-OMHOOG en -OMLAAG 22"/>
+          <p:cNvSpPr/>
+          <p:nvPr/>
+        </p:nvSpPr>
+        <p:spPr>
+          <a:xfrm>
+            <a:off x="2619714" y="4429570"/>
+            <a:ext cx="360040" cy="720079"/>
+          </a:xfrm>
+          <a:prstGeom prst="upDownArrow">
+            <a:avLst/>
+          </a:prstGeom>
+        </p:spPr>
+        <p:style>
+          <a:lnRef idx="2">
+            <a:schemeClr val="accent1">
+              <a:shade val="50000"/>
+            </a:schemeClr>
+          </a:lnRef>
+          <a:fillRef idx="1">
+            <a:schemeClr val="accent1"/>
+          </a:fillRef>
+          <a:effectRef idx="0">
+            <a:schemeClr val="accent1"/>
+          </a:effectRef>
+          <a:fontRef idx="minor">
+            <a:schemeClr val="lt1"/>
+          </a:fontRef>
+        </p:style>
+        <p:txBody>
+          <a:bodyPr rtlCol="0" anchor="ctr"/>
+          <a:lstStyle/>
+          <a:p>
+            <a:pPr algn="ctr"/>
+            <a:endParaRPr lang="nl-NL"/>
+          </a:p>
+        </p:txBody>
+      </p:sp>
+      <p:cxnSp>
+        <p:nvCxnSpPr>
+          <p:cNvPr id="19" name="Rechte verbindingslijn met pijl 18"/>
+          <p:cNvCxnSpPr>
+            <a:stCxn id="5" idx="6"/>
+          </p:cNvCxnSpPr>
+          <p:nvPr/>
+        </p:nvCxnSpPr>
+        <p:spPr>
+          <a:xfrm>
+            <a:off x="3843850" y="3614970"/>
+            <a:ext cx="822512" cy="0"/>
+          </a:xfrm>
+          <a:prstGeom prst="straightConnector1">
+            <a:avLst/>
+          </a:prstGeom>
+          <a:ln>
+            <a:tailEnd type="arrow"/>
+          </a:ln>
+        </p:spPr>
+        <p:style>
+          <a:lnRef idx="3">
+            <a:schemeClr val="accent1"/>
+          </a:lnRef>
+          <a:fillRef idx="0">
+            <a:schemeClr val="accent1"/>
+          </a:fillRef>
+          <a:effectRef idx="2">
+            <a:schemeClr val="accent1"/>
+          </a:effectRef>
+          <a:fontRef idx="minor">
+            <a:schemeClr val="tx1"/>
+          </a:fontRef>
+        </p:style>
+      </p:cxnSp>
+      <p:sp>
+        <p:nvSpPr>
+          <p:cNvPr id="22" name="Tekstvak 21"/>
+          <p:cNvSpPr txBox="1"/>
+          <p:nvPr/>
+        </p:nvSpPr>
+        <p:spPr>
+          <a:xfrm>
+            <a:off x="4283968" y="3351840"/>
+            <a:ext cx="1728192" cy="461665"/>
+          </a:xfrm>
+          <a:prstGeom prst="rect">
+            <a:avLst/>
+          </a:prstGeom>
+          <a:noFill/>
+        </p:spPr>
+        <p:txBody>
+          <a:bodyPr wrap="square" rtlCol="0">
+            <a:spAutoFit/>
+          </a:bodyPr>
+          <a:lstStyle/>
+          <a:p>
+            <a:pPr algn="ctr"/>
+            <a:r>
+              <a:rPr lang="nl-NL" sz="2400" b="1" dirty="0" smtClean="0">
+                <a:solidFill>
+                  <a:schemeClr val="accent1"/>
+                </a:solidFill>
+              </a:rPr>
+              <a:t>/</a:t>
+            </a:r>
+            <a:r>
+              <a:rPr lang="nl-NL" sz="2400" b="1" dirty="0" err="1" smtClean="0">
+                <a:solidFill>
+                  <a:schemeClr val="accent1"/>
+                </a:solidFill>
+              </a:rPr>
+              <a:t>odom</a:t>
+            </a:r>
+            <a:endParaRPr lang="nl-NL" sz="2400" b="1" dirty="0">
+              <a:solidFill>
+                <a:schemeClr val="accent1"/>
+              </a:solidFill>
+            </a:endParaRPr>
+          </a:p>
+        </p:txBody>
+      </p:sp>
+      <p:pic>
+        <p:nvPicPr>
+          <p:cNvPr id="14338" name="Picture 2" descr="http://www.roomba.lt/pic/roomba_pagr.jpg"/>
+          <p:cNvPicPr>
+            <a:picLocks noChangeAspect="1" noChangeArrowheads="1"/>
+          </p:cNvPicPr>
+          <p:nvPr/>
+        </p:nvPicPr>
+        <p:blipFill>
+          <a:blip r:embed="rId2">
+            <a:extLst>
+              <a:ext uri="{28A0092B-C50C-407E-A947-70E740481C1C}">
+                <a14:useLocalDpi xmlns:a14="http://schemas.microsoft.com/office/drawing/2010/main" val="0"/>
+              </a:ext>
+            </a:extLst>
+          </a:blip>
+          <a:srcRect/>
+          <a:stretch>
+            <a:fillRect/>
+          </a:stretch>
+        </p:blipFill>
+        <p:spPr bwMode="auto">
+          <a:xfrm>
+            <a:off x="1409804" y="5169362"/>
+            <a:ext cx="2733092" cy="1499998"/>
+          </a:xfrm>
+          <a:prstGeom prst="rect">
+            <a:avLst/>
+          </a:prstGeom>
+          <a:noFill/>
+          <a:extLst>
+            <a:ext uri="{909E8E84-426E-40DD-AFC4-6F175D3DCCD1}">
+              <a14:hiddenFill xmlns:a14="http://schemas.microsoft.com/office/drawing/2010/main">
+                <a:solidFill>
+                  <a:srgbClr val="FFFFFF"/>
+                </a:solidFill>
+              </a14:hiddenFill>
+            </a:ext>
+          </a:extLst>
+        </p:spPr>
+      </p:pic>
+      <p:sp>
+        <p:nvSpPr>
+          <p:cNvPr id="13" name="Ovaal 12"/>
+          <p:cNvSpPr/>
+          <p:nvPr/>
+        </p:nvSpPr>
+        <p:spPr>
+          <a:xfrm>
+            <a:off x="6306348" y="2822882"/>
+            <a:ext cx="2160240" cy="1584176"/>
+          </a:xfrm>
+          <a:prstGeom prst="ellipse">
+            <a:avLst/>
+          </a:prstGeom>
+        </p:spPr>
+        <p:style>
+          <a:lnRef idx="2">
+            <a:schemeClr val="accent1">
+              <a:shade val="50000"/>
+            </a:schemeClr>
+          </a:lnRef>
+          <a:fillRef idx="1">
+            <a:schemeClr val="accent1"/>
+          </a:fillRef>
+          <a:effectRef idx="0">
+            <a:schemeClr val="accent1"/>
+          </a:effectRef>
+          <a:fontRef idx="minor">
+            <a:schemeClr val="lt1"/>
+          </a:fontRef>
+        </p:style>
+        <p:txBody>
+          <a:bodyPr rtlCol="0" anchor="ctr"/>
+          <a:lstStyle/>
+          <a:p>
+            <a:pPr algn="ctr"/>
+            <a:r>
+              <a:rPr lang="nl-NL" sz="2400" b="1" dirty="0"/>
+              <a:t>r</a:t>
+            </a:r>
+            <a:r>
+              <a:rPr lang="nl-NL" sz="2400" b="1" dirty="0" smtClean="0"/>
+              <a:t>obot</a:t>
+            </a:r>
+            <a:br>
+              <a:rPr lang="nl-NL" sz="2400" b="1" dirty="0" smtClean="0"/>
+            </a:br>
+            <a:r>
+              <a:rPr lang="nl-NL" sz="2400" b="1" dirty="0" smtClean="0"/>
+              <a:t>_</a:t>
+            </a:r>
+            <a:r>
+              <a:rPr lang="nl-NL" sz="2400" b="1" dirty="0" err="1"/>
+              <a:t>pose_ekf</a:t>
+            </a:r>
+            <a:endParaRPr lang="nl-NL" sz="2400" b="1" dirty="0"/>
+          </a:p>
+        </p:txBody>
+      </p:sp>
+      <p:cxnSp>
+        <p:nvCxnSpPr>
+          <p:cNvPr id="15" name="Rechte verbindingslijn met pijl 14"/>
+          <p:cNvCxnSpPr>
+            <a:endCxn id="13" idx="2"/>
+          </p:cNvCxnSpPr>
+          <p:nvPr/>
+        </p:nvCxnSpPr>
+        <p:spPr>
+          <a:xfrm>
+            <a:off x="5623555" y="3614970"/>
+            <a:ext cx="682793" cy="0"/>
+          </a:xfrm>
+          <a:prstGeom prst="straightConnector1">
+            <a:avLst/>
+          </a:prstGeom>
+          <a:ln>
+            <a:tailEnd type="arrow"/>
+          </a:ln>
+        </p:spPr>
+        <p:style>
+          <a:lnRef idx="3">
+            <a:schemeClr val="accent1"/>
+          </a:lnRef>
+          <a:fillRef idx="0">
+            <a:schemeClr val="accent1"/>
+          </a:fillRef>
+          <a:effectRef idx="2">
+            <a:schemeClr val="accent1"/>
+          </a:effectRef>
+          <a:fontRef idx="minor">
+            <a:schemeClr val="tx1"/>
+          </a:fontRef>
+        </p:style>
+      </p:cxnSp>
+      <p:cxnSp>
+        <p:nvCxnSpPr>
+          <p:cNvPr id="16" name="Rechte verbindingslijn met pijl 15"/>
+          <p:cNvCxnSpPr/>
+          <p:nvPr/>
+        </p:nvCxnSpPr>
+        <p:spPr>
+          <a:xfrm rot="5400000">
+            <a:off x="7090581" y="4692460"/>
+            <a:ext cx="590290" cy="1483"/>
+          </a:xfrm>
+          <a:prstGeom prst="straightConnector1">
+            <a:avLst/>
+          </a:prstGeom>
+          <a:ln>
+            <a:tailEnd type="arrow"/>
+          </a:ln>
+        </p:spPr>
+        <p:style>
+          <a:lnRef idx="3">
+            <a:schemeClr val="accent1"/>
+          </a:lnRef>
+          <a:fillRef idx="0">
+            <a:schemeClr val="accent1"/>
+          </a:fillRef>
+          <a:effectRef idx="2">
+            <a:schemeClr val="accent1"/>
+          </a:effectRef>
+          <a:fontRef idx="minor">
+            <a:schemeClr val="tx1"/>
+          </a:fontRef>
+        </p:style>
+      </p:cxnSp>
+      <p:sp>
+        <p:nvSpPr>
+          <p:cNvPr id="26" name="Tekstvak 25"/>
+          <p:cNvSpPr txBox="1"/>
+          <p:nvPr/>
+        </p:nvSpPr>
+        <p:spPr>
+          <a:xfrm>
+            <a:off x="6270674" y="5027384"/>
+            <a:ext cx="2621806" cy="461665"/>
+          </a:xfrm>
+          <a:prstGeom prst="rect">
+            <a:avLst/>
+          </a:prstGeom>
+          <a:noFill/>
+        </p:spPr>
+        <p:txBody>
+          <a:bodyPr wrap="square" rtlCol="0">
+            <a:spAutoFit/>
+          </a:bodyPr>
+          <a:lstStyle/>
+          <a:p>
+            <a:pPr algn="ctr"/>
+            <a:r>
+              <a:rPr lang="nl-NL" sz="2400" b="1" dirty="0" smtClean="0">
+                <a:solidFill>
+                  <a:schemeClr val="accent1"/>
+                </a:solidFill>
+              </a:rPr>
+              <a:t>/</a:t>
+            </a:r>
+            <a:r>
+              <a:rPr lang="nl-NL" sz="2400" b="1" dirty="0" err="1" smtClean="0">
+                <a:solidFill>
+                  <a:schemeClr val="accent1"/>
+                </a:solidFill>
+              </a:rPr>
+              <a:t>odom_combined</a:t>
+            </a:r>
+            <a:endParaRPr lang="nl-NL" sz="2400" b="1" dirty="0">
+              <a:solidFill>
+                <a:schemeClr val="accent1"/>
+              </a:solidFill>
+            </a:endParaRPr>
+          </a:p>
+        </p:txBody>
+      </p:sp>
+      <p:cxnSp>
+        <p:nvCxnSpPr>
+          <p:cNvPr id="35" name="Rechte verbindingslijn met pijl 34"/>
+          <p:cNvCxnSpPr/>
+          <p:nvPr/>
+        </p:nvCxnSpPr>
+        <p:spPr>
+          <a:xfrm rot="5400000">
+            <a:off x="7054577" y="2490326"/>
+            <a:ext cx="590290" cy="1483"/>
+          </a:xfrm>
+          <a:prstGeom prst="straightConnector1">
+            <a:avLst/>
+          </a:prstGeom>
+          <a:ln>
+            <a:tailEnd type="arrow"/>
+          </a:ln>
+        </p:spPr>
+        <p:style>
+          <a:lnRef idx="3">
+            <a:schemeClr val="accent1"/>
+          </a:lnRef>
+          <a:fillRef idx="0">
+            <a:schemeClr val="accent1"/>
+          </a:fillRef>
+          <a:effectRef idx="2">
+            <a:schemeClr val="accent1"/>
+          </a:effectRef>
+          <a:fontRef idx="minor">
+            <a:schemeClr val="tx1"/>
+          </a:fontRef>
+        </p:style>
+      </p:cxnSp>
+      <p:sp>
+        <p:nvSpPr>
+          <p:cNvPr id="36" name="Tekstvak 35"/>
+          <p:cNvSpPr txBox="1"/>
+          <p:nvPr/>
+        </p:nvSpPr>
+        <p:spPr>
+          <a:xfrm>
+            <a:off x="6378356" y="1772816"/>
+            <a:ext cx="1728192" cy="461665"/>
+          </a:xfrm>
+          <a:prstGeom prst="rect">
+            <a:avLst/>
+          </a:prstGeom>
+          <a:noFill/>
+        </p:spPr>
+        <p:txBody>
+          <a:bodyPr wrap="square" rtlCol="0">
+            <a:spAutoFit/>
+          </a:bodyPr>
+          <a:lstStyle/>
+          <a:p>
+            <a:pPr algn="ctr"/>
+            <a:r>
+              <a:rPr lang="nl-NL" sz="2400" b="1" dirty="0" smtClean="0">
+                <a:solidFill>
+                  <a:schemeClr val="accent1"/>
+                </a:solidFill>
+              </a:rPr>
+              <a:t>/</a:t>
+            </a:r>
+            <a:r>
+              <a:rPr lang="nl-NL" sz="2400" b="1" dirty="0" err="1" smtClean="0">
+                <a:solidFill>
+                  <a:schemeClr val="accent1"/>
+                </a:solidFill>
+              </a:rPr>
+              <a:t>imu_data</a:t>
+            </a:r>
+            <a:endParaRPr lang="nl-NL" sz="2400" b="1" dirty="0">
+              <a:solidFill>
+                <a:schemeClr val="accent1"/>
+              </a:solidFill>
+            </a:endParaRPr>
+          </a:p>
+        </p:txBody>
+      </p:sp>
+      <p:sp>
+        <p:nvSpPr>
+          <p:cNvPr id="33" name="AutoShape 2" descr="https://dlnmh9ip6v2uc.cloudfront.net/images/products/1/1/0/2/8/11028-01_i_ma.jpg"/>
+          <p:cNvSpPr>
+            <a:spLocks noChangeAspect="1" noChangeArrowheads="1"/>
+          </p:cNvSpPr>
+          <p:nvPr/>
+        </p:nvSpPr>
+        <p:spPr bwMode="auto">
+          <a:xfrm>
+            <a:off x="155575" y="-144463"/>
+            <a:ext cx="304800" cy="304801"/>
+          </a:xfrm>
+          <a:prstGeom prst="rect">
+            <a:avLst/>
+          </a:prstGeom>
+          <a:noFill/>
+          <a:extLst>
+            <a:ext uri="{909E8E84-426E-40DD-AFC4-6F175D3DCCD1}">
+              <a14:hiddenFill xmlns:a14="http://schemas.microsoft.com/office/drawing/2010/main">
+                <a:solidFill>
+                  <a:srgbClr val="FFFFFF"/>
+                </a:solidFill>
+              </a14:hiddenFill>
+            </a:ext>
+          </a:extLst>
+        </p:spPr>
+        <p:txBody>
+          <a:bodyPr vert="horz" wrap="square" lIns="91440" tIns="45720" rIns="91440" bIns="45720" numCol="1" anchor="t" anchorCtr="0" compatLnSpc="1">
+            <a:prstTxWarp prst="textNoShape">
+              <a:avLst/>
+            </a:prstTxWarp>
+          </a:bodyPr>
+          <a:lstStyle/>
+          <a:p>
+            <a:endParaRPr lang="nl-NL"/>
+          </a:p>
+        </p:txBody>
+      </p:sp>
+      <p:cxnSp>
+        <p:nvCxnSpPr>
+          <p:cNvPr id="18" name="Rechte verbindingslijn met pijl 17"/>
+          <p:cNvCxnSpPr/>
+          <p:nvPr/>
+        </p:nvCxnSpPr>
+        <p:spPr>
+          <a:xfrm flipV="1">
+            <a:off x="3282012" y="2011901"/>
+            <a:ext cx="3234204" cy="390"/>
+          </a:xfrm>
+          <a:prstGeom prst="straightConnector1">
+            <a:avLst/>
+          </a:prstGeom>
+          <a:ln>
+            <a:tailEnd type="arrow"/>
+          </a:ln>
+        </p:spPr>
+        <p:style>
+          <a:lnRef idx="3">
+            <a:schemeClr val="accent1"/>
+          </a:lnRef>
+          <a:fillRef idx="0">
+            <a:schemeClr val="accent1"/>
+          </a:fillRef>
+          <a:effectRef idx="2">
+            <a:schemeClr val="accent1"/>
+          </a:effectRef>
+          <a:fontRef idx="minor">
+            <a:schemeClr val="tx1"/>
+          </a:fontRef>
+        </p:style>
+      </p:cxnSp>
+      <p:sp>
+        <p:nvSpPr>
+          <p:cNvPr id="21" name="Tekstvak 20"/>
+          <p:cNvSpPr txBox="1"/>
+          <p:nvPr/>
+        </p:nvSpPr>
+        <p:spPr>
+          <a:xfrm>
+            <a:off x="2128278" y="1770339"/>
+            <a:ext cx="1296144" cy="461665"/>
+          </a:xfrm>
+          <a:prstGeom prst="rect">
+            <a:avLst/>
+          </a:prstGeom>
+          <a:noFill/>
+        </p:spPr>
+        <p:txBody>
+          <a:bodyPr wrap="square" rtlCol="0">
+            <a:spAutoFit/>
+          </a:bodyPr>
+          <a:lstStyle/>
+          <a:p>
+            <a:pPr algn="ctr"/>
+            <a:r>
+              <a:rPr lang="nl-NL" sz="2400" b="1" dirty="0" smtClean="0">
+                <a:solidFill>
+                  <a:schemeClr val="accent1"/>
+                </a:solidFill>
+              </a:rPr>
+              <a:t>GYRO</a:t>
+            </a:r>
+            <a:endParaRPr lang="nl-NL" sz="2400" b="1" dirty="0">
+              <a:solidFill>
+                <a:schemeClr val="accent1"/>
+              </a:solidFill>
+            </a:endParaRPr>
+          </a:p>
+        </p:txBody>
+      </p:sp>
+      <p:cxnSp>
+        <p:nvCxnSpPr>
+          <p:cNvPr id="24" name="Rechte verbindingslijn met pijl 23"/>
+          <p:cNvCxnSpPr/>
+          <p:nvPr/>
+        </p:nvCxnSpPr>
+        <p:spPr>
+          <a:xfrm>
+            <a:off x="1121772" y="3570167"/>
+            <a:ext cx="638702" cy="0"/>
+          </a:xfrm>
+          <a:prstGeom prst="straightConnector1">
+            <a:avLst/>
+          </a:prstGeom>
+          <a:ln>
+            <a:tailEnd type="arrow"/>
+          </a:ln>
+        </p:spPr>
+        <p:style>
+          <a:lnRef idx="3">
+            <a:schemeClr val="accent1"/>
+          </a:lnRef>
+          <a:fillRef idx="0">
+            <a:schemeClr val="accent1"/>
+          </a:fillRef>
+          <a:effectRef idx="2">
+            <a:schemeClr val="accent1"/>
+          </a:effectRef>
+          <a:fontRef idx="minor">
+            <a:schemeClr val="tx1"/>
+          </a:fontRef>
+        </p:style>
+      </p:cxnSp>
+      <p:sp>
+        <p:nvSpPr>
+          <p:cNvPr id="25" name="Tekstvak 24"/>
+          <p:cNvSpPr txBox="1"/>
+          <p:nvPr/>
+        </p:nvSpPr>
+        <p:spPr>
+          <a:xfrm>
+            <a:off x="233592" y="3133151"/>
+            <a:ext cx="1512168" cy="461665"/>
+          </a:xfrm>
+          <a:prstGeom prst="rect">
+            <a:avLst/>
+          </a:prstGeom>
+          <a:noFill/>
+        </p:spPr>
+        <p:txBody>
+          <a:bodyPr wrap="square" rtlCol="0">
+            <a:spAutoFit/>
+          </a:bodyPr>
+          <a:lstStyle/>
+          <a:p>
+            <a:pPr algn="ctr"/>
+            <a:r>
+              <a:rPr lang="nl-NL" sz="2400" b="1" dirty="0" smtClean="0">
+                <a:solidFill>
+                  <a:schemeClr val="accent1"/>
+                </a:solidFill>
+              </a:rPr>
+              <a:t>/</a:t>
+            </a:r>
+            <a:r>
+              <a:rPr lang="nl-NL" sz="2400" b="1" dirty="0" err="1" smtClean="0">
+                <a:solidFill>
+                  <a:schemeClr val="accent1"/>
+                </a:solidFill>
+              </a:rPr>
+              <a:t>cmd_vel</a:t>
+            </a:r>
+            <a:endParaRPr lang="nl-NL" sz="2400" b="1" dirty="0">
+              <a:solidFill>
+                <a:schemeClr val="accent1"/>
+              </a:solidFill>
+            </a:endParaRPr>
+          </a:p>
+        </p:txBody>
+      </p:sp>
+      <p:sp>
+        <p:nvSpPr>
+          <p:cNvPr id="6" name="Rechthoek 5"/>
+          <p:cNvSpPr/>
+          <p:nvPr/>
+        </p:nvSpPr>
+        <p:spPr>
+          <a:xfrm>
+            <a:off x="2607882" y="1187460"/>
+            <a:ext cx="4116961" cy="369332"/>
+          </a:xfrm>
+          <a:prstGeom prst="rect">
+            <a:avLst/>
+          </a:prstGeom>
+        </p:spPr>
+        <p:txBody>
+          <a:bodyPr wrap="none">
+            <a:spAutoFit/>
+          </a:bodyPr>
+          <a:lstStyle/>
+          <a:p>
+            <a:r>
+              <a:rPr lang="nl-NL" dirty="0">
+                <a:hlinkClick r:id="rId3"/>
+              </a:rPr>
+              <a:t>http://</a:t>
+            </a:r>
+            <a:r>
+              <a:rPr lang="nl-NL" dirty="0" smtClean="0">
+                <a:hlinkClick r:id="rId3"/>
+              </a:rPr>
+              <a:t>www.ros.org/wiki/robot_pose_ekf</a:t>
+            </a:r>
+            <a:r>
+              <a:rPr lang="nl-NL" dirty="0" smtClean="0"/>
+              <a:t> </a:t>
+            </a:r>
+            <a:endParaRPr lang="nl-NL" dirty="0"/>
+          </a:p>
+        </p:txBody>
+      </p:sp>
+      <p:cxnSp>
+        <p:nvCxnSpPr>
+          <p:cNvPr id="27" name="Rechte verbindingslijn met pijl 26"/>
+          <p:cNvCxnSpPr>
+            <a:endCxn id="13" idx="1"/>
+          </p:cNvCxnSpPr>
+          <p:nvPr/>
+        </p:nvCxnSpPr>
+        <p:spPr>
+          <a:xfrm>
+            <a:off x="6156176" y="2594521"/>
+            <a:ext cx="466532" cy="460358"/>
+          </a:xfrm>
+          <a:prstGeom prst="straightConnector1">
+            <a:avLst/>
+          </a:prstGeom>
+          <a:ln>
+            <a:tailEnd type="arrow"/>
+          </a:ln>
+        </p:spPr>
+        <p:style>
+          <a:lnRef idx="3">
+            <a:schemeClr val="accent1"/>
+          </a:lnRef>
+          <a:fillRef idx="0">
+            <a:schemeClr val="accent1"/>
+          </a:fillRef>
+          <a:effectRef idx="2">
+            <a:schemeClr val="accent1"/>
+          </a:effectRef>
+          <a:fontRef idx="minor">
+            <a:schemeClr val="tx1"/>
+          </a:fontRef>
+        </p:style>
+      </p:cxnSp>
+      <p:sp>
+        <p:nvSpPr>
+          <p:cNvPr id="28" name="Tekstvak 27"/>
+          <p:cNvSpPr txBox="1"/>
+          <p:nvPr/>
+        </p:nvSpPr>
+        <p:spPr>
+          <a:xfrm>
+            <a:off x="5544438" y="2132856"/>
+            <a:ext cx="899770" cy="461665"/>
+          </a:xfrm>
+          <a:prstGeom prst="rect">
+            <a:avLst/>
+          </a:prstGeom>
+          <a:noFill/>
+        </p:spPr>
+        <p:txBody>
+          <a:bodyPr wrap="square" rtlCol="0">
+            <a:spAutoFit/>
+          </a:bodyPr>
+          <a:lstStyle/>
+          <a:p>
+            <a:pPr algn="ctr"/>
+            <a:r>
+              <a:rPr lang="nl-NL" sz="2400" b="1" dirty="0" smtClean="0">
+                <a:solidFill>
+                  <a:schemeClr val="accent1"/>
+                </a:solidFill>
+              </a:rPr>
+              <a:t>/vo</a:t>
+            </a:r>
+            <a:endParaRPr lang="nl-NL" sz="2400" b="1" dirty="0">
+              <a:solidFill>
+                <a:schemeClr val="accent1"/>
+              </a:solidFill>
+            </a:endParaRPr>
+          </a:p>
+        </p:txBody>
+      </p:sp>
+      <p:sp>
+        <p:nvSpPr>
+          <p:cNvPr id="34" name="Tekstvak 33"/>
+          <p:cNvSpPr txBox="1"/>
+          <p:nvPr/>
+        </p:nvSpPr>
+        <p:spPr>
+          <a:xfrm>
+            <a:off x="2128278" y="2150528"/>
+            <a:ext cx="1296144" cy="461665"/>
+          </a:xfrm>
+          <a:prstGeom prst="rect">
+            <a:avLst/>
+          </a:prstGeom>
+          <a:noFill/>
+        </p:spPr>
+        <p:txBody>
+          <a:bodyPr wrap="square" rtlCol="0">
+            <a:spAutoFit/>
+          </a:bodyPr>
+          <a:lstStyle/>
+          <a:p>
+            <a:pPr algn="ctr"/>
+            <a:r>
+              <a:rPr lang="nl-NL" sz="2400" b="1" dirty="0" smtClean="0">
+                <a:solidFill>
+                  <a:schemeClr val="accent1"/>
+                </a:solidFill>
+              </a:rPr>
+              <a:t>GPS</a:t>
+            </a:r>
+            <a:endParaRPr lang="nl-NL" sz="2400" b="1" dirty="0">
+              <a:solidFill>
+                <a:schemeClr val="accent1"/>
+              </a:solidFill>
+            </a:endParaRPr>
+          </a:p>
+        </p:txBody>
+      </p:sp>
+      <p:cxnSp>
+        <p:nvCxnSpPr>
+          <p:cNvPr id="37" name="Rechte verbindingslijn met pijl 36"/>
+          <p:cNvCxnSpPr/>
+          <p:nvPr/>
+        </p:nvCxnSpPr>
+        <p:spPr>
+          <a:xfrm flipV="1">
+            <a:off x="3260463" y="2384352"/>
+            <a:ext cx="2463665" cy="390"/>
+          </a:xfrm>
+          <a:prstGeom prst="straightConnector1">
+            <a:avLst/>
+          </a:prstGeom>
+          <a:ln>
+            <a:tailEnd type="arrow"/>
+          </a:ln>
+        </p:spPr>
+        <p:style>
+          <a:lnRef idx="3">
+            <a:schemeClr val="accent1"/>
+          </a:lnRef>
+          <a:fillRef idx="0">
+            <a:schemeClr val="accent1"/>
+          </a:fillRef>
+          <a:effectRef idx="2">
+            <a:schemeClr val="accent1"/>
+          </a:effectRef>
+          <a:fontRef idx="minor">
+            <a:schemeClr val="tx1"/>
+          </a:fontRef>
+        </p:style>
+      </p:cxnSp>
+      <p:sp>
+        <p:nvSpPr>
+          <p:cNvPr id="14341" name="Rechthoek 14340"/>
+          <p:cNvSpPr/>
+          <p:nvPr/>
+        </p:nvSpPr>
+        <p:spPr>
+          <a:xfrm>
+            <a:off x="3720609" y="1718832"/>
+            <a:ext cx="1543371" cy="369332"/>
+          </a:xfrm>
+          <a:prstGeom prst="rect">
+            <a:avLst/>
+          </a:prstGeom>
+        </p:spPr>
+        <p:txBody>
+          <a:bodyPr wrap="none">
+            <a:spAutoFit/>
+          </a:bodyPr>
+          <a:lstStyle/>
+          <a:p>
+            <a:r>
+              <a:rPr lang="nl-NL" dirty="0"/>
+              <a:t>3D </a:t>
+            </a:r>
+            <a:r>
+              <a:rPr lang="nl-NL" dirty="0" err="1"/>
+              <a:t>orientation</a:t>
+            </a:r>
+            <a:endParaRPr lang="nl-NL" dirty="0"/>
+          </a:p>
+        </p:txBody>
+      </p:sp>
+      <p:sp>
+        <p:nvSpPr>
+          <p:cNvPr id="14342" name="Rechthoek 14341"/>
+          <p:cNvSpPr/>
+          <p:nvPr/>
+        </p:nvSpPr>
+        <p:spPr>
+          <a:xfrm>
+            <a:off x="3707904" y="2088558"/>
+            <a:ext cx="946093" cy="369332"/>
+          </a:xfrm>
+          <a:prstGeom prst="rect">
+            <a:avLst/>
+          </a:prstGeom>
+        </p:spPr>
+        <p:txBody>
+          <a:bodyPr wrap="none">
+            <a:spAutoFit/>
+          </a:bodyPr>
+          <a:lstStyle/>
+          <a:p>
+            <a:r>
+              <a:rPr lang="nl-NL" dirty="0"/>
+              <a:t>3D pose</a:t>
+            </a:r>
+          </a:p>
+        </p:txBody>
+      </p:sp>
+      <p:sp>
+        <p:nvSpPr>
+          <p:cNvPr id="14343" name="Rechthoek 14342"/>
+          <p:cNvSpPr/>
+          <p:nvPr/>
+        </p:nvSpPr>
+        <p:spPr>
+          <a:xfrm>
+            <a:off x="3777622" y="3244334"/>
+            <a:ext cx="954107" cy="369332"/>
+          </a:xfrm>
+          <a:prstGeom prst="rect">
+            <a:avLst/>
+          </a:prstGeom>
+        </p:spPr>
+        <p:txBody>
+          <a:bodyPr wrap="none">
+            <a:spAutoFit/>
+          </a:bodyPr>
+          <a:lstStyle/>
+          <a:p>
+            <a:r>
+              <a:rPr lang="nl-NL" dirty="0"/>
+              <a:t>2D pose</a:t>
+            </a:r>
+          </a:p>
+        </p:txBody>
+      </p:sp>
+      <p:cxnSp>
+        <p:nvCxnSpPr>
+          <p:cNvPr id="46" name="Rechte verbindingslijn met pijl 45"/>
+          <p:cNvCxnSpPr/>
+          <p:nvPr/>
+        </p:nvCxnSpPr>
+        <p:spPr>
+          <a:xfrm>
+            <a:off x="7885851" y="4265677"/>
+            <a:ext cx="358557" cy="427524"/>
+          </a:xfrm>
+          <a:prstGeom prst="straightConnector1">
+            <a:avLst/>
+          </a:prstGeom>
+          <a:ln>
+            <a:tailEnd type="arrow"/>
+          </a:ln>
+        </p:spPr>
+        <p:style>
+          <a:lnRef idx="3">
+            <a:schemeClr val="accent1"/>
+          </a:lnRef>
+          <a:fillRef idx="0">
+            <a:schemeClr val="accent1"/>
+          </a:fillRef>
+          <a:effectRef idx="2">
+            <a:schemeClr val="accent1"/>
+          </a:effectRef>
+          <a:fontRef idx="minor">
+            <a:schemeClr val="tx1"/>
+          </a:fontRef>
+        </p:style>
+      </p:cxnSp>
+      <p:sp>
+        <p:nvSpPr>
+          <p:cNvPr id="49" name="Tekstvak 48"/>
+          <p:cNvSpPr txBox="1"/>
+          <p:nvPr/>
+        </p:nvSpPr>
+        <p:spPr>
+          <a:xfrm>
+            <a:off x="7885851" y="4601843"/>
+            <a:ext cx="899770" cy="461665"/>
+          </a:xfrm>
+          <a:prstGeom prst="rect">
+            <a:avLst/>
+          </a:prstGeom>
+          <a:noFill/>
+        </p:spPr>
+        <p:txBody>
+          <a:bodyPr wrap="square" rtlCol="0">
+            <a:spAutoFit/>
+          </a:bodyPr>
+          <a:lstStyle/>
+          <a:p>
+            <a:pPr algn="ctr"/>
+            <a:r>
+              <a:rPr lang="nl-NL" sz="2400" b="1" dirty="0" smtClean="0">
+                <a:solidFill>
+                  <a:schemeClr val="accent1"/>
+                </a:solidFill>
+              </a:rPr>
+              <a:t>/</a:t>
+            </a:r>
+            <a:r>
+              <a:rPr lang="nl-NL" sz="2400" b="1" dirty="0" err="1" smtClean="0">
+                <a:solidFill>
+                  <a:schemeClr val="accent1"/>
+                </a:solidFill>
+              </a:rPr>
+              <a:t>tf</a:t>
+            </a:r>
+            <a:endParaRPr lang="nl-NL" sz="2400" b="1" dirty="0">
+              <a:solidFill>
+                <a:schemeClr val="accent1"/>
+              </a:solidFill>
+            </a:endParaRPr>
+          </a:p>
+        </p:txBody>
+      </p:sp>
+    </p:spTree>
+    <p:extLst>
+      <p:ext uri="{BB962C8B-B14F-4D97-AF65-F5344CB8AC3E}">
+        <p14:creationId xmlns:p14="http://schemas.microsoft.com/office/powerpoint/2010/main" val="2428431224"/>
+      </p:ext>
+    </p:extLst>
+  </p:cSld>
+  <p:clrMapOvr>
+    <a:masterClrMapping/>
+  </p:clrMapOvr>
+  <p:timing>
+    <p:tnLst>
+      <p:par>
+        <p:cTn id="1" dur="indefinite" restart="never" nodeType="tmRoot"/>
+      </p:par>
+    </p:tnLst>
+  </p:timing>
+</p:sld>
+</file>
+
+<file path=ppt/slides/slide18.xml><?xml version="1.0" encoding="utf-8"?>
 <p:sld xmlns:a="http://schemas.openxmlformats.org/drawingml/2006/main" xmlns:r="http://schemas.openxmlformats.org/officeDocument/2006/relationships" xmlns:p="http://schemas.openxmlformats.org/presentationml/2006/main">
   <p:cSld>
     <p:spTree>
@@ -7429,7 +9287,7 @@
           <a:p>
             <a:fld id="{A9096D49-DAE3-40DE-93E0-41688E0A5016}" type="slidenum">
               <a:rPr lang="nl-NL" smtClean="0"/>
-              <a:t>16</a:t>
+              <a:t>18</a:t>
             </a:fld>
             <a:endParaRPr lang="nl-NL"/>
           </a:p>
@@ -7455,7 +9313,7 @@
 </p:sld>
 </file>
 
-<file path=ppt/slides/slide17.xml><?xml version="1.0" encoding="utf-8"?>
+<file path=ppt/slides/slide19.xml><?xml version="1.0" encoding="utf-8"?>
 <p:sld xmlns:a="http://schemas.openxmlformats.org/drawingml/2006/main" xmlns:r="http://schemas.openxmlformats.org/officeDocument/2006/relationships" xmlns:p="http://schemas.openxmlformats.org/presentationml/2006/main">
   <p:cSld>
     <p:spTree>
@@ -10684,461 +12542,6 @@
 </p:sld>
 </file>
 
-<file path=ppt/slides/slide18.xml><?xml version="1.0" encoding="utf-8"?>
-<p:sld xmlns:a="http://schemas.openxmlformats.org/drawingml/2006/main" xmlns:r="http://schemas.openxmlformats.org/officeDocument/2006/relationships" xmlns:p="http://schemas.openxmlformats.org/presentationml/2006/main">
-  <p:cSld>
-    <p:spTree>
-      <p:nvGrpSpPr>
-        <p:cNvPr id="1" name=""/>
-        <p:cNvGrpSpPr/>
-        <p:nvPr/>
-      </p:nvGrpSpPr>
-      <p:grpSpPr>
-        <a:xfrm>
-          <a:off x="0" y="0"/>
-          <a:ext cx="0" cy="0"/>
-          <a:chOff x="0" y="0"/>
-          <a:chExt cx="0" cy="0"/>
-        </a:xfrm>
-      </p:grpSpPr>
-      <p:sp>
-        <p:nvSpPr>
-          <p:cNvPr id="4" name="Titel 3"/>
-          <p:cNvSpPr>
-            <a:spLocks noGrp="1"/>
-          </p:cNvSpPr>
-          <p:nvPr>
-            <p:ph type="title"/>
-          </p:nvPr>
-        </p:nvSpPr>
-        <p:spPr/>
-        <p:txBody>
-          <a:bodyPr/>
-          <a:lstStyle/>
-          <a:p>
-            <a:r>
-              <a:rPr lang="nl-NL" dirty="0" smtClean="0"/>
-              <a:t>Frames </a:t>
-            </a:r>
-            <a:r>
-              <a:rPr lang="nl-NL" dirty="0" err="1" smtClean="0"/>
-              <a:t>for</a:t>
-            </a:r>
-            <a:r>
-              <a:rPr lang="nl-NL" dirty="0" smtClean="0"/>
-              <a:t> Mobile Robots</a:t>
-            </a:r>
-            <a:endParaRPr lang="nl-NL" dirty="0"/>
-          </a:p>
-        </p:txBody>
-      </p:sp>
-      <p:pic>
-        <p:nvPicPr>
-          <p:cNvPr id="14338" name="Picture 2" descr="coordsystems_img.png"/>
-          <p:cNvPicPr>
-            <a:picLocks noChangeAspect="1" noChangeArrowheads="1"/>
-          </p:cNvPicPr>
-          <p:nvPr/>
-        </p:nvPicPr>
-        <p:blipFill>
-          <a:blip r:embed="rId2">
-            <a:extLst>
-              <a:ext uri="{28A0092B-C50C-407E-A947-70E740481C1C}">
-                <a14:useLocalDpi xmlns:a14="http://schemas.microsoft.com/office/drawing/2010/main" val="0"/>
-              </a:ext>
-            </a:extLst>
-          </a:blip>
-          <a:srcRect/>
-          <a:stretch>
-            <a:fillRect/>
-          </a:stretch>
-        </p:blipFill>
-        <p:spPr bwMode="auto">
-          <a:xfrm>
-            <a:off x="1043608" y="2060848"/>
-            <a:ext cx="6934200" cy="4038601"/>
-          </a:xfrm>
-          <a:prstGeom prst="rect">
-            <a:avLst/>
-          </a:prstGeom>
-          <a:noFill/>
-          <a:extLst>
-            <a:ext uri="{909E8E84-426E-40DD-AFC4-6F175D3DCCD1}">
-              <a14:hiddenFill xmlns:a14="http://schemas.microsoft.com/office/drawing/2010/main">
-                <a:solidFill>
-                  <a:srgbClr val="FFFFFF"/>
-                </a:solidFill>
-              </a14:hiddenFill>
-            </a:ext>
-          </a:extLst>
-        </p:spPr>
-      </p:pic>
-      <p:sp>
-        <p:nvSpPr>
-          <p:cNvPr id="6" name="Rechthoek 5"/>
-          <p:cNvSpPr/>
-          <p:nvPr/>
-        </p:nvSpPr>
-        <p:spPr>
-          <a:xfrm>
-            <a:off x="2536770" y="1124744"/>
-            <a:ext cx="3947876" cy="369332"/>
-          </a:xfrm>
-          <a:prstGeom prst="rect">
-            <a:avLst/>
-          </a:prstGeom>
-        </p:spPr>
-        <p:txBody>
-          <a:bodyPr wrap="none">
-            <a:spAutoFit/>
-          </a:bodyPr>
-          <a:lstStyle/>
-          <a:p>
-            <a:pPr algn="ctr"/>
-            <a:r>
-              <a:rPr lang="nl-NL" dirty="0">
-                <a:hlinkClick r:id="rId3"/>
-              </a:rPr>
-              <a:t>http://</a:t>
-            </a:r>
-            <a:r>
-              <a:rPr lang="nl-NL" dirty="0" smtClean="0">
-                <a:hlinkClick r:id="rId3"/>
-              </a:rPr>
-              <a:t>www.ros.org/reps/rep-0105.html</a:t>
-            </a:r>
-            <a:endParaRPr lang="nl-NL" dirty="0"/>
-          </a:p>
-        </p:txBody>
-      </p:sp>
-    </p:spTree>
-    <p:extLst>
-      <p:ext uri="{BB962C8B-B14F-4D97-AF65-F5344CB8AC3E}">
-        <p14:creationId xmlns:p14="http://schemas.microsoft.com/office/powerpoint/2010/main" val="2577278013"/>
-      </p:ext>
-    </p:extLst>
-  </p:cSld>
-  <p:clrMapOvr>
-    <a:masterClrMapping/>
-  </p:clrMapOvr>
-  <p:timing>
-    <p:tnLst>
-      <p:par>
-        <p:cTn id="1" dur="indefinite" restart="never" nodeType="tmRoot"/>
-      </p:par>
-    </p:tnLst>
-  </p:timing>
-</p:sld>
-</file>
-
-<file path=ppt/slides/slide19.xml><?xml version="1.0" encoding="utf-8"?>
-<p:sld xmlns:a="http://schemas.openxmlformats.org/drawingml/2006/main" xmlns:r="http://schemas.openxmlformats.org/officeDocument/2006/relationships" xmlns:p="http://schemas.openxmlformats.org/presentationml/2006/main">
-  <p:cSld>
-    <p:spTree>
-      <p:nvGrpSpPr>
-        <p:cNvPr id="1" name=""/>
-        <p:cNvGrpSpPr/>
-        <p:nvPr/>
-      </p:nvGrpSpPr>
-      <p:grpSpPr>
-        <a:xfrm>
-          <a:off x="0" y="0"/>
-          <a:ext cx="0" cy="0"/>
-          <a:chOff x="0" y="0"/>
-          <a:chExt cx="0" cy="0"/>
-        </a:xfrm>
-      </p:grpSpPr>
-      <p:sp>
-        <p:nvSpPr>
-          <p:cNvPr id="2" name="Titel 1"/>
-          <p:cNvSpPr>
-            <a:spLocks noGrp="1"/>
-          </p:cNvSpPr>
-          <p:nvPr>
-            <p:ph type="title"/>
-          </p:nvPr>
-        </p:nvSpPr>
-        <p:spPr/>
-        <p:txBody>
-          <a:bodyPr/>
-          <a:lstStyle/>
-          <a:p>
-            <a:r>
-              <a:rPr lang="nl-NL" dirty="0" smtClean="0"/>
-              <a:t>Frames </a:t>
-            </a:r>
-            <a:r>
-              <a:rPr lang="nl-NL" dirty="0" err="1" smtClean="0"/>
-              <a:t>for</a:t>
-            </a:r>
-            <a:r>
-              <a:rPr lang="nl-NL" dirty="0"/>
-              <a:t> </a:t>
-            </a:r>
-            <a:r>
-              <a:rPr lang="nl-NL" dirty="0" smtClean="0"/>
-              <a:t>Mobile robots</a:t>
-            </a:r>
-            <a:endParaRPr lang="nl-NL" dirty="0"/>
-          </a:p>
-        </p:txBody>
-      </p:sp>
-      <p:sp>
-        <p:nvSpPr>
-          <p:cNvPr id="3" name="Tijdelijke aanduiding voor inhoud 2"/>
-          <p:cNvSpPr>
-            <a:spLocks noGrp="1"/>
-          </p:cNvSpPr>
-          <p:nvPr>
-            <p:ph idx="1"/>
-          </p:nvPr>
-        </p:nvSpPr>
-        <p:spPr>
-          <a:xfrm>
-            <a:off x="457200" y="1600200"/>
-            <a:ext cx="8229600" cy="4853136"/>
-          </a:xfrm>
-        </p:spPr>
-        <p:txBody>
-          <a:bodyPr>
-            <a:normAutofit lnSpcReduction="10000"/>
-          </a:bodyPr>
-          <a:lstStyle/>
-          <a:p>
-            <a:pPr lvl="1"/>
-            <a:r>
-              <a:rPr lang="nl-NL" b="1" dirty="0" smtClean="0"/>
-              <a:t>map</a:t>
-            </a:r>
-          </a:p>
-          <a:p>
-            <a:pPr lvl="2"/>
-            <a:r>
-              <a:rPr lang="nl-NL" dirty="0" err="1"/>
-              <a:t>origin</a:t>
-            </a:r>
-            <a:r>
-              <a:rPr lang="nl-NL" dirty="0"/>
-              <a:t>: </a:t>
-            </a:r>
-            <a:r>
-              <a:rPr lang="nl-NL" dirty="0" smtClean="0"/>
-              <a:t>“</a:t>
-            </a:r>
-            <a:r>
-              <a:rPr lang="nl-NL" dirty="0" err="1" smtClean="0"/>
-              <a:t>origin</a:t>
-            </a:r>
-            <a:r>
-              <a:rPr lang="nl-NL" dirty="0" smtClean="0"/>
-              <a:t> of the map”</a:t>
-            </a:r>
-            <a:endParaRPr lang="nl-NL" dirty="0"/>
-          </a:p>
-          <a:p>
-            <a:pPr lvl="2"/>
-            <a:r>
-              <a:rPr lang="nl-NL" dirty="0" smtClean="0"/>
-              <a:t>long-term </a:t>
-            </a:r>
-            <a:r>
-              <a:rPr lang="nl-NL" dirty="0" err="1"/>
-              <a:t>global</a:t>
-            </a:r>
-            <a:r>
-              <a:rPr lang="nl-NL" dirty="0"/>
-              <a:t> </a:t>
-            </a:r>
-            <a:r>
-              <a:rPr lang="nl-NL" dirty="0" err="1" smtClean="0"/>
-              <a:t>reference</a:t>
-            </a:r>
-            <a:endParaRPr lang="nl-NL" dirty="0" smtClean="0"/>
-          </a:p>
-          <a:p>
-            <a:pPr lvl="1"/>
-            <a:r>
-              <a:rPr lang="nl-NL" b="1" dirty="0" err="1" smtClean="0"/>
-              <a:t>odom</a:t>
-            </a:r>
-            <a:endParaRPr lang="nl-NL" b="1" dirty="0" smtClean="0"/>
-          </a:p>
-          <a:p>
-            <a:pPr lvl="2"/>
-            <a:r>
-              <a:rPr lang="nl-NL" dirty="0" err="1"/>
-              <a:t>origin</a:t>
-            </a:r>
-            <a:r>
-              <a:rPr lang="nl-NL" dirty="0"/>
-              <a:t>: “</a:t>
-            </a:r>
-            <a:r>
-              <a:rPr lang="nl-NL" dirty="0" err="1"/>
-              <a:t>where</a:t>
-            </a:r>
-            <a:r>
-              <a:rPr lang="nl-NL" dirty="0"/>
-              <a:t> the </a:t>
-            </a:r>
-            <a:r>
-              <a:rPr lang="nl-NL" dirty="0" err="1"/>
-              <a:t>odometry</a:t>
-            </a:r>
-            <a:r>
-              <a:rPr lang="nl-NL" dirty="0"/>
-              <a:t> </a:t>
-            </a:r>
-            <a:r>
-              <a:rPr lang="nl-NL" dirty="0" err="1"/>
-              <a:t>calculation</a:t>
-            </a:r>
-            <a:r>
-              <a:rPr lang="nl-NL" dirty="0"/>
-              <a:t> </a:t>
-            </a:r>
-            <a:r>
-              <a:rPr lang="nl-NL" dirty="0" err="1" smtClean="0"/>
-              <a:t>started</a:t>
-            </a:r>
-            <a:r>
-              <a:rPr lang="nl-NL" dirty="0" smtClean="0"/>
-              <a:t>”</a:t>
-            </a:r>
-            <a:endParaRPr lang="nl-NL" dirty="0"/>
-          </a:p>
-          <a:p>
-            <a:pPr lvl="2"/>
-            <a:r>
-              <a:rPr lang="nl-NL" dirty="0" smtClean="0"/>
-              <a:t>short-term </a:t>
-            </a:r>
-            <a:r>
-              <a:rPr lang="nl-NL" dirty="0" err="1"/>
-              <a:t>local</a:t>
-            </a:r>
-            <a:r>
-              <a:rPr lang="nl-NL" dirty="0"/>
-              <a:t> </a:t>
-            </a:r>
-            <a:r>
-              <a:rPr lang="nl-NL" dirty="0" err="1" smtClean="0"/>
-              <a:t>reference</a:t>
-            </a:r>
-            <a:endParaRPr lang="nl-NL" dirty="0" smtClean="0"/>
-          </a:p>
-          <a:p>
-            <a:pPr lvl="1"/>
-            <a:r>
-              <a:rPr lang="nl-NL" b="1" dirty="0" err="1" smtClean="0"/>
-              <a:t>base_link</a:t>
-            </a:r>
-            <a:endParaRPr lang="nl-NL" b="1" dirty="0" smtClean="0"/>
-          </a:p>
-          <a:p>
-            <a:pPr lvl="2"/>
-            <a:r>
-              <a:rPr lang="nl-NL" dirty="0" err="1"/>
-              <a:t>origin</a:t>
-            </a:r>
-            <a:r>
-              <a:rPr lang="nl-NL" dirty="0"/>
-              <a:t>: “</a:t>
-            </a:r>
-            <a:r>
-              <a:rPr lang="nl-NL" dirty="0" err="1"/>
-              <a:t>central</a:t>
-            </a:r>
-            <a:r>
-              <a:rPr lang="nl-NL" dirty="0"/>
-              <a:t> point on the </a:t>
-            </a:r>
-            <a:r>
-              <a:rPr lang="nl-NL" dirty="0" smtClean="0"/>
-              <a:t>robot”</a:t>
-            </a:r>
-            <a:endParaRPr lang="nl-NL" dirty="0"/>
-          </a:p>
-          <a:p>
-            <a:pPr lvl="3"/>
-            <a:r>
-              <a:rPr lang="nl-NL" dirty="0" err="1" smtClean="0"/>
-              <a:t>rotational</a:t>
-            </a:r>
-            <a:r>
-              <a:rPr lang="nl-NL" dirty="0" smtClean="0"/>
-              <a:t> </a:t>
-            </a:r>
-            <a:r>
-              <a:rPr lang="nl-NL" dirty="0"/>
-              <a:t>center </a:t>
-            </a:r>
-            <a:r>
-              <a:rPr lang="nl-NL" dirty="0" smtClean="0"/>
-              <a:t>of mobile base</a:t>
-            </a:r>
-          </a:p>
-          <a:p>
-            <a:pPr lvl="3"/>
-            <a:r>
-              <a:rPr lang="nl-NL" dirty="0" err="1" smtClean="0"/>
-              <a:t>waist</a:t>
-            </a:r>
-            <a:r>
-              <a:rPr lang="nl-NL" dirty="0" smtClean="0"/>
-              <a:t> of </a:t>
-            </a:r>
-            <a:r>
-              <a:rPr lang="nl-NL" dirty="0" err="1" smtClean="0"/>
-              <a:t>humanoid</a:t>
-            </a:r>
-            <a:r>
-              <a:rPr lang="nl-NL" dirty="0" smtClean="0"/>
-              <a:t> or manipulator</a:t>
-            </a:r>
-            <a:endParaRPr lang="nl-NL" dirty="0"/>
-          </a:p>
-          <a:p>
-            <a:pPr lvl="2"/>
-            <a:r>
-              <a:rPr lang="nl-NL" dirty="0" err="1" smtClean="0"/>
-              <a:t>origin</a:t>
-            </a:r>
-            <a:r>
-              <a:rPr lang="nl-NL" dirty="0" smtClean="0"/>
-              <a:t> of robot </a:t>
-            </a:r>
-            <a:r>
-              <a:rPr lang="nl-NL" dirty="0" err="1" smtClean="0"/>
-              <a:t>coordinate</a:t>
-            </a:r>
-            <a:r>
-              <a:rPr lang="nl-NL" dirty="0" smtClean="0"/>
-              <a:t> frame</a:t>
-            </a:r>
-          </a:p>
-        </p:txBody>
-      </p:sp>
-    </p:spTree>
-    <p:extLst>
-      <p:ext uri="{BB962C8B-B14F-4D97-AF65-F5344CB8AC3E}">
-        <p14:creationId xmlns:p14="http://schemas.microsoft.com/office/powerpoint/2010/main" val="3871429176"/>
-      </p:ext>
-    </p:extLst>
-  </p:cSld>
-  <p:clrMapOvr>
-    <a:masterClrMapping/>
-  </p:clrMapOvr>
-  <p:timing>
-    <p:tnLst>
-      <p:par>
-        <p:cTn id="1" dur="indefinite" restart="never" nodeType="tmRoot"/>
-      </p:par>
-    </p:tnLst>
-  </p:timing>
-</p:sld>
-</file>
-
 <file path=ppt/slides/slide2.xml><?xml version="1.0" encoding="utf-8"?>
 <p:sld xmlns:a="http://schemas.openxmlformats.org/drawingml/2006/main" xmlns:r="http://schemas.openxmlformats.org/officeDocument/2006/relationships" xmlns:p="http://schemas.openxmlformats.org/presentationml/2006/main">
   <p:cSld>
@@ -11479,7 +12882,7 @@
       </p:grpSpPr>
       <p:sp>
         <p:nvSpPr>
-          <p:cNvPr id="3" name="Titel 2"/>
+          <p:cNvPr id="4" name="Titel 3"/>
           <p:cNvSpPr>
             <a:spLocks noGrp="1"/>
           </p:cNvSpPr>
@@ -11489,9 +12892,7 @@
         </p:nvSpPr>
         <p:spPr/>
         <p:txBody>
-          <a:bodyPr>
-            <a:normAutofit fontScale="90000"/>
-          </a:bodyPr>
+          <a:bodyPr/>
           <a:lstStyle/>
           <a:p>
             <a:r>
@@ -11504,15 +12905,7 @@
             </a:r>
             <a:r>
               <a:rPr lang="nl-NL" dirty="0" smtClean="0"/>
-              <a:t> </a:t>
-            </a:r>
-            <a:r>
-              <a:rPr lang="nl-NL" dirty="0" err="1" smtClean="0"/>
-              <a:t>Humanoids</a:t>
-            </a:r>
-            <a:r>
-              <a:rPr lang="nl-NL" dirty="0" smtClean="0"/>
-              <a:t> &amp; Manipulators</a:t>
+              <a:t> Mobile Robots</a:t>
             </a:r>
             <a:endParaRPr lang="nl-NL" dirty="0"/>
           </a:p>
@@ -11520,7 +12913,7 @@
       </p:sp>
       <p:pic>
         <p:nvPicPr>
-          <p:cNvPr id="15362" name="Picture 2" descr="frames2.png"/>
+          <p:cNvPr id="14338" name="Picture 2" descr="coordsystems_img.png"/>
           <p:cNvPicPr>
             <a:picLocks noChangeAspect="1" noChangeArrowheads="1"/>
           </p:cNvPicPr>
@@ -11541,8 +12934,8 @@
         </p:blipFill>
         <p:spPr bwMode="auto">
           <a:xfrm>
-            <a:off x="107503" y="1412776"/>
-            <a:ext cx="5329477" cy="4623587"/>
+            <a:off x="1043608" y="2060848"/>
+            <a:ext cx="6934200" cy="4038601"/>
           </a:xfrm>
           <a:prstGeom prst="rect">
             <a:avLst/>
@@ -11559,56 +12952,15 @@
           </a:extLst>
         </p:spPr>
       </p:pic>
-      <p:pic>
-        <p:nvPicPr>
-          <p:cNvPr id="2050" name="Picture 2" descr="D:\SkyDrive\Documents\My Pictures\armframes2.jpg"/>
-          <p:cNvPicPr>
-            <a:picLocks noChangeAspect="1" noChangeArrowheads="1"/>
-          </p:cNvPicPr>
-          <p:nvPr/>
-        </p:nvPicPr>
-        <p:blipFill>
-          <a:blip r:embed="rId3">
-            <a:extLst>
-              <a:ext uri="{28A0092B-C50C-407E-A947-70E740481C1C}">
-                <a14:useLocalDpi xmlns:a14="http://schemas.microsoft.com/office/drawing/2010/main" val="0"/>
-              </a:ext>
-            </a:extLst>
-          </a:blip>
-          <a:srcRect/>
-          <a:stretch>
-            <a:fillRect/>
-          </a:stretch>
-        </p:blipFill>
-        <p:spPr bwMode="auto">
-          <a:xfrm>
-            <a:off x="5841449" y="3501008"/>
-            <a:ext cx="2953945" cy="2044080"/>
-          </a:xfrm>
-          <a:prstGeom prst="rect">
-            <a:avLst/>
-          </a:prstGeom>
-          <a:noFill/>
-          <a:extLst>
-            <a:ext uri="{909E8E84-426E-40DD-AFC4-6F175D3DCCD1}">
-              <a14:hiddenFill xmlns:a14="http://schemas.microsoft.com/office/drawing/2010/main">
-                <a:solidFill>
-                  <a:srgbClr val="FFFFFF"/>
-                </a:solidFill>
-              </a14:hiddenFill>
-            </a:ext>
-          </a:extLst>
-        </p:spPr>
-      </p:pic>
       <p:sp>
         <p:nvSpPr>
-          <p:cNvPr id="2" name="Rechthoek 1"/>
+          <p:cNvPr id="6" name="Rechthoek 5"/>
           <p:cNvSpPr/>
           <p:nvPr/>
         </p:nvSpPr>
         <p:spPr>
           <a:xfrm>
-            <a:off x="2600225" y="1124744"/>
+            <a:off x="2536770" y="1124744"/>
             <a:ext cx="3947876" cy="369332"/>
           </a:xfrm>
           <a:prstGeom prst="rect">
@@ -11621,11 +12973,18 @@
           </a:bodyPr>
           <a:lstStyle/>
           <a:p>
+            <a:pPr algn="ctr"/>
             <a:r>
               <a:rPr lang="nl-NL" dirty="0">
-                <a:hlinkClick r:id="rId4"/>
+                <a:hlinkClick r:id="rId3"/>
               </a:rPr>
-              <a:t>http://www.ros.org/reps/rep-0120.html</a:t>
+              <a:t>http://</a:t>
+            </a:r>
+            <a:r>
+              <a:rPr lang="nl-NL" dirty="0" smtClean="0">
+                <a:hlinkClick r:id="rId3"/>
+              </a:rPr>
+              <a:t>www.ros.org/reps/rep-0105.html</a:t>
             </a:r>
             <a:endParaRPr lang="nl-NL" dirty="0"/>
           </a:p>
@@ -11634,7 +12993,7 @@
     </p:spTree>
     <p:extLst>
       <p:ext uri="{BB962C8B-B14F-4D97-AF65-F5344CB8AC3E}">
-        <p14:creationId xmlns:p14="http://schemas.microsoft.com/office/powerpoint/2010/main" val="2163262781"/>
+        <p14:creationId xmlns:p14="http://schemas.microsoft.com/office/powerpoint/2010/main" val="2577278013"/>
       </p:ext>
     </p:extLst>
   </p:cSld>
@@ -11685,7 +13044,19 @@
           <a:p>
             <a:r>
               <a:rPr lang="nl-NL" dirty="0" smtClean="0"/>
-              <a:t>TF</a:t>
+              <a:t>Frames </a:t>
+            </a:r>
+            <a:r>
+              <a:rPr lang="nl-NL" dirty="0" err="1" smtClean="0"/>
+              <a:t>for</a:t>
+            </a:r>
+            <a:r>
+              <a:rPr lang="nl-NL" dirty="0"/>
+              <a:t> </a:t>
+            </a:r>
+            <a:r>
+              <a:rPr lang="nl-NL" dirty="0" smtClean="0"/>
+              <a:t>Mobile robots</a:t>
             </a:r>
             <a:endParaRPr lang="nl-NL" dirty="0"/>
           </a:p>
@@ -11701,126 +13072,196 @@
             <p:ph idx="1"/>
           </p:nvPr>
         </p:nvSpPr>
-        <p:spPr/>
+        <p:spPr>
+          <a:xfrm>
+            <a:off x="457200" y="1600200"/>
+            <a:ext cx="8229600" cy="4853136"/>
+          </a:xfrm>
+        </p:spPr>
         <p:txBody>
           <a:bodyPr>
-            <a:normAutofit fontScale="92500"/>
+            <a:normAutofit lnSpcReduction="10000"/>
           </a:bodyPr>
           <a:lstStyle/>
           <a:p>
-            <a:r>
-              <a:rPr lang="en-US" dirty="0" smtClean="0"/>
-              <a:t>Provides </a:t>
-            </a:r>
-            <a:r>
-              <a:rPr lang="en-US" dirty="0"/>
-              <a:t>a uniform </a:t>
-            </a:r>
-            <a:r>
-              <a:rPr lang="en-US" dirty="0" smtClean="0"/>
-              <a:t>way </a:t>
-            </a:r>
-            <a:r>
-              <a:rPr lang="en-US" dirty="0"/>
-              <a:t>to </a:t>
-            </a:r>
-            <a:r>
-              <a:rPr lang="en-US" dirty="0" smtClean="0"/>
-              <a:t>publish and look up transformations between coordinate frames</a:t>
-            </a:r>
-          </a:p>
-          <a:p>
-            <a:pPr marL="0" indent="0">
-              <a:buNone/>
-            </a:pPr>
+            <a:pPr lvl="1"/>
+            <a:r>
+              <a:rPr lang="nl-NL" b="1" dirty="0" smtClean="0"/>
+              <a:t>map</a:t>
+            </a:r>
+          </a:p>
+          <a:p>
+            <a:pPr lvl="2"/>
+            <a:r>
+              <a:rPr lang="nl-NL" dirty="0" err="1"/>
+              <a:t>origin</a:t>
+            </a:r>
+            <a:r>
+              <a:rPr lang="nl-NL" dirty="0"/>
+              <a:t>: </a:t>
+            </a:r>
+            <a:r>
+              <a:rPr lang="nl-NL" dirty="0" smtClean="0"/>
+              <a:t>“</a:t>
+            </a:r>
+            <a:r>
+              <a:rPr lang="nl-NL" dirty="0" err="1" smtClean="0"/>
+              <a:t>origin</a:t>
+            </a:r>
+            <a:r>
+              <a:rPr lang="nl-NL" dirty="0" smtClean="0"/>
+              <a:t> of the map”</a:t>
+            </a:r>
+            <a:endParaRPr lang="nl-NL" dirty="0"/>
+          </a:p>
+          <a:p>
+            <a:pPr lvl="2"/>
+            <a:r>
+              <a:rPr lang="nl-NL" dirty="0" smtClean="0"/>
+              <a:t>long-term </a:t>
+            </a:r>
+            <a:r>
+              <a:rPr lang="nl-NL" dirty="0" err="1"/>
+              <a:t>global</a:t>
+            </a:r>
+            <a:r>
+              <a:rPr lang="nl-NL" dirty="0"/>
+              <a:t> </a:t>
+            </a:r>
+            <a:r>
+              <a:rPr lang="nl-NL" dirty="0" err="1" smtClean="0"/>
+              <a:t>reference</a:t>
+            </a:r>
             <a:endParaRPr lang="nl-NL" dirty="0" smtClean="0"/>
           </a:p>
           <a:p>
+            <a:pPr lvl="1"/>
+            <a:r>
+              <a:rPr lang="nl-NL" b="1" dirty="0" err="1" smtClean="0"/>
+              <a:t>odom</a:t>
+            </a:r>
+            <a:endParaRPr lang="nl-NL" b="1" dirty="0" smtClean="0"/>
+          </a:p>
+          <a:p>
+            <a:pPr lvl="2"/>
+            <a:r>
+              <a:rPr lang="nl-NL" dirty="0" err="1"/>
+              <a:t>origin</a:t>
+            </a:r>
+            <a:r>
+              <a:rPr lang="nl-NL" dirty="0"/>
+              <a:t>: “</a:t>
+            </a:r>
+            <a:r>
+              <a:rPr lang="nl-NL" dirty="0" err="1"/>
+              <a:t>where</a:t>
+            </a:r>
+            <a:r>
+              <a:rPr lang="nl-NL" dirty="0"/>
+              <a:t> the </a:t>
+            </a:r>
+            <a:r>
+              <a:rPr lang="nl-NL" dirty="0" err="1"/>
+              <a:t>odometry</a:t>
+            </a:r>
+            <a:r>
+              <a:rPr lang="nl-NL" dirty="0"/>
+              <a:t> </a:t>
+            </a:r>
+            <a:r>
+              <a:rPr lang="nl-NL" dirty="0" err="1"/>
+              <a:t>calculation</a:t>
+            </a:r>
+            <a:r>
+              <a:rPr lang="nl-NL" dirty="0"/>
+              <a:t> </a:t>
+            </a:r>
+            <a:r>
+              <a:rPr lang="nl-NL" dirty="0" err="1" smtClean="0"/>
+              <a:t>started</a:t>
+            </a:r>
             <a:r>
               <a:rPr lang="nl-NL" dirty="0" smtClean="0"/>
-              <a:t>TF </a:t>
+              <a:t>”</a:t>
+            </a:r>
+            <a:endParaRPr lang="nl-NL" dirty="0"/>
+          </a:p>
+          <a:p>
+            <a:pPr lvl="2"/>
+            <a:r>
+              <a:rPr lang="nl-NL" dirty="0" smtClean="0"/>
+              <a:t>short-term </a:t>
+            </a:r>
+            <a:r>
+              <a:rPr lang="nl-NL" dirty="0" err="1"/>
+              <a:t>local</a:t>
+            </a:r>
+            <a:r>
+              <a:rPr lang="nl-NL" dirty="0"/>
+              <a:t> </a:t>
             </a:r>
             <a:r>
               <a:rPr lang="nl-NL" dirty="0" err="1" smtClean="0"/>
-              <a:t>keeps</a:t>
+              <a:t>reference</a:t>
+            </a:r>
+            <a:endParaRPr lang="nl-NL" dirty="0" smtClean="0"/>
+          </a:p>
+          <a:p>
+            <a:pPr lvl="1"/>
+            <a:r>
+              <a:rPr lang="nl-NL" b="1" dirty="0" err="1" smtClean="0"/>
+              <a:t>base_link</a:t>
+            </a:r>
+            <a:endParaRPr lang="nl-NL" b="1" dirty="0" smtClean="0"/>
+          </a:p>
+          <a:p>
+            <a:pPr lvl="2"/>
+            <a:r>
+              <a:rPr lang="nl-NL" dirty="0" err="1"/>
+              <a:t>origin</a:t>
+            </a:r>
+            <a:r>
+              <a:rPr lang="nl-NL" dirty="0"/>
+              <a:t>: “</a:t>
+            </a:r>
+            <a:r>
+              <a:rPr lang="nl-NL" dirty="0" err="1"/>
+              <a:t>central</a:t>
+            </a:r>
+            <a:r>
+              <a:rPr lang="nl-NL" dirty="0"/>
+              <a:t> point on the </a:t>
             </a:r>
             <a:r>
               <a:rPr lang="nl-NL" dirty="0" smtClean="0"/>
-              <a:t> track of a </a:t>
-            </a:r>
-            <a:r>
-              <a:rPr lang="nl-NL" i="1" dirty="0" smtClean="0"/>
-              <a:t>tree of frames</a:t>
-            </a:r>
-          </a:p>
-          <a:p>
-            <a:pPr lvl="1"/>
-            <a:r>
-              <a:rPr lang="nl-NL" dirty="0"/>
-              <a:t>A</a:t>
-            </a:r>
-            <a:r>
-              <a:rPr lang="nl-NL" dirty="0" smtClean="0"/>
-              <a:t> frame is </a:t>
-            </a:r>
+              <a:t>robot”</a:t>
+            </a:r>
+            <a:endParaRPr lang="nl-NL" dirty="0"/>
+          </a:p>
+          <a:p>
+            <a:pPr lvl="3"/>
             <a:r>
               <a:rPr lang="nl-NL" dirty="0" err="1" smtClean="0"/>
-              <a:t>identified</a:t>
+              <a:t>rotational</a:t>
             </a:r>
             <a:r>
               <a:rPr lang="nl-NL" dirty="0" smtClean="0"/>
               <a:t> </a:t>
             </a:r>
             <a:r>
+              <a:rPr lang="nl-NL" dirty="0"/>
+              <a:t>center </a:t>
+            </a:r>
+            <a:r>
+              <a:rPr lang="nl-NL" dirty="0" smtClean="0"/>
+              <a:t>of mobile base</a:t>
+            </a:r>
+          </a:p>
+          <a:p>
+            <a:pPr lvl="3"/>
+            <a:r>
               <a:rPr lang="nl-NL" dirty="0" err="1" smtClean="0"/>
-              <a:t>by</a:t>
-            </a:r>
-            <a:r>
-              <a:rPr lang="nl-NL" dirty="0" smtClean="0"/>
-              <a:t> ‘</a:t>
-            </a:r>
-            <a:r>
-              <a:rPr lang="nl-NL" i="1" dirty="0" err="1" smtClean="0"/>
-              <a:t>frame_id</a:t>
-            </a:r>
-            <a:r>
-              <a:rPr lang="nl-NL" dirty="0" smtClean="0"/>
-              <a:t>’ string</a:t>
-            </a:r>
-          </a:p>
-          <a:p>
-            <a:pPr lvl="1"/>
-            <a:r>
-              <a:rPr lang="nl-NL" dirty="0" smtClean="0"/>
-              <a:t>A frame has </a:t>
-            </a:r>
-            <a:r>
-              <a:rPr lang="nl-NL" dirty="0" err="1" smtClean="0"/>
-              <a:t>one</a:t>
-            </a:r>
-            <a:r>
-              <a:rPr lang="nl-NL" dirty="0" smtClean="0"/>
-              <a:t> </a:t>
-            </a:r>
-            <a:r>
-              <a:rPr lang="nl-NL" dirty="0" err="1" smtClean="0"/>
-              <a:t>parent</a:t>
-            </a:r>
-            <a:r>
-              <a:rPr lang="nl-NL" dirty="0" smtClean="0"/>
-              <a:t>, </a:t>
-            </a:r>
-            <a:r>
-              <a:rPr lang="nl-NL" dirty="0" err="1" smtClean="0"/>
-              <a:t>any</a:t>
-            </a:r>
-            <a:r>
-              <a:rPr lang="nl-NL" dirty="0" smtClean="0"/>
-              <a:t> </a:t>
-            </a:r>
-            <a:r>
-              <a:rPr lang="nl-NL" dirty="0" err="1" smtClean="0"/>
-              <a:t>number</a:t>
+              <a:t>waist</a:t>
             </a:r>
             <a:r>
               <a:rPr lang="nl-NL" dirty="0" smtClean="0"/>
@@ -11828,100 +13269,39 @@
             </a:r>
             <a:r>
               <a:rPr lang="nl-NL" dirty="0" err="1" smtClean="0"/>
-              <a:t>child</a:t>
+              <a:t>humanoid</a:t>
             </a:r>
             <a:r>
               <a:rPr lang="nl-NL" dirty="0" smtClean="0"/>
-              <a:t> frames</a:t>
-            </a:r>
-          </a:p>
-          <a:p>
-            <a:pPr lvl="1"/>
-            <a:r>
-              <a:rPr lang="en-US" dirty="0" smtClean="0"/>
-              <a:t>Every </a:t>
-            </a:r>
-            <a:r>
-              <a:rPr lang="en-US" dirty="0"/>
-              <a:t>link in the tree represents a </a:t>
-            </a:r>
-            <a:r>
-              <a:rPr lang="en-US" dirty="0" smtClean="0"/>
-              <a:t>transform between </a:t>
-            </a:r>
-            <a:r>
-              <a:rPr lang="en-US" dirty="0"/>
-              <a:t>two </a:t>
-            </a:r>
-            <a:r>
-              <a:rPr lang="en-US" dirty="0" smtClean="0"/>
-              <a:t>frames: parent and child</a:t>
-            </a:r>
+              <a:t> or manipulator</a:t>
+            </a:r>
+            <a:endParaRPr lang="nl-NL" dirty="0"/>
           </a:p>
           <a:p>
             <a:pPr lvl="2"/>
             <a:r>
-              <a:rPr lang="en-US" dirty="0" smtClean="0"/>
-              <a:t>Transform = pose </a:t>
-            </a:r>
-            <a:r>
-              <a:rPr lang="en-US" dirty="0"/>
-              <a:t>of child in the frame of </a:t>
-            </a:r>
-            <a:r>
-              <a:rPr lang="en-US" dirty="0" smtClean="0"/>
-              <a:t>parent</a:t>
-            </a:r>
-            <a:endParaRPr lang="en-US" dirty="0"/>
-          </a:p>
-        </p:txBody>
-      </p:sp>
-      <p:sp>
-        <p:nvSpPr>
-          <p:cNvPr id="4" name="Rechthoek 3"/>
-          <p:cNvSpPr/>
-          <p:nvPr/>
-        </p:nvSpPr>
-        <p:spPr>
-          <a:xfrm>
-            <a:off x="3021098" y="1124744"/>
-            <a:ext cx="3062441" cy="400110"/>
-          </a:xfrm>
-          <a:prstGeom prst="rect">
-            <a:avLst/>
-          </a:prstGeom>
-        </p:spPr>
-        <p:txBody>
-          <a:bodyPr wrap="none">
-            <a:spAutoFit/>
-          </a:bodyPr>
-          <a:lstStyle/>
-          <a:p>
-            <a:pPr algn="ctr"/>
-            <a:r>
-              <a:rPr lang="nl-NL" sz="2000" dirty="0">
-                <a:hlinkClick r:id="rId2"/>
-              </a:rPr>
-              <a:t>http://</a:t>
-            </a:r>
-            <a:r>
-              <a:rPr lang="nl-NL" sz="2000" dirty="0" smtClean="0">
-                <a:hlinkClick r:id="rId2"/>
-              </a:rPr>
-              <a:t>www.ros.org/wiki/tf</a:t>
-            </a:r>
-            <a:r>
-              <a:rPr lang="nl-NL" sz="2000" dirty="0" smtClean="0"/>
-              <a:t> </a:t>
-            </a:r>
-            <a:endParaRPr lang="nl-NL" sz="2000" dirty="0"/>
+              <a:rPr lang="nl-NL" dirty="0" err="1" smtClean="0"/>
+              <a:t>origin</a:t>
+            </a:r>
+            <a:r>
+              <a:rPr lang="nl-NL" dirty="0" smtClean="0"/>
+              <a:t> of robot </a:t>
+            </a:r>
+            <a:r>
+              <a:rPr lang="nl-NL" dirty="0" err="1" smtClean="0"/>
+              <a:t>coordinate</a:t>
+            </a:r>
+            <a:r>
+              <a:rPr lang="nl-NL" dirty="0" smtClean="0"/>
+              <a:t> frame</a:t>
+            </a:r>
           </a:p>
         </p:txBody>
       </p:sp>
     </p:spTree>
     <p:extLst>
       <p:ext uri="{BB962C8B-B14F-4D97-AF65-F5344CB8AC3E}">
-        <p14:creationId xmlns:p14="http://schemas.microsoft.com/office/powerpoint/2010/main" val="3251199038"/>
+        <p14:creationId xmlns:p14="http://schemas.microsoft.com/office/powerpoint/2010/main" val="3871429176"/>
       </p:ext>
     </p:extLst>
   </p:cSld>
@@ -11957,6 +13337,484 @@
       </p:grpSpPr>
       <p:sp>
         <p:nvSpPr>
+          <p:cNvPr id="3" name="Titel 2"/>
+          <p:cNvSpPr>
+            <a:spLocks noGrp="1"/>
+          </p:cNvSpPr>
+          <p:nvPr>
+            <p:ph type="title"/>
+          </p:nvPr>
+        </p:nvSpPr>
+        <p:spPr/>
+        <p:txBody>
+          <a:bodyPr>
+            <a:normAutofit fontScale="90000"/>
+          </a:bodyPr>
+          <a:lstStyle/>
+          <a:p>
+            <a:r>
+              <a:rPr lang="nl-NL" dirty="0" smtClean="0"/>
+              <a:t>Frames </a:t>
+            </a:r>
+            <a:r>
+              <a:rPr lang="nl-NL" dirty="0" err="1" smtClean="0"/>
+              <a:t>for</a:t>
+            </a:r>
+            <a:r>
+              <a:rPr lang="nl-NL" dirty="0" smtClean="0"/>
+              <a:t> </a:t>
+            </a:r>
+            <a:r>
+              <a:rPr lang="nl-NL" dirty="0" err="1" smtClean="0"/>
+              <a:t>Humanoids</a:t>
+            </a:r>
+            <a:r>
+              <a:rPr lang="nl-NL" dirty="0" smtClean="0"/>
+              <a:t> &amp; Manipulators</a:t>
+            </a:r>
+            <a:endParaRPr lang="nl-NL" dirty="0"/>
+          </a:p>
+        </p:txBody>
+      </p:sp>
+      <p:pic>
+        <p:nvPicPr>
+          <p:cNvPr id="15362" name="Picture 2" descr="frames2.png"/>
+          <p:cNvPicPr>
+            <a:picLocks noChangeAspect="1" noChangeArrowheads="1"/>
+          </p:cNvPicPr>
+          <p:nvPr/>
+        </p:nvPicPr>
+        <p:blipFill>
+          <a:blip r:embed="rId2">
+            <a:extLst>
+              <a:ext uri="{28A0092B-C50C-407E-A947-70E740481C1C}">
+                <a14:useLocalDpi xmlns:a14="http://schemas.microsoft.com/office/drawing/2010/main" val="0"/>
+              </a:ext>
+            </a:extLst>
+          </a:blip>
+          <a:srcRect/>
+          <a:stretch>
+            <a:fillRect/>
+          </a:stretch>
+        </p:blipFill>
+        <p:spPr bwMode="auto">
+          <a:xfrm>
+            <a:off x="107503" y="1412776"/>
+            <a:ext cx="5329477" cy="4623587"/>
+          </a:xfrm>
+          <a:prstGeom prst="rect">
+            <a:avLst/>
+          </a:prstGeom>
+          <a:noFill/>
+          <a:extLst>
+            <a:ext uri="{909E8E84-426E-40DD-AFC4-6F175D3DCCD1}">
+              <a14:hiddenFill xmlns:a14="http://schemas.microsoft.com/office/drawing/2010/main">
+                <a:solidFill>
+                  <a:srgbClr val="FFFFFF"/>
+                </a:solidFill>
+              </a14:hiddenFill>
+            </a:ext>
+          </a:extLst>
+        </p:spPr>
+      </p:pic>
+      <p:pic>
+        <p:nvPicPr>
+          <p:cNvPr id="2050" name="Picture 2" descr="D:\SkyDrive\Documents\My Pictures\armframes2.jpg"/>
+          <p:cNvPicPr>
+            <a:picLocks noChangeAspect="1" noChangeArrowheads="1"/>
+          </p:cNvPicPr>
+          <p:nvPr/>
+        </p:nvPicPr>
+        <p:blipFill>
+          <a:blip r:embed="rId3">
+            <a:extLst>
+              <a:ext uri="{28A0092B-C50C-407E-A947-70E740481C1C}">
+                <a14:useLocalDpi xmlns:a14="http://schemas.microsoft.com/office/drawing/2010/main" val="0"/>
+              </a:ext>
+            </a:extLst>
+          </a:blip>
+          <a:srcRect/>
+          <a:stretch>
+            <a:fillRect/>
+          </a:stretch>
+        </p:blipFill>
+        <p:spPr bwMode="auto">
+          <a:xfrm>
+            <a:off x="5841449" y="3501008"/>
+            <a:ext cx="2953945" cy="2044080"/>
+          </a:xfrm>
+          <a:prstGeom prst="rect">
+            <a:avLst/>
+          </a:prstGeom>
+          <a:noFill/>
+          <a:extLst>
+            <a:ext uri="{909E8E84-426E-40DD-AFC4-6F175D3DCCD1}">
+              <a14:hiddenFill xmlns:a14="http://schemas.microsoft.com/office/drawing/2010/main">
+                <a:solidFill>
+                  <a:srgbClr val="FFFFFF"/>
+                </a:solidFill>
+              </a14:hiddenFill>
+            </a:ext>
+          </a:extLst>
+        </p:spPr>
+      </p:pic>
+      <p:sp>
+        <p:nvSpPr>
+          <p:cNvPr id="2" name="Rechthoek 1"/>
+          <p:cNvSpPr/>
+          <p:nvPr/>
+        </p:nvSpPr>
+        <p:spPr>
+          <a:xfrm>
+            <a:off x="2600225" y="1124744"/>
+            <a:ext cx="3947876" cy="369332"/>
+          </a:xfrm>
+          <a:prstGeom prst="rect">
+            <a:avLst/>
+          </a:prstGeom>
+        </p:spPr>
+        <p:txBody>
+          <a:bodyPr wrap="none">
+            <a:spAutoFit/>
+          </a:bodyPr>
+          <a:lstStyle/>
+          <a:p>
+            <a:r>
+              <a:rPr lang="nl-NL" dirty="0">
+                <a:hlinkClick r:id="rId4"/>
+              </a:rPr>
+              <a:t>http://www.ros.org/reps/rep-0120.html</a:t>
+            </a:r>
+            <a:endParaRPr lang="nl-NL" dirty="0"/>
+          </a:p>
+        </p:txBody>
+      </p:sp>
+    </p:spTree>
+    <p:extLst>
+      <p:ext uri="{BB962C8B-B14F-4D97-AF65-F5344CB8AC3E}">
+        <p14:creationId xmlns:p14="http://schemas.microsoft.com/office/powerpoint/2010/main" val="2163262781"/>
+      </p:ext>
+    </p:extLst>
+  </p:cSld>
+  <p:clrMapOvr>
+    <a:masterClrMapping/>
+  </p:clrMapOvr>
+  <p:timing>
+    <p:tnLst>
+      <p:par>
+        <p:cTn id="1" dur="indefinite" restart="never" nodeType="tmRoot"/>
+      </p:par>
+    </p:tnLst>
+  </p:timing>
+</p:sld>
+</file>
+
+<file path=ppt/slides/slide23.xml><?xml version="1.0" encoding="utf-8"?>
+<p:sld xmlns:a="http://schemas.openxmlformats.org/drawingml/2006/main" xmlns:r="http://schemas.openxmlformats.org/officeDocument/2006/relationships" xmlns:p="http://schemas.openxmlformats.org/presentationml/2006/main">
+  <p:cSld>
+    <p:spTree>
+      <p:nvGrpSpPr>
+        <p:cNvPr id="1" name=""/>
+        <p:cNvGrpSpPr/>
+        <p:nvPr/>
+      </p:nvGrpSpPr>
+      <p:grpSpPr>
+        <a:xfrm>
+          <a:off x="0" y="0"/>
+          <a:ext cx="0" cy="0"/>
+          <a:chOff x="0" y="0"/>
+          <a:chExt cx="0" cy="0"/>
+        </a:xfrm>
+      </p:grpSpPr>
+      <p:sp>
+        <p:nvSpPr>
+          <p:cNvPr id="2" name="Titel 1"/>
+          <p:cNvSpPr>
+            <a:spLocks noGrp="1"/>
+          </p:cNvSpPr>
+          <p:nvPr>
+            <p:ph type="title"/>
+          </p:nvPr>
+        </p:nvSpPr>
+        <p:spPr/>
+        <p:txBody>
+          <a:bodyPr/>
+          <a:lstStyle/>
+          <a:p>
+            <a:r>
+              <a:rPr lang="nl-NL" dirty="0" smtClean="0"/>
+              <a:t>TF</a:t>
+            </a:r>
+            <a:endParaRPr lang="nl-NL" dirty="0"/>
+          </a:p>
+        </p:txBody>
+      </p:sp>
+      <p:sp>
+        <p:nvSpPr>
+          <p:cNvPr id="3" name="Tijdelijke aanduiding voor inhoud 2"/>
+          <p:cNvSpPr>
+            <a:spLocks noGrp="1"/>
+          </p:cNvSpPr>
+          <p:nvPr>
+            <p:ph idx="1"/>
+          </p:nvPr>
+        </p:nvSpPr>
+        <p:spPr/>
+        <p:txBody>
+          <a:bodyPr>
+            <a:normAutofit fontScale="92500"/>
+          </a:bodyPr>
+          <a:lstStyle/>
+          <a:p>
+            <a:r>
+              <a:rPr lang="en-US" dirty="0" smtClean="0"/>
+              <a:t>Provides </a:t>
+            </a:r>
+            <a:r>
+              <a:rPr lang="en-US" dirty="0"/>
+              <a:t>a uniform </a:t>
+            </a:r>
+            <a:r>
+              <a:rPr lang="en-US" dirty="0" smtClean="0"/>
+              <a:t>way </a:t>
+            </a:r>
+            <a:r>
+              <a:rPr lang="en-US" dirty="0"/>
+              <a:t>to </a:t>
+            </a:r>
+            <a:r>
+              <a:rPr lang="en-US" dirty="0" smtClean="0"/>
+              <a:t>publish and look up transformations between coordinate frames</a:t>
+            </a:r>
+          </a:p>
+          <a:p>
+            <a:pPr marL="0" indent="0">
+              <a:buNone/>
+            </a:pPr>
+            <a:endParaRPr lang="nl-NL" dirty="0" smtClean="0"/>
+          </a:p>
+          <a:p>
+            <a:r>
+              <a:rPr lang="nl-NL" dirty="0" smtClean="0"/>
+              <a:t>TF </a:t>
+            </a:r>
+            <a:r>
+              <a:rPr lang="nl-NL" dirty="0" err="1" smtClean="0"/>
+              <a:t>keeps</a:t>
+            </a:r>
+            <a:r>
+              <a:rPr lang="nl-NL" dirty="0" smtClean="0"/>
+              <a:t> track of a </a:t>
+            </a:r>
+            <a:r>
+              <a:rPr lang="nl-NL" i="1" dirty="0" smtClean="0"/>
+              <a:t>tree of frames</a:t>
+            </a:r>
+          </a:p>
+          <a:p>
+            <a:pPr lvl="1"/>
+            <a:r>
+              <a:rPr lang="nl-NL" dirty="0"/>
+              <a:t>A</a:t>
+            </a:r>
+            <a:r>
+              <a:rPr lang="nl-NL" dirty="0" smtClean="0"/>
+              <a:t> frame is </a:t>
+            </a:r>
+            <a:r>
+              <a:rPr lang="nl-NL" dirty="0" err="1" smtClean="0"/>
+              <a:t>identified</a:t>
+            </a:r>
+            <a:r>
+              <a:rPr lang="nl-NL" dirty="0" smtClean="0"/>
+              <a:t> </a:t>
+            </a:r>
+            <a:r>
+              <a:rPr lang="nl-NL" dirty="0" err="1" smtClean="0"/>
+              <a:t>by</a:t>
+            </a:r>
+            <a:r>
+              <a:rPr lang="nl-NL" dirty="0" smtClean="0"/>
+              <a:t> ‘</a:t>
+            </a:r>
+            <a:r>
+              <a:rPr lang="nl-NL" i="1" dirty="0" err="1" smtClean="0"/>
+              <a:t>frame_id</a:t>
+            </a:r>
+            <a:r>
+              <a:rPr lang="nl-NL" dirty="0" smtClean="0"/>
+              <a:t>’ string</a:t>
+            </a:r>
+          </a:p>
+          <a:p>
+            <a:pPr lvl="1"/>
+            <a:r>
+              <a:rPr lang="nl-NL" dirty="0" smtClean="0"/>
+              <a:t>A frame has </a:t>
+            </a:r>
+            <a:r>
+              <a:rPr lang="nl-NL" dirty="0" err="1" smtClean="0"/>
+              <a:t>one</a:t>
+            </a:r>
+            <a:r>
+              <a:rPr lang="nl-NL" dirty="0" smtClean="0"/>
+              <a:t> </a:t>
+            </a:r>
+            <a:r>
+              <a:rPr lang="nl-NL" dirty="0" err="1" smtClean="0"/>
+              <a:t>parent</a:t>
+            </a:r>
+            <a:r>
+              <a:rPr lang="nl-NL" dirty="0" smtClean="0"/>
+              <a:t>, </a:t>
+            </a:r>
+            <a:r>
+              <a:rPr lang="nl-NL" dirty="0" err="1" smtClean="0"/>
+              <a:t>any</a:t>
+            </a:r>
+            <a:r>
+              <a:rPr lang="nl-NL" dirty="0" smtClean="0"/>
+              <a:t> </a:t>
+            </a:r>
+            <a:r>
+              <a:rPr lang="nl-NL" dirty="0" err="1" smtClean="0"/>
+              <a:t>number</a:t>
+            </a:r>
+            <a:r>
+              <a:rPr lang="nl-NL" dirty="0" smtClean="0"/>
+              <a:t> of </a:t>
+            </a:r>
+            <a:r>
+              <a:rPr lang="nl-NL" dirty="0" err="1" smtClean="0"/>
+              <a:t>child</a:t>
+            </a:r>
+            <a:r>
+              <a:rPr lang="nl-NL" dirty="0" smtClean="0"/>
+              <a:t> frames</a:t>
+            </a:r>
+          </a:p>
+          <a:p>
+            <a:pPr lvl="1"/>
+            <a:r>
+              <a:rPr lang="en-US" dirty="0" smtClean="0"/>
+              <a:t>Every </a:t>
+            </a:r>
+            <a:r>
+              <a:rPr lang="en-US" dirty="0"/>
+              <a:t>link in the tree represents a </a:t>
+            </a:r>
+            <a:r>
+              <a:rPr lang="en-US" dirty="0" smtClean="0"/>
+              <a:t>transform between </a:t>
+            </a:r>
+            <a:r>
+              <a:rPr lang="en-US" dirty="0"/>
+              <a:t>two </a:t>
+            </a:r>
+            <a:r>
+              <a:rPr lang="en-US" dirty="0" smtClean="0"/>
+              <a:t>frames: parent and child</a:t>
+            </a:r>
+          </a:p>
+          <a:p>
+            <a:pPr lvl="2"/>
+            <a:r>
+              <a:rPr lang="en-US" dirty="0" smtClean="0"/>
+              <a:t>Transform = pose </a:t>
+            </a:r>
+            <a:r>
+              <a:rPr lang="en-US" dirty="0"/>
+              <a:t>of child in the frame of </a:t>
+            </a:r>
+            <a:r>
+              <a:rPr lang="en-US" dirty="0" smtClean="0"/>
+              <a:t>parent</a:t>
+            </a:r>
+            <a:endParaRPr lang="en-US" dirty="0"/>
+          </a:p>
+        </p:txBody>
+      </p:sp>
+      <p:sp>
+        <p:nvSpPr>
+          <p:cNvPr id="4" name="Rechthoek 3"/>
+          <p:cNvSpPr/>
+          <p:nvPr/>
+        </p:nvSpPr>
+        <p:spPr>
+          <a:xfrm>
+            <a:off x="3021098" y="1124744"/>
+            <a:ext cx="3062441" cy="400110"/>
+          </a:xfrm>
+          <a:prstGeom prst="rect">
+            <a:avLst/>
+          </a:prstGeom>
+        </p:spPr>
+        <p:txBody>
+          <a:bodyPr wrap="none">
+            <a:spAutoFit/>
+          </a:bodyPr>
+          <a:lstStyle/>
+          <a:p>
+            <a:pPr algn="ctr"/>
+            <a:r>
+              <a:rPr lang="nl-NL" sz="2000" dirty="0">
+                <a:hlinkClick r:id="rId2"/>
+              </a:rPr>
+              <a:t>http://</a:t>
+            </a:r>
+            <a:r>
+              <a:rPr lang="nl-NL" sz="2000" dirty="0" smtClean="0">
+                <a:hlinkClick r:id="rId2"/>
+              </a:rPr>
+              <a:t>www.ros.org/wiki/tf</a:t>
+            </a:r>
+            <a:r>
+              <a:rPr lang="nl-NL" sz="2000" dirty="0" smtClean="0"/>
+              <a:t> </a:t>
+            </a:r>
+            <a:endParaRPr lang="nl-NL" sz="2000" dirty="0"/>
+          </a:p>
+        </p:txBody>
+      </p:sp>
+    </p:spTree>
+    <p:extLst>
+      <p:ext uri="{BB962C8B-B14F-4D97-AF65-F5344CB8AC3E}">
+        <p14:creationId xmlns:p14="http://schemas.microsoft.com/office/powerpoint/2010/main" val="3251199038"/>
+      </p:ext>
+    </p:extLst>
+  </p:cSld>
+  <p:clrMapOvr>
+    <a:masterClrMapping/>
+  </p:clrMapOvr>
+  <p:timing>
+    <p:tnLst>
+      <p:par>
+        <p:cTn id="1" dur="indefinite" restart="never" nodeType="tmRoot"/>
+      </p:par>
+    </p:tnLst>
+  </p:timing>
+</p:sld>
+</file>
+
+<file path=ppt/slides/slide24.xml><?xml version="1.0" encoding="utf-8"?>
+<p:sld xmlns:a="http://schemas.openxmlformats.org/drawingml/2006/main" xmlns:r="http://schemas.openxmlformats.org/officeDocument/2006/relationships" xmlns:p="http://schemas.openxmlformats.org/presentationml/2006/main">
+  <p:cSld>
+    <p:spTree>
+      <p:nvGrpSpPr>
+        <p:cNvPr id="1" name=""/>
+        <p:cNvGrpSpPr/>
+        <p:nvPr/>
+      </p:nvGrpSpPr>
+      <p:grpSpPr>
+        <a:xfrm>
+          <a:off x="0" y="0"/>
+          <a:ext cx="0" cy="0"/>
+          <a:chOff x="0" y="0"/>
+          <a:chExt cx="0" cy="0"/>
+        </a:xfrm>
+      </p:grpSpPr>
+      <p:sp>
+        <p:nvSpPr>
           <p:cNvPr id="2" name="Titel 1"/>
           <p:cNvSpPr>
             <a:spLocks noGrp="1"/>
@@ -12041,7 +13899,7 @@
           <a:p>
             <a:fld id="{A9096D49-DAE3-40DE-93E0-41688E0A5016}" type="slidenum">
               <a:rPr lang="nl-NL" smtClean="0"/>
-              <a:t>22</a:t>
+              <a:t>24</a:t>
             </a:fld>
             <a:endParaRPr lang="nl-NL"/>
           </a:p>
@@ -12140,7 +13998,7 @@
 </p:sld>
 </file>
 
-<file path=ppt/slides/slide23.xml><?xml version="1.0" encoding="utf-8"?>
+<file path=ppt/slides/slide25.xml><?xml version="1.0" encoding="utf-8"?>
 <p:sld xmlns:a="http://schemas.openxmlformats.org/drawingml/2006/main" xmlns:r="http://schemas.openxmlformats.org/officeDocument/2006/relationships" xmlns:p="http://schemas.openxmlformats.org/presentationml/2006/main">
   <p:cSld>
     <p:spTree>
@@ -12264,7 +14122,7 @@
 </p:sld>
 </file>
 
-<file path=ppt/slides/slide24.xml><?xml version="1.0" encoding="utf-8"?>
+<file path=ppt/slides/slide26.xml><?xml version="1.0" encoding="utf-8"?>
 <p:sld xmlns:a="http://schemas.openxmlformats.org/drawingml/2006/main" xmlns:r="http://schemas.openxmlformats.org/officeDocument/2006/relationships" xmlns:p="http://schemas.openxmlformats.org/presentationml/2006/main">
   <p:cSld>
     <p:spTree>
@@ -12501,7 +14359,7 @@
 </p:sld>
 </file>
 
-<file path=ppt/slides/slide25.xml><?xml version="1.0" encoding="utf-8"?>
+<file path=ppt/slides/slide27.xml><?xml version="1.0" encoding="utf-8"?>
 <p:sld xmlns:a="http://schemas.openxmlformats.org/drawingml/2006/main" xmlns:r="http://schemas.openxmlformats.org/officeDocument/2006/relationships" xmlns:p="http://schemas.openxmlformats.org/presentationml/2006/main">
   <p:cSld>
     <p:spTree>
@@ -13674,7 +15532,7 @@
 </p:sld>
 </file>
 
-<file path=ppt/slides/slide26.xml><?xml version="1.0" encoding="utf-8"?>
+<file path=ppt/slides/slide28.xml><?xml version="1.0" encoding="utf-8"?>
 <p:sld xmlns:a="http://schemas.openxmlformats.org/drawingml/2006/main" xmlns:r="http://schemas.openxmlformats.org/officeDocument/2006/relationships" xmlns:p="http://schemas.openxmlformats.org/presentationml/2006/main">
   <p:cSld>
     <p:spTree>
@@ -13943,7 +15801,7 @@
 </p:sld>
 </file>
 
-<file path=ppt/slides/slide27.xml><?xml version="1.0" encoding="utf-8"?>
+<file path=ppt/slides/slide29.xml><?xml version="1.0" encoding="utf-8"?>
 <p:sld xmlns:a="http://schemas.openxmlformats.org/drawingml/2006/main" xmlns:r="http://schemas.openxmlformats.org/officeDocument/2006/relationships" xmlns:p="http://schemas.openxmlformats.org/presentationml/2006/main">
   <p:cSld>
     <p:spTree>
@@ -14091,7 +15949,7 @@
           <a:p>
             <a:fld id="{A9096D49-DAE3-40DE-93E0-41688E0A5016}" type="slidenum">
               <a:rPr lang="nl-NL" smtClean="0"/>
-              <a:t>27</a:t>
+              <a:t>29</a:t>
             </a:fld>
             <a:endParaRPr lang="nl-NL"/>
           </a:p>
@@ -14343,7 +16201,155 @@
 </p:sld>
 </file>
 
-<file path=ppt/slides/slide28.xml><?xml version="1.0" encoding="utf-8"?>
+<file path=ppt/slides/slide3.xml><?xml version="1.0" encoding="utf-8"?>
+<p:sld xmlns:a="http://schemas.openxmlformats.org/drawingml/2006/main" xmlns:r="http://schemas.openxmlformats.org/officeDocument/2006/relationships" xmlns:p="http://schemas.openxmlformats.org/presentationml/2006/main">
+  <p:cSld>
+    <p:spTree>
+      <p:nvGrpSpPr>
+        <p:cNvPr id="1" name=""/>
+        <p:cNvGrpSpPr/>
+        <p:nvPr/>
+      </p:nvGrpSpPr>
+      <p:grpSpPr>
+        <a:xfrm>
+          <a:off x="0" y="0"/>
+          <a:ext cx="0" cy="0"/>
+          <a:chOff x="0" y="0"/>
+          <a:chExt cx="0" cy="0"/>
+        </a:xfrm>
+      </p:grpSpPr>
+      <p:sp>
+        <p:nvSpPr>
+          <p:cNvPr id="7" name="Titel 6"/>
+          <p:cNvSpPr>
+            <a:spLocks noGrp="1"/>
+          </p:cNvSpPr>
+          <p:nvPr>
+            <p:ph type="title"/>
+          </p:nvPr>
+        </p:nvSpPr>
+        <p:spPr/>
+        <p:txBody>
+          <a:bodyPr/>
+          <a:lstStyle/>
+          <a:p>
+            <a:r>
+              <a:rPr lang="nl-NL" dirty="0" smtClean="0"/>
+              <a:t>Drive a mobile robot</a:t>
+            </a:r>
+            <a:endParaRPr lang="en-GB" dirty="0"/>
+          </a:p>
+        </p:txBody>
+      </p:sp>
+      <p:sp>
+        <p:nvSpPr>
+          <p:cNvPr id="8" name="Tijdelijke aanduiding voor tekst 7"/>
+          <p:cNvSpPr>
+            <a:spLocks noGrp="1"/>
+          </p:cNvSpPr>
+          <p:nvPr>
+            <p:ph type="body" idx="1"/>
+          </p:nvPr>
+        </p:nvSpPr>
+        <p:spPr/>
+        <p:txBody>
+          <a:bodyPr/>
+          <a:lstStyle/>
+          <a:p>
+            <a:endParaRPr lang="en-GB" dirty="0"/>
+          </a:p>
+        </p:txBody>
+      </p:sp>
+      <p:sp>
+        <p:nvSpPr>
+          <p:cNvPr id="4" name="Tijdelijke aanduiding voor datum 3"/>
+          <p:cNvSpPr>
+            <a:spLocks noGrp="1"/>
+          </p:cNvSpPr>
+          <p:nvPr>
+            <p:ph type="dt" sz="half" idx="10"/>
+          </p:nvPr>
+        </p:nvSpPr>
+        <p:spPr/>
+        <p:txBody>
+          <a:bodyPr/>
+          <a:lstStyle/>
+          <a:p>
+            <a:r>
+              <a:rPr lang="en-US" smtClean="0"/>
+              <a:t>27-5-2015</a:t>
+            </a:r>
+            <a:endParaRPr lang="nl-NL"/>
+          </a:p>
+        </p:txBody>
+      </p:sp>
+      <p:sp>
+        <p:nvSpPr>
+          <p:cNvPr id="5" name="Tijdelijke aanduiding voor voettekst 4"/>
+          <p:cNvSpPr>
+            <a:spLocks noGrp="1"/>
+          </p:cNvSpPr>
+          <p:nvPr>
+            <p:ph type="ftr" sz="quarter" idx="11"/>
+          </p:nvPr>
+        </p:nvSpPr>
+        <p:spPr/>
+        <p:txBody>
+          <a:bodyPr/>
+          <a:lstStyle/>
+          <a:p>
+            <a:r>
+              <a:rPr lang="nl-NL" smtClean="0"/>
+              <a:t>Eric Dortmans / Fontys Hogeschool ICT</a:t>
+            </a:r>
+            <a:endParaRPr lang="nl-NL"/>
+          </a:p>
+        </p:txBody>
+      </p:sp>
+      <p:sp>
+        <p:nvSpPr>
+          <p:cNvPr id="6" name="Tijdelijke aanduiding voor dianummer 5"/>
+          <p:cNvSpPr>
+            <a:spLocks noGrp="1"/>
+          </p:cNvSpPr>
+          <p:nvPr>
+            <p:ph type="sldNum" sz="quarter" idx="12"/>
+          </p:nvPr>
+        </p:nvSpPr>
+        <p:spPr/>
+        <p:txBody>
+          <a:bodyPr/>
+          <a:lstStyle/>
+          <a:p>
+            <a:fld id="{A9096D49-DAE3-40DE-93E0-41688E0A5016}" type="slidenum">
+              <a:rPr lang="nl-NL" smtClean="0"/>
+              <a:t>3</a:t>
+            </a:fld>
+            <a:endParaRPr lang="nl-NL"/>
+          </a:p>
+        </p:txBody>
+      </p:sp>
+    </p:spTree>
+    <p:extLst>
+      <p:ext uri="{BB962C8B-B14F-4D97-AF65-F5344CB8AC3E}">
+        <p14:creationId xmlns:p14="http://schemas.microsoft.com/office/powerpoint/2010/main" val="3213008923"/>
+      </p:ext>
+    </p:extLst>
+  </p:cSld>
+  <p:clrMapOvr>
+    <a:masterClrMapping/>
+  </p:clrMapOvr>
+  <p:timing>
+    <p:tnLst>
+      <p:par>
+        <p:cTn id="1" dur="indefinite" restart="never" nodeType="tmRoot"/>
+      </p:par>
+    </p:tnLst>
+  </p:timing>
+</p:sld>
+</file>
+
+<file path=ppt/slides/slide30.xml><?xml version="1.0" encoding="utf-8"?>
 <p:sld xmlns:a="http://schemas.openxmlformats.org/drawingml/2006/main" xmlns:r="http://schemas.openxmlformats.org/officeDocument/2006/relationships" xmlns:p="http://schemas.openxmlformats.org/presentationml/2006/main">
   <p:cSld>
     <p:spTree>
@@ -14497,7 +16503,7 @@
           <a:p>
             <a:fld id="{A9096D49-DAE3-40DE-93E0-41688E0A5016}" type="slidenum">
               <a:rPr lang="nl-NL" smtClean="0"/>
-              <a:t>28</a:t>
+              <a:t>30</a:t>
             </a:fld>
             <a:endParaRPr lang="nl-NL"/>
           </a:p>
@@ -14523,7 +16529,7 @@
 </p:sld>
 </file>
 
-<file path=ppt/slides/slide29.xml><?xml version="1.0" encoding="utf-8"?>
+<file path=ppt/slides/slide31.xml><?xml version="1.0" encoding="utf-8"?>
 <p:sld xmlns:a="http://schemas.openxmlformats.org/drawingml/2006/main" xmlns:r="http://schemas.openxmlformats.org/officeDocument/2006/relationships" xmlns:p="http://schemas.openxmlformats.org/presentationml/2006/main">
   <p:cSld>
     <p:spTree>
@@ -14990,155 +16996,7 @@
 </p:sld>
 </file>
 
-<file path=ppt/slides/slide3.xml><?xml version="1.0" encoding="utf-8"?>
-<p:sld xmlns:a="http://schemas.openxmlformats.org/drawingml/2006/main" xmlns:r="http://schemas.openxmlformats.org/officeDocument/2006/relationships" xmlns:p="http://schemas.openxmlformats.org/presentationml/2006/main">
-  <p:cSld>
-    <p:spTree>
-      <p:nvGrpSpPr>
-        <p:cNvPr id="1" name=""/>
-        <p:cNvGrpSpPr/>
-        <p:nvPr/>
-      </p:nvGrpSpPr>
-      <p:grpSpPr>
-        <a:xfrm>
-          <a:off x="0" y="0"/>
-          <a:ext cx="0" cy="0"/>
-          <a:chOff x="0" y="0"/>
-          <a:chExt cx="0" cy="0"/>
-        </a:xfrm>
-      </p:grpSpPr>
-      <p:sp>
-        <p:nvSpPr>
-          <p:cNvPr id="7" name="Titel 6"/>
-          <p:cNvSpPr>
-            <a:spLocks noGrp="1"/>
-          </p:cNvSpPr>
-          <p:nvPr>
-            <p:ph type="title"/>
-          </p:nvPr>
-        </p:nvSpPr>
-        <p:spPr/>
-        <p:txBody>
-          <a:bodyPr/>
-          <a:lstStyle/>
-          <a:p>
-            <a:r>
-              <a:rPr lang="nl-NL" dirty="0" smtClean="0"/>
-              <a:t>Drive a mobile robot</a:t>
-            </a:r>
-            <a:endParaRPr lang="en-GB" dirty="0"/>
-          </a:p>
-        </p:txBody>
-      </p:sp>
-      <p:sp>
-        <p:nvSpPr>
-          <p:cNvPr id="8" name="Tijdelijke aanduiding voor tekst 7"/>
-          <p:cNvSpPr>
-            <a:spLocks noGrp="1"/>
-          </p:cNvSpPr>
-          <p:nvPr>
-            <p:ph type="body" idx="1"/>
-          </p:nvPr>
-        </p:nvSpPr>
-        <p:spPr/>
-        <p:txBody>
-          <a:bodyPr/>
-          <a:lstStyle/>
-          <a:p>
-            <a:endParaRPr lang="en-GB" dirty="0"/>
-          </a:p>
-        </p:txBody>
-      </p:sp>
-      <p:sp>
-        <p:nvSpPr>
-          <p:cNvPr id="4" name="Tijdelijke aanduiding voor datum 3"/>
-          <p:cNvSpPr>
-            <a:spLocks noGrp="1"/>
-          </p:cNvSpPr>
-          <p:nvPr>
-            <p:ph type="dt" sz="half" idx="10"/>
-          </p:nvPr>
-        </p:nvSpPr>
-        <p:spPr/>
-        <p:txBody>
-          <a:bodyPr/>
-          <a:lstStyle/>
-          <a:p>
-            <a:r>
-              <a:rPr lang="en-US" smtClean="0"/>
-              <a:t>27-5-2015</a:t>
-            </a:r>
-            <a:endParaRPr lang="nl-NL"/>
-          </a:p>
-        </p:txBody>
-      </p:sp>
-      <p:sp>
-        <p:nvSpPr>
-          <p:cNvPr id="5" name="Tijdelijke aanduiding voor voettekst 4"/>
-          <p:cNvSpPr>
-            <a:spLocks noGrp="1"/>
-          </p:cNvSpPr>
-          <p:nvPr>
-            <p:ph type="ftr" sz="quarter" idx="11"/>
-          </p:nvPr>
-        </p:nvSpPr>
-        <p:spPr/>
-        <p:txBody>
-          <a:bodyPr/>
-          <a:lstStyle/>
-          <a:p>
-            <a:r>
-              <a:rPr lang="nl-NL" smtClean="0"/>
-              <a:t>Eric Dortmans / Fontys Hogeschool ICT</a:t>
-            </a:r>
-            <a:endParaRPr lang="nl-NL"/>
-          </a:p>
-        </p:txBody>
-      </p:sp>
-      <p:sp>
-        <p:nvSpPr>
-          <p:cNvPr id="6" name="Tijdelijke aanduiding voor dianummer 5"/>
-          <p:cNvSpPr>
-            <a:spLocks noGrp="1"/>
-          </p:cNvSpPr>
-          <p:nvPr>
-            <p:ph type="sldNum" sz="quarter" idx="12"/>
-          </p:nvPr>
-        </p:nvSpPr>
-        <p:spPr/>
-        <p:txBody>
-          <a:bodyPr/>
-          <a:lstStyle/>
-          <a:p>
-            <a:fld id="{A9096D49-DAE3-40DE-93E0-41688E0A5016}" type="slidenum">
-              <a:rPr lang="nl-NL" smtClean="0"/>
-              <a:t>3</a:t>
-            </a:fld>
-            <a:endParaRPr lang="nl-NL"/>
-          </a:p>
-        </p:txBody>
-      </p:sp>
-    </p:spTree>
-    <p:extLst>
-      <p:ext uri="{BB962C8B-B14F-4D97-AF65-F5344CB8AC3E}">
-        <p14:creationId xmlns:p14="http://schemas.microsoft.com/office/powerpoint/2010/main" val="3213008923"/>
-      </p:ext>
-    </p:extLst>
-  </p:cSld>
-  <p:clrMapOvr>
-    <a:masterClrMapping/>
-  </p:clrMapOvr>
-  <p:timing>
-    <p:tnLst>
-      <p:par>
-        <p:cTn id="1" dur="indefinite" restart="never" nodeType="tmRoot"/>
-      </p:par>
-    </p:tnLst>
-  </p:timing>
-</p:sld>
-</file>
-
-<file path=ppt/slides/slide30.xml><?xml version="1.0" encoding="utf-8"?>
+<file path=ppt/slides/slide32.xml><?xml version="1.0" encoding="utf-8"?>
 <p:sld xmlns:a="http://schemas.openxmlformats.org/drawingml/2006/main" xmlns:r="http://schemas.openxmlformats.org/officeDocument/2006/relationships" xmlns:p="http://schemas.openxmlformats.org/presentationml/2006/main">
   <p:cSld>
     <p:spTree>
@@ -15417,7 +17275,7 @@
 </p:sld>
 </file>
 
-<file path=ppt/slides/slide31.xml><?xml version="1.0" encoding="utf-8"?>
+<file path=ppt/slides/slide33.xml><?xml version="1.0" encoding="utf-8"?>
 <p:sld xmlns:a="http://schemas.openxmlformats.org/drawingml/2006/main" xmlns:r="http://schemas.openxmlformats.org/officeDocument/2006/relationships" xmlns:p="http://schemas.openxmlformats.org/presentationml/2006/main">
   <p:cSld>
     <p:spTree>
@@ -15474,7 +17332,7 @@
             <a:fld id="{50C316D7-32D4-4D65-834F-71E2B2E96D25}" type="slidenum">
               <a:rPr lang="en-US"/>
               <a:pPr/>
-              <a:t>31</a:t>
+              <a:t>33</a:t>
             </a:fld>
             <a:endParaRPr lang="en-US"/>
           </a:p>
@@ -15551,7 +17409,7 @@
 </p:sld>
 </file>
 
-<file path=ppt/slides/slide32.xml><?xml version="1.0" encoding="utf-8"?>
+<file path=ppt/slides/slide34.xml><?xml version="1.0" encoding="utf-8"?>
 <p:sld xmlns:a="http://schemas.openxmlformats.org/drawingml/2006/main" xmlns:r="http://schemas.openxmlformats.org/officeDocument/2006/relationships" xmlns:p="http://schemas.openxmlformats.org/presentationml/2006/main">
   <p:cSld>
     <p:spTree>
@@ -15763,7 +17621,7 @@
 </p:sld>
 </file>
 
-<file path=ppt/slides/slide33.xml><?xml version="1.0" encoding="utf-8"?>
+<file path=ppt/slides/slide35.xml><?xml version="1.0" encoding="utf-8"?>
 <p:sld xmlns:a="http://schemas.openxmlformats.org/drawingml/2006/main" xmlns:r="http://schemas.openxmlformats.org/officeDocument/2006/relationships" xmlns:p="http://schemas.openxmlformats.org/presentationml/2006/main">
   <p:cSld>
     <p:spTree>
@@ -16068,7 +17926,7 @@
 </p:sld>
 </file>
 
-<file path=ppt/slides/slide34.xml><?xml version="1.0" encoding="utf-8"?>
+<file path=ppt/slides/slide36.xml><?xml version="1.0" encoding="utf-8"?>
 <p:sld xmlns:a="http://schemas.openxmlformats.org/drawingml/2006/main" xmlns:r="http://schemas.openxmlformats.org/officeDocument/2006/relationships" xmlns:p="http://schemas.openxmlformats.org/presentationml/2006/main">
   <p:cSld>
     <p:spTree>
@@ -16271,7 +18129,7 @@
 </p:sld>
 </file>
 
-<file path=ppt/slides/slide35.xml><?xml version="1.0" encoding="utf-8"?>
+<file path=ppt/slides/slide37.xml><?xml version="1.0" encoding="utf-8"?>
 <p:sld xmlns:a="http://schemas.openxmlformats.org/drawingml/2006/main" xmlns:r="http://schemas.openxmlformats.org/officeDocument/2006/relationships" xmlns:p="http://schemas.openxmlformats.org/presentationml/2006/main">
   <p:cSld>
     <p:spTree>
@@ -16337,7 +18195,7 @@
           <a:graphicData uri="http://schemas.openxmlformats.org/presentationml/2006/ole">
             <mc:AlternateContent xmlns:mc="http://schemas.openxmlformats.org/markup-compatibility/2006">
               <mc:Choice xmlns:v="urn:schemas-microsoft-com:vml" Requires="v">
-                <p:oleObj spid="_x0000_s3096" name="Equation" r:id="rId3" imgW="2641320" imgH="660240" progId="Equation.3">
+                <p:oleObj spid="_x0000_s3098" name="Equation" r:id="rId3" imgW="2641320" imgH="660240" progId="Equation.3">
                   <p:embed/>
                 </p:oleObj>
               </mc:Choice>
@@ -16440,7 +18298,7 @@
 </p:sld>
 </file>
 
-<file path=ppt/slides/slide36.xml><?xml version="1.0" encoding="utf-8"?>
+<file path=ppt/slides/slide38.xml><?xml version="1.0" encoding="utf-8"?>
 <p:sld xmlns:a="http://schemas.openxmlformats.org/drawingml/2006/main" xmlns:r="http://schemas.openxmlformats.org/officeDocument/2006/relationships" xmlns:p="http://schemas.openxmlformats.org/presentationml/2006/main">
   <p:cSld>
     <p:spTree>
@@ -16715,7 +18573,7 @@
 </p:sld>
 </file>
 
-<file path=ppt/slides/slide37.xml><?xml version="1.0" encoding="utf-8"?>
+<file path=ppt/slides/slide39.xml><?xml version="1.0" encoding="utf-8"?>
 <p:sld xmlns:a="http://schemas.openxmlformats.org/drawingml/2006/main" xmlns:r="http://schemas.openxmlformats.org/officeDocument/2006/relationships" xmlns:p="http://schemas.openxmlformats.org/presentationml/2006/main">
   <p:cSld>
     <p:spTree>
@@ -16956,7 +18814,7 @@
           <a:graphicData uri="http://schemas.openxmlformats.org/presentationml/2006/ole">
             <mc:AlternateContent xmlns:mc="http://schemas.openxmlformats.org/markup-compatibility/2006">
               <mc:Choice xmlns:v="urn:schemas-microsoft-com:vml" Requires="v">
-                <p:oleObj spid="_x0000_s4119" name="Immagine bitmap" r:id="rId3" imgW="6923810" imgH="6780952" progId="PBrush">
+                <p:oleObj spid="_x0000_s4121" name="Immagine bitmap" r:id="rId3" imgW="6923810" imgH="6780952" progId="PBrush">
                   <p:embed/>
                 </p:oleObj>
               </mc:Choice>
@@ -17479,7 +19337,479 @@
 </p:sld>
 </file>
 
-<file path=ppt/slides/slide38.xml><?xml version="1.0" encoding="utf-8"?>
+<file path=ppt/slides/slide4.xml><?xml version="1.0" encoding="utf-8"?>
+<p:sld xmlns:a="http://schemas.openxmlformats.org/drawingml/2006/main" xmlns:r="http://schemas.openxmlformats.org/officeDocument/2006/relationships" xmlns:p="http://schemas.openxmlformats.org/presentationml/2006/main">
+  <p:cSld>
+    <p:spTree>
+      <p:nvGrpSpPr>
+        <p:cNvPr id="1" name=""/>
+        <p:cNvGrpSpPr/>
+        <p:nvPr/>
+      </p:nvGrpSpPr>
+      <p:grpSpPr>
+        <a:xfrm>
+          <a:off x="0" y="0"/>
+          <a:ext cx="0" cy="0"/>
+          <a:chOff x="0" y="0"/>
+          <a:chExt cx="0" cy="0"/>
+        </a:xfrm>
+      </p:grpSpPr>
+      <p:sp>
+        <p:nvSpPr>
+          <p:cNvPr id="7" name="Titel 6"/>
+          <p:cNvSpPr>
+            <a:spLocks noGrp="1"/>
+          </p:cNvSpPr>
+          <p:nvPr>
+            <p:ph type="title"/>
+          </p:nvPr>
+        </p:nvSpPr>
+        <p:spPr/>
+        <p:txBody>
+          <a:bodyPr/>
+          <a:lstStyle/>
+          <a:p>
+            <a:r>
+              <a:rPr lang="nl-NL" dirty="0" smtClean="0"/>
+              <a:t>Mobile Robots</a:t>
+            </a:r>
+            <a:endParaRPr lang="en-GB" dirty="0"/>
+          </a:p>
+        </p:txBody>
+      </p:sp>
+      <p:sp>
+        <p:nvSpPr>
+          <p:cNvPr id="4" name="Tijdelijke aanduiding voor datum 3"/>
+          <p:cNvSpPr>
+            <a:spLocks noGrp="1"/>
+          </p:cNvSpPr>
+          <p:nvPr>
+            <p:ph type="dt" sz="half" idx="10"/>
+          </p:nvPr>
+        </p:nvSpPr>
+        <p:spPr/>
+        <p:txBody>
+          <a:bodyPr/>
+          <a:lstStyle/>
+          <a:p>
+            <a:r>
+              <a:rPr lang="en-US" smtClean="0"/>
+              <a:t>27-5-2015</a:t>
+            </a:r>
+            <a:endParaRPr lang="nl-NL"/>
+          </a:p>
+        </p:txBody>
+      </p:sp>
+      <p:sp>
+        <p:nvSpPr>
+          <p:cNvPr id="5" name="Tijdelijke aanduiding voor voettekst 4"/>
+          <p:cNvSpPr>
+            <a:spLocks noGrp="1"/>
+          </p:cNvSpPr>
+          <p:nvPr>
+            <p:ph type="ftr" sz="quarter" idx="11"/>
+          </p:nvPr>
+        </p:nvSpPr>
+        <p:spPr/>
+        <p:txBody>
+          <a:bodyPr/>
+          <a:lstStyle/>
+          <a:p>
+            <a:r>
+              <a:rPr lang="nl-NL" smtClean="0"/>
+              <a:t>Eric Dortmans / Fontys Hogeschool ICT</a:t>
+            </a:r>
+            <a:endParaRPr lang="nl-NL"/>
+          </a:p>
+        </p:txBody>
+      </p:sp>
+      <p:sp>
+        <p:nvSpPr>
+          <p:cNvPr id="6" name="Tijdelijke aanduiding voor dianummer 5"/>
+          <p:cNvSpPr>
+            <a:spLocks noGrp="1"/>
+          </p:cNvSpPr>
+          <p:nvPr>
+            <p:ph type="sldNum" sz="quarter" idx="12"/>
+          </p:nvPr>
+        </p:nvSpPr>
+        <p:spPr/>
+        <p:txBody>
+          <a:bodyPr/>
+          <a:lstStyle/>
+          <a:p>
+            <a:fld id="{A9096D49-DAE3-40DE-93E0-41688E0A5016}" type="slidenum">
+              <a:rPr lang="nl-NL" smtClean="0"/>
+              <a:t>4</a:t>
+            </a:fld>
+            <a:endParaRPr lang="nl-NL"/>
+          </a:p>
+        </p:txBody>
+      </p:sp>
+      <p:pic>
+        <p:nvPicPr>
+          <p:cNvPr id="8" name="Picture 24">
+            <a:hlinkClick r:id="rId2"/>
+          </p:cNvPr>
+          <p:cNvPicPr>
+            <a:picLocks noChangeAspect="1" noChangeArrowheads="1"/>
+          </p:cNvPicPr>
+          <p:nvPr/>
+        </p:nvPicPr>
+        <p:blipFill>
+          <a:blip r:embed="rId3">
+            <a:extLst>
+              <a:ext uri="{28A0092B-C50C-407E-A947-70E740481C1C}">
+                <a14:useLocalDpi xmlns:a14="http://schemas.microsoft.com/office/drawing/2010/main" val="0"/>
+              </a:ext>
+            </a:extLst>
+          </a:blip>
+          <a:srcRect/>
+          <a:stretch>
+            <a:fillRect/>
+          </a:stretch>
+        </p:blipFill>
+        <p:spPr bwMode="auto">
+          <a:xfrm>
+            <a:off x="3560326" y="3645024"/>
+            <a:ext cx="1584176" cy="2715730"/>
+          </a:xfrm>
+          <a:prstGeom prst="rect">
+            <a:avLst/>
+          </a:prstGeom>
+          <a:noFill/>
+          <a:ln>
+            <a:noFill/>
+          </a:ln>
+          <a:effectLst/>
+          <a:extLst>
+            <a:ext uri="{909E8E84-426E-40DD-AFC4-6F175D3DCCD1}">
+              <a14:hiddenFill xmlns:a14="http://schemas.microsoft.com/office/drawing/2010/main">
+                <a:solidFill>
+                  <a:schemeClr val="tx1"/>
+                </a:solidFill>
+              </a14:hiddenFill>
+            </a:ext>
+            <a:ext uri="{91240B29-F687-4F45-9708-019B960494DF}">
+              <a14:hiddenLine xmlns:a14="http://schemas.microsoft.com/office/drawing/2010/main" w="9525" algn="ctr">
+                <a:solidFill>
+                  <a:schemeClr val="tx1"/>
+                </a:solidFill>
+                <a:miter lim="800000"/>
+                <a:headEnd/>
+                <a:tailEnd/>
+              </a14:hiddenLine>
+            </a:ext>
+            <a:ext uri="{AF507438-7753-43E0-B8FC-AC1667EBCBE1}">
+              <a14:hiddenEffects xmlns:a14="http://schemas.microsoft.com/office/drawing/2010/main">
+                <a:effectLst>
+                  <a:outerShdw dist="35921" dir="2700000" algn="ctr" rotWithShape="0">
+                    <a:srgbClr val="808080"/>
+                  </a:outerShdw>
+                </a:effectLst>
+              </a14:hiddenEffects>
+            </a:ext>
+          </a:extLst>
+        </p:spPr>
+      </p:pic>
+      <p:pic>
+        <p:nvPicPr>
+          <p:cNvPr id="9" name="Picture 8"/>
+          <p:cNvPicPr>
+            <a:picLocks noChangeAspect="1" noChangeArrowheads="1"/>
+          </p:cNvPicPr>
+          <p:nvPr/>
+        </p:nvPicPr>
+        <p:blipFill>
+          <a:blip r:embed="rId4">
+            <a:extLst>
+              <a:ext uri="{28A0092B-C50C-407E-A947-70E740481C1C}">
+                <a14:useLocalDpi xmlns:a14="http://schemas.microsoft.com/office/drawing/2010/main" val="0"/>
+              </a:ext>
+            </a:extLst>
+          </a:blip>
+          <a:srcRect/>
+          <a:stretch>
+            <a:fillRect/>
+          </a:stretch>
+        </p:blipFill>
+        <p:spPr bwMode="auto">
+          <a:xfrm>
+            <a:off x="5315412" y="1484784"/>
+            <a:ext cx="3360373" cy="2520280"/>
+          </a:xfrm>
+          <a:prstGeom prst="rect">
+            <a:avLst/>
+          </a:prstGeom>
+          <a:noFill/>
+          <a:ln>
+            <a:noFill/>
+          </a:ln>
+          <a:extLst>
+            <a:ext uri="{909E8E84-426E-40DD-AFC4-6F175D3DCCD1}">
+              <a14:hiddenFill xmlns:a14="http://schemas.microsoft.com/office/drawing/2010/main">
+                <a:solidFill>
+                  <a:srgbClr val="FFFFFF"/>
+                </a:solidFill>
+              </a14:hiddenFill>
+            </a:ext>
+            <a:ext uri="{91240B29-F687-4F45-9708-019B960494DF}">
+              <a14:hiddenLine xmlns:a14="http://schemas.microsoft.com/office/drawing/2010/main" w="12700" cap="sq">
+                <a:solidFill>
+                  <a:srgbClr val="000000"/>
+                </a:solidFill>
+                <a:miter lim="800000"/>
+                <a:headEnd type="none" w="sm" len="sm"/>
+                <a:tailEnd type="none" w="sm" len="sm"/>
+              </a14:hiddenLine>
+            </a:ext>
+          </a:extLst>
+        </p:spPr>
+      </p:pic>
+      <p:pic>
+        <p:nvPicPr>
+          <p:cNvPr id="10" name="Picture 5" descr="Picture1">
+            <a:hlinkClick r:id="rId5"/>
+          </p:cNvPr>
+          <p:cNvPicPr>
+            <a:picLocks noChangeAspect="1" noChangeArrowheads="1"/>
+          </p:cNvPicPr>
+          <p:nvPr/>
+        </p:nvPicPr>
+        <p:blipFill>
+          <a:blip r:embed="rId6">
+            <a:extLst>
+              <a:ext uri="{28A0092B-C50C-407E-A947-70E740481C1C}">
+                <a14:useLocalDpi xmlns:a14="http://schemas.microsoft.com/office/drawing/2010/main" val="0"/>
+              </a:ext>
+            </a:extLst>
+          </a:blip>
+          <a:srcRect/>
+          <a:stretch>
+            <a:fillRect/>
+          </a:stretch>
+        </p:blipFill>
+        <p:spPr bwMode="auto">
+          <a:xfrm>
+            <a:off x="157759" y="1436015"/>
+            <a:ext cx="2677683" cy="2480616"/>
+          </a:xfrm>
+          <a:prstGeom prst="rect">
+            <a:avLst/>
+          </a:prstGeom>
+          <a:noFill/>
+          <a:ln>
+            <a:noFill/>
+          </a:ln>
+          <a:extLst>
+            <a:ext uri="{909E8E84-426E-40DD-AFC4-6F175D3DCCD1}">
+              <a14:hiddenFill xmlns:a14="http://schemas.microsoft.com/office/drawing/2010/main">
+                <a:solidFill>
+                  <a:srgbClr val="FFFFFF"/>
+                </a:solidFill>
+              </a14:hiddenFill>
+            </a:ext>
+            <a:ext uri="{91240B29-F687-4F45-9708-019B960494DF}">
+              <a14:hiddenLine xmlns:a14="http://schemas.microsoft.com/office/drawing/2010/main" w="9525">
+                <a:solidFill>
+                  <a:srgbClr val="000000"/>
+                </a:solidFill>
+                <a:miter lim="800000"/>
+                <a:headEnd/>
+                <a:tailEnd/>
+              </a14:hiddenLine>
+            </a:ext>
+          </a:extLst>
+        </p:spPr>
+      </p:pic>
+      <p:pic>
+        <p:nvPicPr>
+          <p:cNvPr id="11" name="Picture 4"/>
+          <p:cNvPicPr>
+            <a:picLocks noChangeAspect="1" noChangeArrowheads="1"/>
+          </p:cNvPicPr>
+          <p:nvPr/>
+        </p:nvPicPr>
+        <p:blipFill>
+          <a:blip r:embed="rId7">
+            <a:extLst>
+              <a:ext uri="{28A0092B-C50C-407E-A947-70E740481C1C}">
+                <a14:useLocalDpi xmlns:a14="http://schemas.microsoft.com/office/drawing/2010/main" val="0"/>
+              </a:ext>
+            </a:extLst>
+          </a:blip>
+          <a:srcRect/>
+          <a:stretch>
+            <a:fillRect/>
+          </a:stretch>
+        </p:blipFill>
+        <p:spPr bwMode="auto">
+          <a:xfrm>
+            <a:off x="5868144" y="4293096"/>
+            <a:ext cx="2605370" cy="2179712"/>
+          </a:xfrm>
+          <a:prstGeom prst="rect">
+            <a:avLst/>
+          </a:prstGeom>
+          <a:noFill/>
+          <a:ln w="9525">
+            <a:solidFill>
+              <a:schemeClr val="tx1"/>
+            </a:solidFill>
+            <a:miter lim="800000"/>
+            <a:headEnd/>
+            <a:tailEnd/>
+          </a:ln>
+          <a:effectLst/>
+          <a:extLst>
+            <a:ext uri="{909E8E84-426E-40DD-AFC4-6F175D3DCCD1}">
+              <a14:hiddenFill xmlns:a14="http://schemas.microsoft.com/office/drawing/2010/main">
+                <a:solidFill>
+                  <a:schemeClr val="accent1"/>
+                </a:solidFill>
+              </a14:hiddenFill>
+            </a:ext>
+            <a:ext uri="{AF507438-7753-43E0-B8FC-AC1667EBCBE1}">
+              <a14:hiddenEffects xmlns:a14="http://schemas.microsoft.com/office/drawing/2010/main">
+                <a:effectLst>
+                  <a:outerShdw dist="35921" dir="2700000" algn="ctr" rotWithShape="0">
+                    <a:schemeClr val="bg2"/>
+                  </a:outerShdw>
+                </a:effectLst>
+              </a14:hiddenEffects>
+            </a:ext>
+          </a:extLst>
+        </p:spPr>
+      </p:pic>
+      <p:pic>
+        <p:nvPicPr>
+          <p:cNvPr id="12" name="Picture 7"/>
+          <p:cNvPicPr>
+            <a:picLocks noChangeAspect="1" noChangeArrowheads="1"/>
+          </p:cNvPicPr>
+          <p:nvPr/>
+        </p:nvPicPr>
+        <p:blipFill>
+          <a:blip r:embed="rId8">
+            <a:extLst>
+              <a:ext uri="{28A0092B-C50C-407E-A947-70E740481C1C}">
+                <a14:useLocalDpi xmlns:a14="http://schemas.microsoft.com/office/drawing/2010/main" val="0"/>
+              </a:ext>
+            </a:extLst>
+          </a:blip>
+          <a:srcRect/>
+          <a:stretch>
+            <a:fillRect/>
+          </a:stretch>
+        </p:blipFill>
+        <p:spPr bwMode="auto">
+          <a:xfrm>
+            <a:off x="616060" y="4293096"/>
+            <a:ext cx="2470870" cy="1879551"/>
+          </a:xfrm>
+          <a:prstGeom prst="rect">
+            <a:avLst/>
+          </a:prstGeom>
+          <a:noFill/>
+          <a:ln>
+            <a:noFill/>
+          </a:ln>
+          <a:extLst>
+            <a:ext uri="{909E8E84-426E-40DD-AFC4-6F175D3DCCD1}">
+              <a14:hiddenFill xmlns:a14="http://schemas.microsoft.com/office/drawing/2010/main">
+                <a:solidFill>
+                  <a:srgbClr val="FFFFFF"/>
+                </a:solidFill>
+              </a14:hiddenFill>
+            </a:ext>
+            <a:ext uri="{91240B29-F687-4F45-9708-019B960494DF}">
+              <a14:hiddenLine xmlns:a14="http://schemas.microsoft.com/office/drawing/2010/main" w="12700" cap="sq">
+                <a:solidFill>
+                  <a:srgbClr val="000000"/>
+                </a:solidFill>
+                <a:miter lim="800000"/>
+                <a:headEnd type="none" w="sm" len="sm"/>
+                <a:tailEnd type="none" w="sm" len="sm"/>
+              </a14:hiddenLine>
+            </a:ext>
+          </a:extLst>
+        </p:spPr>
+      </p:pic>
+      <p:pic>
+        <p:nvPicPr>
+          <p:cNvPr id="13" name="Picture 5" descr="roomba_1"/>
+          <p:cNvPicPr>
+            <a:picLocks noChangeAspect="1" noChangeArrowheads="1"/>
+          </p:cNvPicPr>
+          <p:nvPr/>
+        </p:nvPicPr>
+        <p:blipFill>
+          <a:blip r:embed="rId9">
+            <a:extLst>
+              <a:ext uri="{28A0092B-C50C-407E-A947-70E740481C1C}">
+                <a14:useLocalDpi xmlns:a14="http://schemas.microsoft.com/office/drawing/2010/main" val="0"/>
+              </a:ext>
+            </a:extLst>
+          </a:blip>
+          <a:srcRect/>
+          <a:stretch>
+            <a:fillRect/>
+          </a:stretch>
+        </p:blipFill>
+        <p:spPr bwMode="auto">
+          <a:xfrm>
+            <a:off x="2835442" y="1556792"/>
+            <a:ext cx="2312622" cy="1929493"/>
+          </a:xfrm>
+          <a:prstGeom prst="rect">
+            <a:avLst/>
+          </a:prstGeom>
+          <a:noFill/>
+          <a:ln>
+            <a:noFill/>
+          </a:ln>
+          <a:extLst>
+            <a:ext uri="{909E8E84-426E-40DD-AFC4-6F175D3DCCD1}">
+              <a14:hiddenFill xmlns:a14="http://schemas.microsoft.com/office/drawing/2010/main">
+                <a:solidFill>
+                  <a:srgbClr val="FFFFFF"/>
+                </a:solidFill>
+              </a14:hiddenFill>
+            </a:ext>
+            <a:ext uri="{91240B29-F687-4F45-9708-019B960494DF}">
+              <a14:hiddenLine xmlns:a14="http://schemas.microsoft.com/office/drawing/2010/main" w="9525">
+                <a:solidFill>
+                  <a:srgbClr val="000000"/>
+                </a:solidFill>
+                <a:miter lim="800000"/>
+                <a:headEnd/>
+                <a:tailEnd/>
+              </a14:hiddenLine>
+            </a:ext>
+          </a:extLst>
+        </p:spPr>
+      </p:pic>
+    </p:spTree>
+    <p:extLst>
+      <p:ext uri="{BB962C8B-B14F-4D97-AF65-F5344CB8AC3E}">
+        <p14:creationId xmlns:p14="http://schemas.microsoft.com/office/powerpoint/2010/main" val="3290158274"/>
+      </p:ext>
+    </p:extLst>
+  </p:cSld>
+  <p:clrMapOvr>
+    <a:masterClrMapping/>
+  </p:clrMapOvr>
+  <p:timing>
+    <p:tnLst>
+      <p:par>
+        <p:cTn id="1" dur="indefinite" restart="never" nodeType="tmRoot"/>
+      </p:par>
+    </p:tnLst>
+  </p:timing>
+</p:sld>
+</file>
+
+<file path=ppt/slides/slide40.xml><?xml version="1.0" encoding="utf-8"?>
 <p:sld xmlns:a="http://schemas.openxmlformats.org/drawingml/2006/main" xmlns:r="http://schemas.openxmlformats.org/officeDocument/2006/relationships" xmlns:p="http://schemas.openxmlformats.org/presentationml/2006/main">
   <p:cSld>
     <p:spTree>
@@ -18176,7 +20506,7 @@
 </p:sld>
 </file>
 
-<file path=ppt/slides/slide39.xml><?xml version="1.0" encoding="utf-8"?>
+<file path=ppt/slides/slide41.xml><?xml version="1.0" encoding="utf-8"?>
 <p:sld xmlns:a="http://schemas.openxmlformats.org/drawingml/2006/main" xmlns:r="http://schemas.openxmlformats.org/officeDocument/2006/relationships" xmlns:p="http://schemas.openxmlformats.org/presentationml/2006/main">
   <p:cSld>
     <p:spTree>
@@ -18260,7 +20590,7 @@
           <a:graphicData uri="http://schemas.openxmlformats.org/presentationml/2006/ole">
             <mc:AlternateContent xmlns:mc="http://schemas.openxmlformats.org/markup-compatibility/2006">
               <mc:Choice xmlns:v="urn:schemas-microsoft-com:vml" Requires="v">
-                <p:oleObj spid="_x0000_s2072" name="Visio" r:id="rId5" imgW="3761086" imgH="3121242" progId="Visio.Drawing.11">
+                <p:oleObj spid="_x0000_s2074" name="Visio" r:id="rId5" imgW="3761086" imgH="3121242" progId="Visio.Drawing.11">
                   <p:embed/>
                 </p:oleObj>
               </mc:Choice>
@@ -18430,472 +20760,7 @@
 </p:sld>
 </file>
 
-<file path=ppt/slides/slide4.xml><?xml version="1.0" encoding="utf-8"?>
-<p:sld xmlns:a="http://schemas.openxmlformats.org/drawingml/2006/main" xmlns:r="http://schemas.openxmlformats.org/officeDocument/2006/relationships" xmlns:p="http://schemas.openxmlformats.org/presentationml/2006/main">
-  <p:cSld>
-    <p:spTree>
-      <p:nvGrpSpPr>
-        <p:cNvPr id="1" name=""/>
-        <p:cNvGrpSpPr/>
-        <p:nvPr/>
-      </p:nvGrpSpPr>
-      <p:grpSpPr>
-        <a:xfrm>
-          <a:off x="0" y="0"/>
-          <a:ext cx="0" cy="0"/>
-          <a:chOff x="0" y="0"/>
-          <a:chExt cx="0" cy="0"/>
-        </a:xfrm>
-      </p:grpSpPr>
-      <p:sp>
-        <p:nvSpPr>
-          <p:cNvPr id="7" name="Titel 6"/>
-          <p:cNvSpPr>
-            <a:spLocks noGrp="1"/>
-          </p:cNvSpPr>
-          <p:nvPr>
-            <p:ph type="title"/>
-          </p:nvPr>
-        </p:nvSpPr>
-        <p:spPr/>
-        <p:txBody>
-          <a:bodyPr/>
-          <a:lstStyle/>
-          <a:p>
-            <a:r>
-              <a:rPr lang="nl-NL" dirty="0" smtClean="0"/>
-              <a:t>Mobile Robots</a:t>
-            </a:r>
-            <a:endParaRPr lang="en-GB" dirty="0"/>
-          </a:p>
-        </p:txBody>
-      </p:sp>
-      <p:sp>
-        <p:nvSpPr>
-          <p:cNvPr id="4" name="Tijdelijke aanduiding voor datum 3"/>
-          <p:cNvSpPr>
-            <a:spLocks noGrp="1"/>
-          </p:cNvSpPr>
-          <p:nvPr>
-            <p:ph type="dt" sz="half" idx="10"/>
-          </p:nvPr>
-        </p:nvSpPr>
-        <p:spPr/>
-        <p:txBody>
-          <a:bodyPr/>
-          <a:lstStyle/>
-          <a:p>
-            <a:r>
-              <a:rPr lang="en-US" smtClean="0"/>
-              <a:t>27-5-2015</a:t>
-            </a:r>
-            <a:endParaRPr lang="nl-NL"/>
-          </a:p>
-        </p:txBody>
-      </p:sp>
-      <p:sp>
-        <p:nvSpPr>
-          <p:cNvPr id="5" name="Tijdelijke aanduiding voor voettekst 4"/>
-          <p:cNvSpPr>
-            <a:spLocks noGrp="1"/>
-          </p:cNvSpPr>
-          <p:nvPr>
-            <p:ph type="ftr" sz="quarter" idx="11"/>
-          </p:nvPr>
-        </p:nvSpPr>
-        <p:spPr/>
-        <p:txBody>
-          <a:bodyPr/>
-          <a:lstStyle/>
-          <a:p>
-            <a:r>
-              <a:rPr lang="nl-NL" smtClean="0"/>
-              <a:t>Eric Dortmans / Fontys Hogeschool ICT</a:t>
-            </a:r>
-            <a:endParaRPr lang="nl-NL"/>
-          </a:p>
-        </p:txBody>
-      </p:sp>
-      <p:sp>
-        <p:nvSpPr>
-          <p:cNvPr id="6" name="Tijdelijke aanduiding voor dianummer 5"/>
-          <p:cNvSpPr>
-            <a:spLocks noGrp="1"/>
-          </p:cNvSpPr>
-          <p:nvPr>
-            <p:ph type="sldNum" sz="quarter" idx="12"/>
-          </p:nvPr>
-        </p:nvSpPr>
-        <p:spPr/>
-        <p:txBody>
-          <a:bodyPr/>
-          <a:lstStyle/>
-          <a:p>
-            <a:fld id="{A9096D49-DAE3-40DE-93E0-41688E0A5016}" type="slidenum">
-              <a:rPr lang="nl-NL" smtClean="0"/>
-              <a:t>4</a:t>
-            </a:fld>
-            <a:endParaRPr lang="nl-NL"/>
-          </a:p>
-        </p:txBody>
-      </p:sp>
-      <p:pic>
-        <p:nvPicPr>
-          <p:cNvPr id="8" name="Picture 24">
-            <a:hlinkClick r:id="rId2"/>
-          </p:cNvPr>
-          <p:cNvPicPr>
-            <a:picLocks noChangeAspect="1" noChangeArrowheads="1"/>
-          </p:cNvPicPr>
-          <p:nvPr/>
-        </p:nvPicPr>
-        <p:blipFill>
-          <a:blip r:embed="rId3">
-            <a:extLst>
-              <a:ext uri="{28A0092B-C50C-407E-A947-70E740481C1C}">
-                <a14:useLocalDpi xmlns:a14="http://schemas.microsoft.com/office/drawing/2010/main" val="0"/>
-              </a:ext>
-            </a:extLst>
-          </a:blip>
-          <a:srcRect/>
-          <a:stretch>
-            <a:fillRect/>
-          </a:stretch>
-        </p:blipFill>
-        <p:spPr bwMode="auto">
-          <a:xfrm>
-            <a:off x="3560326" y="3645024"/>
-            <a:ext cx="1584176" cy="2715730"/>
-          </a:xfrm>
-          <a:prstGeom prst="rect">
-            <a:avLst/>
-          </a:prstGeom>
-          <a:noFill/>
-          <a:ln>
-            <a:noFill/>
-          </a:ln>
-          <a:effectLst/>
-          <a:extLst>
-            <a:ext uri="{909E8E84-426E-40DD-AFC4-6F175D3DCCD1}">
-              <a14:hiddenFill xmlns:a14="http://schemas.microsoft.com/office/drawing/2010/main">
-                <a:solidFill>
-                  <a:schemeClr val="tx1"/>
-                </a:solidFill>
-              </a14:hiddenFill>
-            </a:ext>
-            <a:ext uri="{91240B29-F687-4F45-9708-019B960494DF}">
-              <a14:hiddenLine xmlns:a14="http://schemas.microsoft.com/office/drawing/2010/main" w="9525" algn="ctr">
-                <a:solidFill>
-                  <a:schemeClr val="tx1"/>
-                </a:solidFill>
-                <a:miter lim="800000"/>
-                <a:headEnd/>
-                <a:tailEnd/>
-              </a14:hiddenLine>
-            </a:ext>
-            <a:ext uri="{AF507438-7753-43E0-B8FC-AC1667EBCBE1}">
-              <a14:hiddenEffects xmlns:a14="http://schemas.microsoft.com/office/drawing/2010/main">
-                <a:effectLst>
-                  <a:outerShdw dist="35921" dir="2700000" algn="ctr" rotWithShape="0">
-                    <a:srgbClr val="808080"/>
-                  </a:outerShdw>
-                </a:effectLst>
-              </a14:hiddenEffects>
-            </a:ext>
-          </a:extLst>
-        </p:spPr>
-      </p:pic>
-      <p:pic>
-        <p:nvPicPr>
-          <p:cNvPr id="9" name="Picture 8"/>
-          <p:cNvPicPr>
-            <a:picLocks noChangeAspect="1" noChangeArrowheads="1"/>
-          </p:cNvPicPr>
-          <p:nvPr/>
-        </p:nvPicPr>
-        <p:blipFill>
-          <a:blip r:embed="rId4">
-            <a:extLst>
-              <a:ext uri="{28A0092B-C50C-407E-A947-70E740481C1C}">
-                <a14:useLocalDpi xmlns:a14="http://schemas.microsoft.com/office/drawing/2010/main" val="0"/>
-              </a:ext>
-            </a:extLst>
-          </a:blip>
-          <a:srcRect/>
-          <a:stretch>
-            <a:fillRect/>
-          </a:stretch>
-        </p:blipFill>
-        <p:spPr bwMode="auto">
-          <a:xfrm>
-            <a:off x="5315412" y="1484784"/>
-            <a:ext cx="3360373" cy="2520280"/>
-          </a:xfrm>
-          <a:prstGeom prst="rect">
-            <a:avLst/>
-          </a:prstGeom>
-          <a:noFill/>
-          <a:ln>
-            <a:noFill/>
-          </a:ln>
-          <a:extLst>
-            <a:ext uri="{909E8E84-426E-40DD-AFC4-6F175D3DCCD1}">
-              <a14:hiddenFill xmlns:a14="http://schemas.microsoft.com/office/drawing/2010/main">
-                <a:solidFill>
-                  <a:srgbClr val="FFFFFF"/>
-                </a:solidFill>
-              </a14:hiddenFill>
-            </a:ext>
-            <a:ext uri="{91240B29-F687-4F45-9708-019B960494DF}">
-              <a14:hiddenLine xmlns:a14="http://schemas.microsoft.com/office/drawing/2010/main" w="12700" cap="sq">
-                <a:solidFill>
-                  <a:srgbClr val="000000"/>
-                </a:solidFill>
-                <a:miter lim="800000"/>
-                <a:headEnd type="none" w="sm" len="sm"/>
-                <a:tailEnd type="none" w="sm" len="sm"/>
-              </a14:hiddenLine>
-            </a:ext>
-          </a:extLst>
-        </p:spPr>
-      </p:pic>
-      <p:pic>
-        <p:nvPicPr>
-          <p:cNvPr id="10" name="Picture 5" descr="Picture1">
-            <a:hlinkClick r:id="rId5"/>
-          </p:cNvPr>
-          <p:cNvPicPr>
-            <a:picLocks noChangeAspect="1" noChangeArrowheads="1"/>
-          </p:cNvPicPr>
-          <p:nvPr/>
-        </p:nvPicPr>
-        <p:blipFill>
-          <a:blip r:embed="rId6">
-            <a:extLst>
-              <a:ext uri="{28A0092B-C50C-407E-A947-70E740481C1C}">
-                <a14:useLocalDpi xmlns:a14="http://schemas.microsoft.com/office/drawing/2010/main" val="0"/>
-              </a:ext>
-            </a:extLst>
-          </a:blip>
-          <a:srcRect/>
-          <a:stretch>
-            <a:fillRect/>
-          </a:stretch>
-        </p:blipFill>
-        <p:spPr bwMode="auto">
-          <a:xfrm>
-            <a:off x="157759" y="1436015"/>
-            <a:ext cx="2677683" cy="2480616"/>
-          </a:xfrm>
-          <a:prstGeom prst="rect">
-            <a:avLst/>
-          </a:prstGeom>
-          <a:noFill/>
-          <a:ln>
-            <a:noFill/>
-          </a:ln>
-          <a:extLst>
-            <a:ext uri="{909E8E84-426E-40DD-AFC4-6F175D3DCCD1}">
-              <a14:hiddenFill xmlns:a14="http://schemas.microsoft.com/office/drawing/2010/main">
-                <a:solidFill>
-                  <a:srgbClr val="FFFFFF"/>
-                </a:solidFill>
-              </a14:hiddenFill>
-            </a:ext>
-            <a:ext uri="{91240B29-F687-4F45-9708-019B960494DF}">
-              <a14:hiddenLine xmlns:a14="http://schemas.microsoft.com/office/drawing/2010/main" w="9525">
-                <a:solidFill>
-                  <a:srgbClr val="000000"/>
-                </a:solidFill>
-                <a:miter lim="800000"/>
-                <a:headEnd/>
-                <a:tailEnd/>
-              </a14:hiddenLine>
-            </a:ext>
-          </a:extLst>
-        </p:spPr>
-      </p:pic>
-      <p:pic>
-        <p:nvPicPr>
-          <p:cNvPr id="11" name="Picture 4"/>
-          <p:cNvPicPr>
-            <a:picLocks noChangeAspect="1" noChangeArrowheads="1"/>
-          </p:cNvPicPr>
-          <p:nvPr/>
-        </p:nvPicPr>
-        <p:blipFill>
-          <a:blip r:embed="rId7">
-            <a:extLst>
-              <a:ext uri="{28A0092B-C50C-407E-A947-70E740481C1C}">
-                <a14:useLocalDpi xmlns:a14="http://schemas.microsoft.com/office/drawing/2010/main" val="0"/>
-              </a:ext>
-            </a:extLst>
-          </a:blip>
-          <a:srcRect/>
-          <a:stretch>
-            <a:fillRect/>
-          </a:stretch>
-        </p:blipFill>
-        <p:spPr bwMode="auto">
-          <a:xfrm>
-            <a:off x="5868144" y="4293096"/>
-            <a:ext cx="2605370" cy="2179712"/>
-          </a:xfrm>
-          <a:prstGeom prst="rect">
-            <a:avLst/>
-          </a:prstGeom>
-          <a:noFill/>
-          <a:ln w="9525">
-            <a:solidFill>
-              <a:schemeClr val="tx1"/>
-            </a:solidFill>
-            <a:miter lim="800000"/>
-            <a:headEnd/>
-            <a:tailEnd/>
-          </a:ln>
-          <a:effectLst/>
-          <a:extLst>
-            <a:ext uri="{909E8E84-426E-40DD-AFC4-6F175D3DCCD1}">
-              <a14:hiddenFill xmlns:a14="http://schemas.microsoft.com/office/drawing/2010/main">
-                <a:solidFill>
-                  <a:schemeClr val="accent1"/>
-                </a:solidFill>
-              </a14:hiddenFill>
-            </a:ext>
-            <a:ext uri="{AF507438-7753-43E0-B8FC-AC1667EBCBE1}">
-              <a14:hiddenEffects xmlns:a14="http://schemas.microsoft.com/office/drawing/2010/main">
-                <a:effectLst>
-                  <a:outerShdw dist="35921" dir="2700000" algn="ctr" rotWithShape="0">
-                    <a:schemeClr val="bg2"/>
-                  </a:outerShdw>
-                </a:effectLst>
-              </a14:hiddenEffects>
-            </a:ext>
-          </a:extLst>
-        </p:spPr>
-      </p:pic>
-      <p:pic>
-        <p:nvPicPr>
-          <p:cNvPr id="12" name="Picture 7"/>
-          <p:cNvPicPr>
-            <a:picLocks noChangeAspect="1" noChangeArrowheads="1"/>
-          </p:cNvPicPr>
-          <p:nvPr/>
-        </p:nvPicPr>
-        <p:blipFill>
-          <a:blip r:embed="rId8">
-            <a:extLst>
-              <a:ext uri="{28A0092B-C50C-407E-A947-70E740481C1C}">
-                <a14:useLocalDpi xmlns:a14="http://schemas.microsoft.com/office/drawing/2010/main" val="0"/>
-              </a:ext>
-            </a:extLst>
-          </a:blip>
-          <a:srcRect/>
-          <a:stretch>
-            <a:fillRect/>
-          </a:stretch>
-        </p:blipFill>
-        <p:spPr bwMode="auto">
-          <a:xfrm>
-            <a:off x="616060" y="4293096"/>
-            <a:ext cx="2470870" cy="1879551"/>
-          </a:xfrm>
-          <a:prstGeom prst="rect">
-            <a:avLst/>
-          </a:prstGeom>
-          <a:noFill/>
-          <a:ln>
-            <a:noFill/>
-          </a:ln>
-          <a:extLst>
-            <a:ext uri="{909E8E84-426E-40DD-AFC4-6F175D3DCCD1}">
-              <a14:hiddenFill xmlns:a14="http://schemas.microsoft.com/office/drawing/2010/main">
-                <a:solidFill>
-                  <a:srgbClr val="FFFFFF"/>
-                </a:solidFill>
-              </a14:hiddenFill>
-            </a:ext>
-            <a:ext uri="{91240B29-F687-4F45-9708-019B960494DF}">
-              <a14:hiddenLine xmlns:a14="http://schemas.microsoft.com/office/drawing/2010/main" w="12700" cap="sq">
-                <a:solidFill>
-                  <a:srgbClr val="000000"/>
-                </a:solidFill>
-                <a:miter lim="800000"/>
-                <a:headEnd type="none" w="sm" len="sm"/>
-                <a:tailEnd type="none" w="sm" len="sm"/>
-              </a14:hiddenLine>
-            </a:ext>
-          </a:extLst>
-        </p:spPr>
-      </p:pic>
-      <p:pic>
-        <p:nvPicPr>
-          <p:cNvPr id="13" name="Picture 5" descr="roomba_1"/>
-          <p:cNvPicPr>
-            <a:picLocks noChangeAspect="1" noChangeArrowheads="1"/>
-          </p:cNvPicPr>
-          <p:nvPr/>
-        </p:nvPicPr>
-        <p:blipFill>
-          <a:blip r:embed="rId9">
-            <a:extLst>
-              <a:ext uri="{28A0092B-C50C-407E-A947-70E740481C1C}">
-                <a14:useLocalDpi xmlns:a14="http://schemas.microsoft.com/office/drawing/2010/main" val="0"/>
-              </a:ext>
-            </a:extLst>
-          </a:blip>
-          <a:srcRect/>
-          <a:stretch>
-            <a:fillRect/>
-          </a:stretch>
-        </p:blipFill>
-        <p:spPr bwMode="auto">
-          <a:xfrm>
-            <a:off x="2835442" y="1556792"/>
-            <a:ext cx="2312622" cy="1929493"/>
-          </a:xfrm>
-          <a:prstGeom prst="rect">
-            <a:avLst/>
-          </a:prstGeom>
-          <a:noFill/>
-          <a:ln>
-            <a:noFill/>
-          </a:ln>
-          <a:extLst>
-            <a:ext uri="{909E8E84-426E-40DD-AFC4-6F175D3DCCD1}">
-              <a14:hiddenFill xmlns:a14="http://schemas.microsoft.com/office/drawing/2010/main">
-                <a:solidFill>
-                  <a:srgbClr val="FFFFFF"/>
-                </a:solidFill>
-              </a14:hiddenFill>
-            </a:ext>
-            <a:ext uri="{91240B29-F687-4F45-9708-019B960494DF}">
-              <a14:hiddenLine xmlns:a14="http://schemas.microsoft.com/office/drawing/2010/main" w="9525">
-                <a:solidFill>
-                  <a:srgbClr val="000000"/>
-                </a:solidFill>
-                <a:miter lim="800000"/>
-                <a:headEnd/>
-                <a:tailEnd/>
-              </a14:hiddenLine>
-            </a:ext>
-          </a:extLst>
-        </p:spPr>
-      </p:pic>
-    </p:spTree>
-    <p:extLst>
-      <p:ext uri="{BB962C8B-B14F-4D97-AF65-F5344CB8AC3E}">
-        <p14:creationId xmlns:p14="http://schemas.microsoft.com/office/powerpoint/2010/main" val="3290158274"/>
-      </p:ext>
-    </p:extLst>
-  </p:cSld>
-  <p:clrMapOvr>
-    <a:masterClrMapping/>
-  </p:clrMapOvr>
-</p:sld>
-</file>
-
-<file path=ppt/slides/slide40.xml><?xml version="1.0" encoding="utf-8"?>
+<file path=ppt/slides/slide42.xml><?xml version="1.0" encoding="utf-8"?>
 <p:sld xmlns:a="http://schemas.openxmlformats.org/drawingml/2006/main" xmlns:r="http://schemas.openxmlformats.org/officeDocument/2006/relationships" xmlns:p="http://schemas.openxmlformats.org/presentationml/2006/main">
   <p:cSld>
     <p:spTree>
@@ -19036,7 +20901,7 @@
 </p:sld>
 </file>
 
-<file path=ppt/slides/slide41.xml><?xml version="1.0" encoding="utf-8"?>
+<file path=ppt/slides/slide43.xml><?xml version="1.0" encoding="utf-8"?>
 <p:sld xmlns:a="http://schemas.openxmlformats.org/drawingml/2006/main" xmlns:r="http://schemas.openxmlformats.org/officeDocument/2006/relationships" xmlns:p="http://schemas.openxmlformats.org/presentationml/2006/main">
   <p:cSld>
     <p:spTree>
@@ -19922,7 +21787,7 @@
 </p:sld>
 </file>
 
-<file path=ppt/slides/slide42.xml><?xml version="1.0" encoding="utf-8"?>
+<file path=ppt/slides/slide44.xml><?xml version="1.0" encoding="utf-8"?>
 <p:sld xmlns:a="http://schemas.openxmlformats.org/drawingml/2006/main" xmlns:r="http://schemas.openxmlformats.org/officeDocument/2006/relationships" xmlns:p="http://schemas.openxmlformats.org/presentationml/2006/main">
   <p:cSld>
     <p:spTree>
@@ -20031,7 +21896,7 @@
 </p:sld>
 </file>
 
-<file path=ppt/slides/slide43.xml><?xml version="1.0" encoding="utf-8"?>
+<file path=ppt/slides/slide45.xml><?xml version="1.0" encoding="utf-8"?>
 <p:sld xmlns:a="http://schemas.openxmlformats.org/drawingml/2006/main" xmlns:r="http://schemas.openxmlformats.org/officeDocument/2006/relationships" xmlns:p="http://schemas.openxmlformats.org/presentationml/2006/main">
   <p:cSld>
     <p:spTree>
@@ -20271,7 +22136,7 @@
 </p:sld>
 </file>
 
-<file path=ppt/slides/slide44.xml><?xml version="1.0" encoding="utf-8"?>
+<file path=ppt/slides/slide46.xml><?xml version="1.0" encoding="utf-8"?>
 <p:sld xmlns:a="http://schemas.openxmlformats.org/drawingml/2006/main" xmlns:r="http://schemas.openxmlformats.org/officeDocument/2006/relationships" xmlns:p="http://schemas.openxmlformats.org/presentationml/2006/main">
   <p:cSld>
     <p:spTree>
@@ -20456,7 +22321,7 @@
 </p:sld>
 </file>
 
-<file path=ppt/slides/slide45.xml><?xml version="1.0" encoding="utf-8"?>
+<file path=ppt/slides/slide47.xml><?xml version="1.0" encoding="utf-8"?>
 <p:sld xmlns:a="http://schemas.openxmlformats.org/drawingml/2006/main" xmlns:r="http://schemas.openxmlformats.org/officeDocument/2006/relationships" xmlns:p="http://schemas.openxmlformats.org/presentationml/2006/main">
   <p:cSld>
     <p:spTree>
@@ -21213,7 +23078,7 @@
 </p:sld>
 </file>
 
-<file path=ppt/slides/slide46.xml><?xml version="1.0" encoding="utf-8"?>
+<file path=ppt/slides/slide48.xml><?xml version="1.0" encoding="utf-8"?>
 <p:sld xmlns:a="http://schemas.openxmlformats.org/drawingml/2006/main" xmlns:r="http://schemas.openxmlformats.org/officeDocument/2006/relationships" xmlns:p="http://schemas.openxmlformats.org/presentationml/2006/main">
   <p:cSld>
     <p:spTree>
@@ -21363,7 +23228,7 @@
 </p:sld>
 </file>
 
-<file path=ppt/slides/slide47.xml><?xml version="1.0" encoding="utf-8"?>
+<file path=ppt/slides/slide49.xml><?xml version="1.0" encoding="utf-8"?>
 <p:sld xmlns:a="http://schemas.openxmlformats.org/drawingml/2006/main" xmlns:r="http://schemas.openxmlformats.org/officeDocument/2006/relationships" xmlns:p="http://schemas.openxmlformats.org/presentationml/2006/main">
   <p:cSld>
     <p:spTree>
@@ -21518,7 +23383,7 @@
             <a:fld id="{A20ECB7E-2F25-4B1F-8A14-D3F5820923CD}" type="datetime1">
               <a:rPr lang="en-US" altLang="en-US" sz="1400" smtClean="0"/>
               <a:pPr eaLnBrk="1" hangingPunct="1"/>
-              <a:t>5/23/2015</a:t>
+              <a:t>5/27/2015</a:t>
             </a:fld>
             <a:endParaRPr lang="en-US" altLang="en-US" sz="1400" smtClean="0"/>
           </a:p>
@@ -23541,7 +25406,310 @@
 </p:sld>
 </file>
 
-<file path=ppt/slides/slide48.xml><?xml version="1.0" encoding="utf-8"?>
+<file path=ppt/slides/slide5.xml><?xml version="1.0" encoding="utf-8"?>
+<p:sld xmlns:a="http://schemas.openxmlformats.org/drawingml/2006/main" xmlns:r="http://schemas.openxmlformats.org/officeDocument/2006/relationships" xmlns:p="http://schemas.openxmlformats.org/presentationml/2006/main">
+  <p:cSld>
+    <p:spTree>
+      <p:nvGrpSpPr>
+        <p:cNvPr id="1" name=""/>
+        <p:cNvGrpSpPr/>
+        <p:nvPr/>
+      </p:nvGrpSpPr>
+      <p:grpSpPr>
+        <a:xfrm>
+          <a:off x="0" y="0"/>
+          <a:ext cx="0" cy="0"/>
+          <a:chOff x="0" y="0"/>
+          <a:chExt cx="0" cy="0"/>
+        </a:xfrm>
+      </p:grpSpPr>
+      <p:sp>
+        <p:nvSpPr>
+          <p:cNvPr id="2" name="Titel 1"/>
+          <p:cNvSpPr>
+            <a:spLocks noGrp="1"/>
+          </p:cNvSpPr>
+          <p:nvPr>
+            <p:ph type="title"/>
+          </p:nvPr>
+        </p:nvSpPr>
+        <p:spPr/>
+        <p:txBody>
+          <a:bodyPr/>
+          <a:lstStyle/>
+          <a:p>
+            <a:r>
+              <a:rPr lang="en-US" dirty="0"/>
+              <a:t>DOFs of a Free Body</a:t>
+            </a:r>
+            <a:endParaRPr lang="nl-NL" dirty="0"/>
+          </a:p>
+        </p:txBody>
+      </p:sp>
+      <p:sp>
+        <p:nvSpPr>
+          <p:cNvPr id="3" name="Tijdelijke aanduiding voor inhoud 2"/>
+          <p:cNvSpPr>
+            <a:spLocks noGrp="1"/>
+          </p:cNvSpPr>
+          <p:nvPr>
+            <p:ph idx="1"/>
+          </p:nvPr>
+        </p:nvSpPr>
+        <p:spPr/>
+        <p:txBody>
+          <a:bodyPr/>
+          <a:lstStyle/>
+          <a:p>
+            <a:r>
+              <a:rPr lang="en-US" dirty="0" smtClean="0"/>
+              <a:t>Any unattached </a:t>
+            </a:r>
+            <a:r>
+              <a:rPr lang="en-US" dirty="0"/>
+              <a:t>body in 3D space has </a:t>
+            </a:r>
+            <a:r>
+              <a:rPr lang="en-US" dirty="0" smtClean="0"/>
+              <a:t>6 </a:t>
+            </a:r>
+            <a:r>
+              <a:rPr lang="en-US" dirty="0"/>
+              <a:t>DOFs</a:t>
+            </a:r>
+          </a:p>
+          <a:p>
+            <a:pPr lvl="1"/>
+            <a:r>
+              <a:rPr lang="en-US" dirty="0"/>
+              <a:t>3 for translation: x, y, z</a:t>
+            </a:r>
+          </a:p>
+          <a:p>
+            <a:pPr lvl="1"/>
+            <a:r>
+              <a:rPr lang="en-US" dirty="0"/>
+              <a:t>3 for rotation: roll, pitch, yaw</a:t>
+            </a:r>
+          </a:p>
+          <a:p>
+            <a:endParaRPr lang="nl-NL" dirty="0"/>
+          </a:p>
+        </p:txBody>
+      </p:sp>
+      <p:pic>
+        <p:nvPicPr>
+          <p:cNvPr id="5" name="Picture 4" descr="http://quest.arc.nasa.gov/aero/virtual/demo/aeronautics/tutorial/images/3axis.gif"/>
+          <p:cNvPicPr>
+            <a:picLocks noChangeAspect="1" noChangeArrowheads="1"/>
+          </p:cNvPicPr>
+          <p:nvPr/>
+        </p:nvPicPr>
+        <p:blipFill>
+          <a:blip r:embed="rId2">
+            <a:extLst>
+              <a:ext uri="{28A0092B-C50C-407E-A947-70E740481C1C}">
+                <a14:useLocalDpi xmlns:a14="http://schemas.microsoft.com/office/drawing/2010/main" val="0"/>
+              </a:ext>
+            </a:extLst>
+          </a:blip>
+          <a:srcRect/>
+          <a:stretch>
+            <a:fillRect/>
+          </a:stretch>
+        </p:blipFill>
+        <p:spPr bwMode="auto">
+          <a:xfrm>
+            <a:off x="1115616" y="3212976"/>
+            <a:ext cx="4968552" cy="3477988"/>
+          </a:xfrm>
+          <a:prstGeom prst="rect">
+            <a:avLst/>
+          </a:prstGeom>
+          <a:noFill/>
+          <a:extLst>
+            <a:ext uri="{909E8E84-426E-40DD-AFC4-6F175D3DCCD1}">
+              <a14:hiddenFill xmlns:a14="http://schemas.microsoft.com/office/drawing/2010/main">
+                <a:solidFill>
+                  <a:srgbClr val="FFFFFF"/>
+                </a:solidFill>
+              </a14:hiddenFill>
+            </a:ext>
+          </a:extLst>
+        </p:spPr>
+      </p:pic>
+      <p:pic>
+        <p:nvPicPr>
+          <p:cNvPr id="6" name="Picture 2" descr="https://developer.valvesoftware.com/w/images/7/7e/Roll_pitch_yaw.gif"/>
+          <p:cNvPicPr>
+            <a:picLocks noChangeAspect="1" noChangeArrowheads="1"/>
+          </p:cNvPicPr>
+          <p:nvPr/>
+        </p:nvPicPr>
+        <p:blipFill>
+          <a:blip r:embed="rId3">
+            <a:extLst>
+              <a:ext uri="{28A0092B-C50C-407E-A947-70E740481C1C}">
+                <a14:useLocalDpi xmlns:a14="http://schemas.microsoft.com/office/drawing/2010/main" val="0"/>
+              </a:ext>
+            </a:extLst>
+          </a:blip>
+          <a:srcRect/>
+          <a:stretch>
+            <a:fillRect/>
+          </a:stretch>
+        </p:blipFill>
+        <p:spPr bwMode="auto">
+          <a:xfrm>
+            <a:off x="6588224" y="2348880"/>
+            <a:ext cx="1946523" cy="1946523"/>
+          </a:xfrm>
+          <a:prstGeom prst="rect">
+            <a:avLst/>
+          </a:prstGeom>
+          <a:noFill/>
+          <a:extLst>
+            <a:ext uri="{909E8E84-426E-40DD-AFC4-6F175D3DCCD1}">
+              <a14:hiddenFill xmlns:a14="http://schemas.microsoft.com/office/drawing/2010/main">
+                <a:solidFill>
+                  <a:srgbClr val="FFFFFF"/>
+                </a:solidFill>
+              </a14:hiddenFill>
+            </a:ext>
+          </a:extLst>
+        </p:spPr>
+      </p:pic>
+      <p:pic>
+        <p:nvPicPr>
+          <p:cNvPr id="7" name="Picture 5" descr="D:\SkyDrive\Documents\My Pictures\right_hand_axes.jpg"/>
+          <p:cNvPicPr>
+            <a:picLocks noChangeAspect="1" noChangeArrowheads="1"/>
+          </p:cNvPicPr>
+          <p:nvPr/>
+        </p:nvPicPr>
+        <p:blipFill>
+          <a:blip r:embed="rId4">
+            <a:extLst>
+              <a:ext uri="{28A0092B-C50C-407E-A947-70E740481C1C}">
+                <a14:useLocalDpi xmlns:a14="http://schemas.microsoft.com/office/drawing/2010/main" val="0"/>
+              </a:ext>
+            </a:extLst>
+          </a:blip>
+          <a:srcRect/>
+          <a:stretch>
+            <a:fillRect/>
+          </a:stretch>
+        </p:blipFill>
+        <p:spPr bwMode="auto">
+          <a:xfrm>
+            <a:off x="6085300" y="4437112"/>
+            <a:ext cx="2331809" cy="2168582"/>
+          </a:xfrm>
+          <a:prstGeom prst="rect">
+            <a:avLst/>
+          </a:prstGeom>
+          <a:noFill/>
+          <a:extLst>
+            <a:ext uri="{909E8E84-426E-40DD-AFC4-6F175D3DCCD1}">
+              <a14:hiddenFill xmlns:a14="http://schemas.microsoft.com/office/drawing/2010/main">
+                <a:solidFill>
+                  <a:srgbClr val="FFFFFF"/>
+                </a:solidFill>
+              </a14:hiddenFill>
+            </a:ext>
+          </a:extLst>
+        </p:spPr>
+      </p:pic>
+      <p:sp>
+        <p:nvSpPr>
+          <p:cNvPr id="4" name="Tijdelijke aanduiding voor datum 3"/>
+          <p:cNvSpPr>
+            <a:spLocks noGrp="1"/>
+          </p:cNvSpPr>
+          <p:nvPr>
+            <p:ph type="dt" sz="half" idx="10"/>
+          </p:nvPr>
+        </p:nvSpPr>
+        <p:spPr/>
+        <p:txBody>
+          <a:bodyPr/>
+          <a:lstStyle/>
+          <a:p>
+            <a:r>
+              <a:rPr lang="en-US" smtClean="0"/>
+              <a:t>27-5-2015</a:t>
+            </a:r>
+            <a:endParaRPr lang="nl-NL"/>
+          </a:p>
+        </p:txBody>
+      </p:sp>
+      <p:sp>
+        <p:nvSpPr>
+          <p:cNvPr id="8" name="Tijdelijke aanduiding voor voettekst 7"/>
+          <p:cNvSpPr>
+            <a:spLocks noGrp="1"/>
+          </p:cNvSpPr>
+          <p:nvPr>
+            <p:ph type="ftr" sz="quarter" idx="11"/>
+          </p:nvPr>
+        </p:nvSpPr>
+        <p:spPr/>
+        <p:txBody>
+          <a:bodyPr/>
+          <a:lstStyle/>
+          <a:p>
+            <a:r>
+              <a:rPr lang="nl-NL" smtClean="0"/>
+              <a:t>Eric Dortmans / Fontys Hogeschool ICT</a:t>
+            </a:r>
+            <a:endParaRPr lang="nl-NL"/>
+          </a:p>
+        </p:txBody>
+      </p:sp>
+      <p:sp>
+        <p:nvSpPr>
+          <p:cNvPr id="9" name="Tijdelijke aanduiding voor dianummer 8"/>
+          <p:cNvSpPr>
+            <a:spLocks noGrp="1"/>
+          </p:cNvSpPr>
+          <p:nvPr>
+            <p:ph type="sldNum" sz="quarter" idx="12"/>
+          </p:nvPr>
+        </p:nvSpPr>
+        <p:spPr/>
+        <p:txBody>
+          <a:bodyPr/>
+          <a:lstStyle/>
+          <a:p>
+            <a:fld id="{A9096D49-DAE3-40DE-93E0-41688E0A5016}" type="slidenum">
+              <a:rPr lang="nl-NL" smtClean="0"/>
+              <a:t>5</a:t>
+            </a:fld>
+            <a:endParaRPr lang="nl-NL"/>
+          </a:p>
+        </p:txBody>
+      </p:sp>
+    </p:spTree>
+    <p:extLst>
+      <p:ext uri="{BB962C8B-B14F-4D97-AF65-F5344CB8AC3E}">
+        <p14:creationId xmlns:p14="http://schemas.microsoft.com/office/powerpoint/2010/main" val="2993876447"/>
+      </p:ext>
+    </p:extLst>
+  </p:cSld>
+  <p:clrMapOvr>
+    <a:masterClrMapping/>
+  </p:clrMapOvr>
+  <p:timing>
+    <p:tnLst>
+      <p:par>
+        <p:cTn id="1" dur="indefinite" restart="never" nodeType="tmRoot"/>
+      </p:par>
+    </p:tnLst>
+  </p:timing>
+</p:sld>
+</file>
+
+<file path=ppt/slides/slide50.xml><?xml version="1.0" encoding="utf-8"?>
 <p:sld xmlns:a="http://schemas.openxmlformats.org/drawingml/2006/main" xmlns:r="http://schemas.openxmlformats.org/officeDocument/2006/relationships" xmlns:p="http://schemas.openxmlformats.org/presentationml/2006/main">
   <p:cSld>
     <p:spTree>
@@ -23812,7 +25980,7 @@
 </p:sld>
 </file>
 
-<file path=ppt/slides/slide49.xml><?xml version="1.0" encoding="utf-8"?>
+<file path=ppt/slides/slide51.xml><?xml version="1.0" encoding="utf-8"?>
 <p:sld xmlns:a="http://schemas.openxmlformats.org/drawingml/2006/main" xmlns:r="http://schemas.openxmlformats.org/officeDocument/2006/relationships" xmlns:p="http://schemas.openxmlformats.org/presentationml/2006/main">
   <p:cSld>
     <p:spTree>
@@ -31905,310 +34073,7 @@
 </p:sld>
 </file>
 
-<file path=ppt/slides/slide5.xml><?xml version="1.0" encoding="utf-8"?>
-<p:sld xmlns:a="http://schemas.openxmlformats.org/drawingml/2006/main" xmlns:r="http://schemas.openxmlformats.org/officeDocument/2006/relationships" xmlns:p="http://schemas.openxmlformats.org/presentationml/2006/main">
-  <p:cSld>
-    <p:spTree>
-      <p:nvGrpSpPr>
-        <p:cNvPr id="1" name=""/>
-        <p:cNvGrpSpPr/>
-        <p:nvPr/>
-      </p:nvGrpSpPr>
-      <p:grpSpPr>
-        <a:xfrm>
-          <a:off x="0" y="0"/>
-          <a:ext cx="0" cy="0"/>
-          <a:chOff x="0" y="0"/>
-          <a:chExt cx="0" cy="0"/>
-        </a:xfrm>
-      </p:grpSpPr>
-      <p:sp>
-        <p:nvSpPr>
-          <p:cNvPr id="2" name="Titel 1"/>
-          <p:cNvSpPr>
-            <a:spLocks noGrp="1"/>
-          </p:cNvSpPr>
-          <p:nvPr>
-            <p:ph type="title"/>
-          </p:nvPr>
-        </p:nvSpPr>
-        <p:spPr/>
-        <p:txBody>
-          <a:bodyPr/>
-          <a:lstStyle/>
-          <a:p>
-            <a:r>
-              <a:rPr lang="en-US" dirty="0"/>
-              <a:t>DOFs of a Free Body</a:t>
-            </a:r>
-            <a:endParaRPr lang="nl-NL" dirty="0"/>
-          </a:p>
-        </p:txBody>
-      </p:sp>
-      <p:sp>
-        <p:nvSpPr>
-          <p:cNvPr id="3" name="Tijdelijke aanduiding voor inhoud 2"/>
-          <p:cNvSpPr>
-            <a:spLocks noGrp="1"/>
-          </p:cNvSpPr>
-          <p:nvPr>
-            <p:ph idx="1"/>
-          </p:nvPr>
-        </p:nvSpPr>
-        <p:spPr/>
-        <p:txBody>
-          <a:bodyPr/>
-          <a:lstStyle/>
-          <a:p>
-            <a:r>
-              <a:rPr lang="en-US" dirty="0" smtClean="0"/>
-              <a:t>Any unattached </a:t>
-            </a:r>
-            <a:r>
-              <a:rPr lang="en-US" dirty="0"/>
-              <a:t>body in 3D space has </a:t>
-            </a:r>
-            <a:r>
-              <a:rPr lang="en-US" dirty="0" smtClean="0"/>
-              <a:t>6 </a:t>
-            </a:r>
-            <a:r>
-              <a:rPr lang="en-US" dirty="0"/>
-              <a:t>DOFs</a:t>
-            </a:r>
-          </a:p>
-          <a:p>
-            <a:pPr lvl="1"/>
-            <a:r>
-              <a:rPr lang="en-US" dirty="0"/>
-              <a:t>3 for translation: x, y, z</a:t>
-            </a:r>
-          </a:p>
-          <a:p>
-            <a:pPr lvl="1"/>
-            <a:r>
-              <a:rPr lang="en-US" dirty="0"/>
-              <a:t>3 for rotation: roll, pitch, yaw</a:t>
-            </a:r>
-          </a:p>
-          <a:p>
-            <a:endParaRPr lang="nl-NL" dirty="0"/>
-          </a:p>
-        </p:txBody>
-      </p:sp>
-      <p:pic>
-        <p:nvPicPr>
-          <p:cNvPr id="5" name="Picture 4" descr="http://quest.arc.nasa.gov/aero/virtual/demo/aeronautics/tutorial/images/3axis.gif"/>
-          <p:cNvPicPr>
-            <a:picLocks noChangeAspect="1" noChangeArrowheads="1"/>
-          </p:cNvPicPr>
-          <p:nvPr/>
-        </p:nvPicPr>
-        <p:blipFill>
-          <a:blip r:embed="rId2">
-            <a:extLst>
-              <a:ext uri="{28A0092B-C50C-407E-A947-70E740481C1C}">
-                <a14:useLocalDpi xmlns:a14="http://schemas.microsoft.com/office/drawing/2010/main" val="0"/>
-              </a:ext>
-            </a:extLst>
-          </a:blip>
-          <a:srcRect/>
-          <a:stretch>
-            <a:fillRect/>
-          </a:stretch>
-        </p:blipFill>
-        <p:spPr bwMode="auto">
-          <a:xfrm>
-            <a:off x="1115616" y="3212976"/>
-            <a:ext cx="4968552" cy="3477988"/>
-          </a:xfrm>
-          <a:prstGeom prst="rect">
-            <a:avLst/>
-          </a:prstGeom>
-          <a:noFill/>
-          <a:extLst>
-            <a:ext uri="{909E8E84-426E-40DD-AFC4-6F175D3DCCD1}">
-              <a14:hiddenFill xmlns:a14="http://schemas.microsoft.com/office/drawing/2010/main">
-                <a:solidFill>
-                  <a:srgbClr val="FFFFFF"/>
-                </a:solidFill>
-              </a14:hiddenFill>
-            </a:ext>
-          </a:extLst>
-        </p:spPr>
-      </p:pic>
-      <p:pic>
-        <p:nvPicPr>
-          <p:cNvPr id="6" name="Picture 2" descr="https://developer.valvesoftware.com/w/images/7/7e/Roll_pitch_yaw.gif"/>
-          <p:cNvPicPr>
-            <a:picLocks noChangeAspect="1" noChangeArrowheads="1"/>
-          </p:cNvPicPr>
-          <p:nvPr/>
-        </p:nvPicPr>
-        <p:blipFill>
-          <a:blip r:embed="rId3">
-            <a:extLst>
-              <a:ext uri="{28A0092B-C50C-407E-A947-70E740481C1C}">
-                <a14:useLocalDpi xmlns:a14="http://schemas.microsoft.com/office/drawing/2010/main" val="0"/>
-              </a:ext>
-            </a:extLst>
-          </a:blip>
-          <a:srcRect/>
-          <a:stretch>
-            <a:fillRect/>
-          </a:stretch>
-        </p:blipFill>
-        <p:spPr bwMode="auto">
-          <a:xfrm>
-            <a:off x="6588224" y="2348880"/>
-            <a:ext cx="1946523" cy="1946523"/>
-          </a:xfrm>
-          <a:prstGeom prst="rect">
-            <a:avLst/>
-          </a:prstGeom>
-          <a:noFill/>
-          <a:extLst>
-            <a:ext uri="{909E8E84-426E-40DD-AFC4-6F175D3DCCD1}">
-              <a14:hiddenFill xmlns:a14="http://schemas.microsoft.com/office/drawing/2010/main">
-                <a:solidFill>
-                  <a:srgbClr val="FFFFFF"/>
-                </a:solidFill>
-              </a14:hiddenFill>
-            </a:ext>
-          </a:extLst>
-        </p:spPr>
-      </p:pic>
-      <p:pic>
-        <p:nvPicPr>
-          <p:cNvPr id="7" name="Picture 5" descr="D:\SkyDrive\Documents\My Pictures\right_hand_axes.jpg"/>
-          <p:cNvPicPr>
-            <a:picLocks noChangeAspect="1" noChangeArrowheads="1"/>
-          </p:cNvPicPr>
-          <p:nvPr/>
-        </p:nvPicPr>
-        <p:blipFill>
-          <a:blip r:embed="rId4">
-            <a:extLst>
-              <a:ext uri="{28A0092B-C50C-407E-A947-70E740481C1C}">
-                <a14:useLocalDpi xmlns:a14="http://schemas.microsoft.com/office/drawing/2010/main" val="0"/>
-              </a:ext>
-            </a:extLst>
-          </a:blip>
-          <a:srcRect/>
-          <a:stretch>
-            <a:fillRect/>
-          </a:stretch>
-        </p:blipFill>
-        <p:spPr bwMode="auto">
-          <a:xfrm>
-            <a:off x="6085300" y="4437112"/>
-            <a:ext cx="2331809" cy="2168582"/>
-          </a:xfrm>
-          <a:prstGeom prst="rect">
-            <a:avLst/>
-          </a:prstGeom>
-          <a:noFill/>
-          <a:extLst>
-            <a:ext uri="{909E8E84-426E-40DD-AFC4-6F175D3DCCD1}">
-              <a14:hiddenFill xmlns:a14="http://schemas.microsoft.com/office/drawing/2010/main">
-                <a:solidFill>
-                  <a:srgbClr val="FFFFFF"/>
-                </a:solidFill>
-              </a14:hiddenFill>
-            </a:ext>
-          </a:extLst>
-        </p:spPr>
-      </p:pic>
-      <p:sp>
-        <p:nvSpPr>
-          <p:cNvPr id="4" name="Tijdelijke aanduiding voor datum 3"/>
-          <p:cNvSpPr>
-            <a:spLocks noGrp="1"/>
-          </p:cNvSpPr>
-          <p:nvPr>
-            <p:ph type="dt" sz="half" idx="10"/>
-          </p:nvPr>
-        </p:nvSpPr>
-        <p:spPr/>
-        <p:txBody>
-          <a:bodyPr/>
-          <a:lstStyle/>
-          <a:p>
-            <a:r>
-              <a:rPr lang="en-US" smtClean="0"/>
-              <a:t>27-5-2015</a:t>
-            </a:r>
-            <a:endParaRPr lang="nl-NL"/>
-          </a:p>
-        </p:txBody>
-      </p:sp>
-      <p:sp>
-        <p:nvSpPr>
-          <p:cNvPr id="8" name="Tijdelijke aanduiding voor voettekst 7"/>
-          <p:cNvSpPr>
-            <a:spLocks noGrp="1"/>
-          </p:cNvSpPr>
-          <p:nvPr>
-            <p:ph type="ftr" sz="quarter" idx="11"/>
-          </p:nvPr>
-        </p:nvSpPr>
-        <p:spPr/>
-        <p:txBody>
-          <a:bodyPr/>
-          <a:lstStyle/>
-          <a:p>
-            <a:r>
-              <a:rPr lang="nl-NL" smtClean="0"/>
-              <a:t>Eric Dortmans / Fontys Hogeschool ICT</a:t>
-            </a:r>
-            <a:endParaRPr lang="nl-NL"/>
-          </a:p>
-        </p:txBody>
-      </p:sp>
-      <p:sp>
-        <p:nvSpPr>
-          <p:cNvPr id="9" name="Tijdelijke aanduiding voor dianummer 8"/>
-          <p:cNvSpPr>
-            <a:spLocks noGrp="1"/>
-          </p:cNvSpPr>
-          <p:nvPr>
-            <p:ph type="sldNum" sz="quarter" idx="12"/>
-          </p:nvPr>
-        </p:nvSpPr>
-        <p:spPr/>
-        <p:txBody>
-          <a:bodyPr/>
-          <a:lstStyle/>
-          <a:p>
-            <a:fld id="{A9096D49-DAE3-40DE-93E0-41688E0A5016}" type="slidenum">
-              <a:rPr lang="nl-NL" smtClean="0"/>
-              <a:t>5</a:t>
-            </a:fld>
-            <a:endParaRPr lang="nl-NL"/>
-          </a:p>
-        </p:txBody>
-      </p:sp>
-    </p:spTree>
-    <p:extLst>
-      <p:ext uri="{BB962C8B-B14F-4D97-AF65-F5344CB8AC3E}">
-        <p14:creationId xmlns:p14="http://schemas.microsoft.com/office/powerpoint/2010/main" val="2993876447"/>
-      </p:ext>
-    </p:extLst>
-  </p:cSld>
-  <p:clrMapOvr>
-    <a:masterClrMapping/>
-  </p:clrMapOvr>
-  <p:timing>
-    <p:tnLst>
-      <p:par>
-        <p:cTn id="1" dur="indefinite" restart="never" nodeType="tmRoot"/>
-      </p:par>
-    </p:tnLst>
-  </p:timing>
-</p:sld>
-</file>
-
-<file path=ppt/slides/slide50.xml><?xml version="1.0" encoding="utf-8"?>
+<file path=ppt/slides/slide52.xml><?xml version="1.0" encoding="utf-8"?>
 <p:sld xmlns:a="http://schemas.openxmlformats.org/drawingml/2006/main" xmlns:r="http://schemas.openxmlformats.org/officeDocument/2006/relationships" xmlns:p="http://schemas.openxmlformats.org/presentationml/2006/main">
   <p:cSld>
     <p:spTree>
@@ -46023,7 +47888,7 @@
 </p:sld>
 </file>
 
-<file path=ppt/slides/slide51.xml><?xml version="1.0" encoding="utf-8"?>
+<file path=ppt/slides/slide53.xml><?xml version="1.0" encoding="utf-8"?>
 <p:sld xmlns:a="http://schemas.openxmlformats.org/drawingml/2006/main" xmlns:r="http://schemas.openxmlformats.org/officeDocument/2006/relationships" xmlns:p="http://schemas.openxmlformats.org/presentationml/2006/main">
   <p:cSld>
     <p:spTree>
@@ -46144,7 +48009,7 @@
 </p:sld>
 </file>
 
-<file path=ppt/slides/slide52.xml><?xml version="1.0" encoding="utf-8"?>
+<file path=ppt/slides/slide54.xml><?xml version="1.0" encoding="utf-8"?>
 <p:sld xmlns:a="http://schemas.openxmlformats.org/drawingml/2006/main" xmlns:r="http://schemas.openxmlformats.org/officeDocument/2006/relationships" xmlns:p="http://schemas.openxmlformats.org/presentationml/2006/main">
   <p:cSld>
     <p:spTree>
@@ -46413,7 +48278,7 @@
 </p:sld>
 </file>
 
-<file path=ppt/slides/slide53.xml><?xml version="1.0" encoding="utf-8"?>
+<file path=ppt/slides/slide55.xml><?xml version="1.0" encoding="utf-8"?>
 <p:sld xmlns:a="http://schemas.openxmlformats.org/drawingml/2006/main" xmlns:r="http://schemas.openxmlformats.org/officeDocument/2006/relationships" xmlns:p="http://schemas.openxmlformats.org/presentationml/2006/main">
   <p:cSld>
     <p:spTree>
@@ -47366,7 +49231,7 @@
 </p:sld>
 </file>
 
-<file path=ppt/slides/slide54.xml><?xml version="1.0" encoding="utf-8"?>
+<file path=ppt/slides/slide56.xml><?xml version="1.0" encoding="utf-8"?>
 <p:sld xmlns:a="http://schemas.openxmlformats.org/drawingml/2006/main" xmlns:r="http://schemas.openxmlformats.org/officeDocument/2006/relationships" xmlns:p="http://schemas.openxmlformats.org/presentationml/2006/main">
   <p:cSld>
     <p:spTree>
@@ -47529,13 +49394,8 @@
             </a:r>
             <a:r>
               <a:rPr lang="en-US" dirty="0" smtClean="0"/>
-              <a:t> (default</a:t>
-            </a:r>
-            <a:r>
-              <a:rPr lang="en-US" dirty="0" smtClean="0"/>
-              <a:t>)</a:t>
-            </a:r>
-            <a:endParaRPr lang="en-US" dirty="0" smtClean="0"/>
+              <a:t> (default)</a:t>
+            </a:r>
           </a:p>
           <a:p>
             <a:pPr lvl="2"/>
@@ -47563,7 +49423,7 @@
 </p:sld>
 </file>
 
-<file path=ppt/slides/slide55.xml><?xml version="1.0" encoding="utf-8"?>
+<file path=ppt/slides/slide57.xml><?xml version="1.0" encoding="utf-8"?>
 <p:sld xmlns:a="http://schemas.openxmlformats.org/drawingml/2006/main" xmlns:r="http://schemas.openxmlformats.org/officeDocument/2006/relationships" xmlns:p="http://schemas.openxmlformats.org/presentationml/2006/main">
   <p:cSld>
     <p:spTree>
@@ -47743,13 +49603,8 @@
             <a:pPr lvl="2"/>
             <a:r>
               <a:rPr lang="en-US" dirty="0" smtClean="0"/>
-              <a:t>DWA, Trajectory </a:t>
-            </a:r>
-            <a:r>
-              <a:rPr lang="en-US" dirty="0" smtClean="0"/>
-              <a:t>rollout</a:t>
-            </a:r>
-            <a:endParaRPr lang="en-US" dirty="0" smtClean="0"/>
+              <a:t>DWA, Trajectory rollout</a:t>
+            </a:r>
           </a:p>
         </p:txBody>
       </p:sp>
@@ -47773,7 +49628,7 @@
 </p:sld>
 </file>
 
-<file path=ppt/slides/slide56.xml><?xml version="1.0" encoding="utf-8"?>
+<file path=ppt/slides/slide58.xml><?xml version="1.0" encoding="utf-8"?>
 <p:sld xmlns:a="http://schemas.openxmlformats.org/drawingml/2006/main" xmlns:r="http://schemas.openxmlformats.org/officeDocument/2006/relationships" xmlns:p="http://schemas.openxmlformats.org/presentationml/2006/main">
   <p:cSld>
     <p:spTree>
@@ -48633,6 +50488,13 @@
   <p:clrMapOvr>
     <a:masterClrMapping/>
   </p:clrMapOvr>
+  <p:timing>
+    <p:tnLst>
+      <p:par>
+        <p:cTn id="1" dur="indefinite" restart="never" nodeType="tmRoot"/>
+      </p:par>
+    </p:tnLst>
+  </p:timing>
 </p:sld>
 </file>
 
